--- a/DailyNeeds.co.id/LAPORAN/SIDANG/DOKUMEN/Sidang TA 18211031 Nicolas Novian Ruslim v2.pptx
+++ b/DailyNeeds.co.id/LAPORAN/SIDANG/DOKUMEN/Sidang TA 18211031 Nicolas Novian Ruslim v2.pptx
@@ -5,7 +5,7 @@
     <p:sldMasterId id="2147483655" r:id="rId1"/>
   </p:sldMasterIdLst>
   <p:notesMasterIdLst>
-    <p:notesMasterId r:id="rId55"/>
+    <p:notesMasterId r:id="rId59"/>
   </p:notesMasterIdLst>
   <p:sldIdLst>
     <p:sldId id="256" r:id="rId2"/>
@@ -19,48 +19,52 @@
     <p:sldId id="263" r:id="rId10"/>
     <p:sldId id="267" r:id="rId11"/>
     <p:sldId id="268" r:id="rId12"/>
-    <p:sldId id="271" r:id="rId13"/>
-    <p:sldId id="272" r:id="rId14"/>
-    <p:sldId id="273" r:id="rId15"/>
-    <p:sldId id="274" r:id="rId16"/>
-    <p:sldId id="275" r:id="rId17"/>
-    <p:sldId id="276" r:id="rId18"/>
-    <p:sldId id="278" r:id="rId19"/>
-    <p:sldId id="335" r:id="rId20"/>
-    <p:sldId id="317" r:id="rId21"/>
-    <p:sldId id="318" r:id="rId22"/>
-    <p:sldId id="336" r:id="rId23"/>
-    <p:sldId id="319" r:id="rId24"/>
-    <p:sldId id="320" r:id="rId25"/>
-    <p:sldId id="321" r:id="rId26"/>
-    <p:sldId id="322" r:id="rId27"/>
-    <p:sldId id="323" r:id="rId28"/>
-    <p:sldId id="324" r:id="rId29"/>
-    <p:sldId id="337" r:id="rId30"/>
-    <p:sldId id="325" r:id="rId31"/>
-    <p:sldId id="339" r:id="rId32"/>
-    <p:sldId id="326" r:id="rId33"/>
-    <p:sldId id="327" r:id="rId34"/>
-    <p:sldId id="328" r:id="rId35"/>
-    <p:sldId id="329" r:id="rId36"/>
-    <p:sldId id="330" r:id="rId37"/>
-    <p:sldId id="331" r:id="rId38"/>
-    <p:sldId id="332" r:id="rId39"/>
-    <p:sldId id="338" r:id="rId40"/>
-    <p:sldId id="333" r:id="rId41"/>
-    <p:sldId id="334" r:id="rId42"/>
-    <p:sldId id="280" r:id="rId43"/>
-    <p:sldId id="281" r:id="rId44"/>
-    <p:sldId id="282" r:id="rId45"/>
-    <p:sldId id="283" r:id="rId46"/>
-    <p:sldId id="284" r:id="rId47"/>
-    <p:sldId id="285" r:id="rId48"/>
-    <p:sldId id="286" r:id="rId49"/>
-    <p:sldId id="287" r:id="rId50"/>
-    <p:sldId id="288" r:id="rId51"/>
-    <p:sldId id="289" r:id="rId52"/>
-    <p:sldId id="294" r:id="rId53"/>
-    <p:sldId id="340" r:id="rId54"/>
+    <p:sldId id="274" r:id="rId13"/>
+    <p:sldId id="275" r:id="rId14"/>
+    <p:sldId id="276" r:id="rId15"/>
+    <p:sldId id="278" r:id="rId16"/>
+    <p:sldId id="335" r:id="rId17"/>
+    <p:sldId id="317" r:id="rId18"/>
+    <p:sldId id="318" r:id="rId19"/>
+    <p:sldId id="336" r:id="rId20"/>
+    <p:sldId id="319" r:id="rId21"/>
+    <p:sldId id="320" r:id="rId22"/>
+    <p:sldId id="321" r:id="rId23"/>
+    <p:sldId id="322" r:id="rId24"/>
+    <p:sldId id="323" r:id="rId25"/>
+    <p:sldId id="324" r:id="rId26"/>
+    <p:sldId id="337" r:id="rId27"/>
+    <p:sldId id="325" r:id="rId28"/>
+    <p:sldId id="339" r:id="rId29"/>
+    <p:sldId id="326" r:id="rId30"/>
+    <p:sldId id="327" r:id="rId31"/>
+    <p:sldId id="328" r:id="rId32"/>
+    <p:sldId id="329" r:id="rId33"/>
+    <p:sldId id="330" r:id="rId34"/>
+    <p:sldId id="331" r:id="rId35"/>
+    <p:sldId id="332" r:id="rId36"/>
+    <p:sldId id="338" r:id="rId37"/>
+    <p:sldId id="333" r:id="rId38"/>
+    <p:sldId id="334" r:id="rId39"/>
+    <p:sldId id="280" r:id="rId40"/>
+    <p:sldId id="281" r:id="rId41"/>
+    <p:sldId id="282" r:id="rId42"/>
+    <p:sldId id="283" r:id="rId43"/>
+    <p:sldId id="284" r:id="rId44"/>
+    <p:sldId id="341" r:id="rId45"/>
+    <p:sldId id="342" r:id="rId46"/>
+    <p:sldId id="343" r:id="rId47"/>
+    <p:sldId id="344" r:id="rId48"/>
+    <p:sldId id="285" r:id="rId49"/>
+    <p:sldId id="286" r:id="rId50"/>
+    <p:sldId id="287" r:id="rId51"/>
+    <p:sldId id="288" r:id="rId52"/>
+    <p:sldId id="289" r:id="rId53"/>
+    <p:sldId id="294" r:id="rId54"/>
+    <p:sldId id="340" r:id="rId55"/>
+    <p:sldId id="271" r:id="rId56"/>
+    <p:sldId id="272" r:id="rId57"/>
+    <p:sldId id="273" r:id="rId58"/>
   </p:sldIdLst>
   <p:sldSz cx="9144000" cy="5143500" type="screen16x9"/>
   <p:notesSz cx="6858000" cy="9144000"/>
@@ -725,8 +729,8 @@
         </p:nvSpPr>
         <p:spPr>
           <a:xfrm>
-            <a:off x="1143225" y="685800"/>
-            <a:ext cx="4572225" cy="3429000"/>
+            <a:off x="381000" y="685800"/>
+            <a:ext cx="6096000" cy="3429000"/>
           </a:xfrm>
           <a:custGeom>
             <a:avLst/>
@@ -898,354 +902,6 @@
   <p:cSld>
     <p:spTree>
       <p:nvGrpSpPr>
-        <p:cNvPr id="1" name="Shape 157"/>
-        <p:cNvGrpSpPr/>
-        <p:nvPr/>
-      </p:nvGrpSpPr>
-      <p:grpSpPr>
-        <a:xfrm>
-          <a:off x="0" y="0"/>
-          <a:ext cx="0" cy="0"/>
-          <a:chOff x="0" y="0"/>
-          <a:chExt cx="0" cy="0"/>
-        </a:xfrm>
-      </p:grpSpPr>
-      <p:sp>
-        <p:nvSpPr>
-          <p:cNvPr id="158" name="Shape 158"/>
-          <p:cNvSpPr>
-            <a:spLocks noGrp="1" noRot="1" noChangeAspect="1"/>
-          </p:cNvSpPr>
-          <p:nvPr>
-            <p:ph type="sldImg" idx="2"/>
-          </p:nvPr>
-        </p:nvSpPr>
-        <p:spPr>
-          <a:xfrm>
-            <a:off x="381187" y="685800"/>
-            <a:ext cx="6096299" cy="3429000"/>
-          </a:xfrm>
-          <a:custGeom>
-            <a:avLst/>
-            <a:gdLst/>
-            <a:ahLst/>
-            <a:cxnLst/>
-            <a:rect l="0" t="0" r="0" b="0"/>
-            <a:pathLst>
-              <a:path w="120000" h="120000" extrusionOk="0">
-                <a:moveTo>
-                  <a:pt x="0" y="0"/>
-                </a:moveTo>
-                <a:lnTo>
-                  <a:pt x="120000" y="0"/>
-                </a:lnTo>
-                <a:lnTo>
-                  <a:pt x="120000" y="120000"/>
-                </a:lnTo>
-                <a:lnTo>
-                  <a:pt x="0" y="120000"/>
-                </a:lnTo>
-                <a:close/>
-              </a:path>
-            </a:pathLst>
-          </a:custGeom>
-          <a:noFill/>
-          <a:ln w="9525" cap="flat">
-            <a:solidFill>
-              <a:srgbClr val="000000"/>
-            </a:solidFill>
-            <a:prstDash val="solid"/>
-            <a:round/>
-            <a:headEnd type="none" w="med" len="med"/>
-            <a:tailEnd type="none" w="med" len="med"/>
-          </a:ln>
-        </p:spPr>
-      </p:sp>
-      <p:sp>
-        <p:nvSpPr>
-          <p:cNvPr id="159" name="Shape 159"/>
-          <p:cNvSpPr txBox="1">
-            <a:spLocks noGrp="1"/>
-          </p:cNvSpPr>
-          <p:nvPr>
-            <p:ph type="body" idx="1"/>
-          </p:nvPr>
-        </p:nvSpPr>
-        <p:spPr>
-          <a:xfrm>
-            <a:off x="685800" y="4343400"/>
-            <a:ext cx="5486399" cy="4114800"/>
-          </a:xfrm>
-          <a:prstGeom prst="rect">
-            <a:avLst/>
-          </a:prstGeom>
-        </p:spPr>
-        <p:txBody>
-          <a:bodyPr lIns="91425" tIns="91425" rIns="91425" bIns="91425" anchor="t" anchorCtr="0">
-            <a:noAutofit/>
-          </a:bodyPr>
-          <a:lstStyle/>
-          <a:p>
-            <a:pPr>
-              <a:spcBef>
-                <a:spcPts val="0"/>
-              </a:spcBef>
-              <a:buNone/>
-            </a:pPr>
-            <a:endParaRPr/>
-          </a:p>
-        </p:txBody>
-      </p:sp>
-    </p:spTree>
-    <p:extLst>
-      <p:ext uri="{BB962C8B-B14F-4D97-AF65-F5344CB8AC3E}">
-        <p14:creationId xmlns:p14="http://schemas.microsoft.com/office/powerpoint/2010/main" val="167438425"/>
-      </p:ext>
-    </p:extLst>
-  </p:cSld>
-  <p:clrMapOvr>
-    <a:masterClrMapping/>
-  </p:clrMapOvr>
-</p:notes>
-</file>
-
-<file path=ppt/notesSlides/notesSlide13.xml><?xml version="1.0" encoding="utf-8"?>
-<p:notes xmlns:a="http://schemas.openxmlformats.org/drawingml/2006/main" xmlns:r="http://schemas.openxmlformats.org/officeDocument/2006/relationships" xmlns:p="http://schemas.openxmlformats.org/presentationml/2006/main" showMasterSp="0" showMasterPhAnim="0">
-  <p:cSld>
-    <p:spTree>
-      <p:nvGrpSpPr>
-        <p:cNvPr id="1" name="Shape 165"/>
-        <p:cNvGrpSpPr/>
-        <p:nvPr/>
-      </p:nvGrpSpPr>
-      <p:grpSpPr>
-        <a:xfrm>
-          <a:off x="0" y="0"/>
-          <a:ext cx="0" cy="0"/>
-          <a:chOff x="0" y="0"/>
-          <a:chExt cx="0" cy="0"/>
-        </a:xfrm>
-      </p:grpSpPr>
-      <p:sp>
-        <p:nvSpPr>
-          <p:cNvPr id="166" name="Shape 166"/>
-          <p:cNvSpPr txBox="1">
-            <a:spLocks noGrp="1"/>
-          </p:cNvSpPr>
-          <p:nvPr>
-            <p:ph type="body" idx="1"/>
-          </p:nvPr>
-        </p:nvSpPr>
-        <p:spPr>
-          <a:xfrm>
-            <a:off x="685800" y="4343400"/>
-            <a:ext cx="5486399" cy="4114800"/>
-          </a:xfrm>
-          <a:prstGeom prst="rect">
-            <a:avLst/>
-          </a:prstGeom>
-        </p:spPr>
-        <p:txBody>
-          <a:bodyPr lIns="91425" tIns="91425" rIns="91425" bIns="91425" anchor="ctr" anchorCtr="0">
-            <a:noAutofit/>
-          </a:bodyPr>
-          <a:lstStyle/>
-          <a:p>
-            <a:pPr>
-              <a:spcBef>
-                <a:spcPts val="0"/>
-              </a:spcBef>
-              <a:buNone/>
-            </a:pPr>
-            <a:endParaRPr/>
-          </a:p>
-        </p:txBody>
-      </p:sp>
-      <p:sp>
-        <p:nvSpPr>
-          <p:cNvPr id="167" name="Shape 167"/>
-          <p:cNvSpPr>
-            <a:spLocks noGrp="1" noRot="1" noChangeAspect="1"/>
-          </p:cNvSpPr>
-          <p:nvPr>
-            <p:ph type="sldImg" idx="2"/>
-          </p:nvPr>
-        </p:nvSpPr>
-        <p:spPr>
-          <a:xfrm>
-            <a:off x="381000" y="685800"/>
-            <a:ext cx="6096000" cy="3429000"/>
-          </a:xfrm>
-          <a:custGeom>
-            <a:avLst/>
-            <a:gdLst/>
-            <a:ahLst/>
-            <a:cxnLst/>
-            <a:rect l="0" t="0" r="0" b="0"/>
-            <a:pathLst>
-              <a:path w="120000" h="120000" extrusionOk="0">
-                <a:moveTo>
-                  <a:pt x="0" y="0"/>
-                </a:moveTo>
-                <a:lnTo>
-                  <a:pt x="120000" y="0"/>
-                </a:lnTo>
-                <a:lnTo>
-                  <a:pt x="120000" y="120000"/>
-                </a:lnTo>
-                <a:lnTo>
-                  <a:pt x="0" y="120000"/>
-                </a:lnTo>
-                <a:close/>
-              </a:path>
-            </a:pathLst>
-          </a:custGeom>
-          <a:noFill/>
-          <a:ln w="9525" cap="flat">
-            <a:solidFill>
-              <a:srgbClr val="000000"/>
-            </a:solidFill>
-            <a:prstDash val="solid"/>
-            <a:round/>
-            <a:headEnd type="none" w="med" len="med"/>
-            <a:tailEnd type="none" w="med" len="med"/>
-          </a:ln>
-        </p:spPr>
-      </p:sp>
-    </p:spTree>
-    <p:extLst>
-      <p:ext uri="{BB962C8B-B14F-4D97-AF65-F5344CB8AC3E}">
-        <p14:creationId xmlns:p14="http://schemas.microsoft.com/office/powerpoint/2010/main" val="2718757336"/>
-      </p:ext>
-    </p:extLst>
-  </p:cSld>
-  <p:clrMapOvr>
-    <a:masterClrMapping/>
-  </p:clrMapOvr>
-</p:notes>
-</file>
-
-<file path=ppt/notesSlides/notesSlide14.xml><?xml version="1.0" encoding="utf-8"?>
-<p:notes xmlns:a="http://schemas.openxmlformats.org/drawingml/2006/main" xmlns:r="http://schemas.openxmlformats.org/officeDocument/2006/relationships" xmlns:p="http://schemas.openxmlformats.org/presentationml/2006/main" showMasterSp="0" showMasterPhAnim="0">
-  <p:cSld>
-    <p:spTree>
-      <p:nvGrpSpPr>
-        <p:cNvPr id="1" name="Shape 172"/>
-        <p:cNvGrpSpPr/>
-        <p:nvPr/>
-      </p:nvGrpSpPr>
-      <p:grpSpPr>
-        <a:xfrm>
-          <a:off x="0" y="0"/>
-          <a:ext cx="0" cy="0"/>
-          <a:chOff x="0" y="0"/>
-          <a:chExt cx="0" cy="0"/>
-        </a:xfrm>
-      </p:grpSpPr>
-      <p:sp>
-        <p:nvSpPr>
-          <p:cNvPr id="173" name="Shape 173"/>
-          <p:cNvSpPr txBox="1">
-            <a:spLocks noGrp="1"/>
-          </p:cNvSpPr>
-          <p:nvPr>
-            <p:ph type="body" idx="1"/>
-          </p:nvPr>
-        </p:nvSpPr>
-        <p:spPr>
-          <a:xfrm>
-            <a:off x="685800" y="4343400"/>
-            <a:ext cx="5486399" cy="4114800"/>
-          </a:xfrm>
-          <a:prstGeom prst="rect">
-            <a:avLst/>
-          </a:prstGeom>
-        </p:spPr>
-        <p:txBody>
-          <a:bodyPr lIns="91425" tIns="91425" rIns="91425" bIns="91425" anchor="ctr" anchorCtr="0">
-            <a:noAutofit/>
-          </a:bodyPr>
-          <a:lstStyle/>
-          <a:p>
-            <a:pPr>
-              <a:spcBef>
-                <a:spcPts val="0"/>
-              </a:spcBef>
-              <a:buNone/>
-            </a:pPr>
-            <a:endParaRPr/>
-          </a:p>
-        </p:txBody>
-      </p:sp>
-      <p:sp>
-        <p:nvSpPr>
-          <p:cNvPr id="174" name="Shape 174"/>
-          <p:cNvSpPr>
-            <a:spLocks noGrp="1" noRot="1" noChangeAspect="1"/>
-          </p:cNvSpPr>
-          <p:nvPr>
-            <p:ph type="sldImg" idx="2"/>
-          </p:nvPr>
-        </p:nvSpPr>
-        <p:spPr>
-          <a:xfrm>
-            <a:off x="381000" y="685800"/>
-            <a:ext cx="6096000" cy="3429000"/>
-          </a:xfrm>
-          <a:custGeom>
-            <a:avLst/>
-            <a:gdLst/>
-            <a:ahLst/>
-            <a:cxnLst/>
-            <a:rect l="0" t="0" r="0" b="0"/>
-            <a:pathLst>
-              <a:path w="120000" h="120000" extrusionOk="0">
-                <a:moveTo>
-                  <a:pt x="0" y="0"/>
-                </a:moveTo>
-                <a:lnTo>
-                  <a:pt x="120000" y="0"/>
-                </a:lnTo>
-                <a:lnTo>
-                  <a:pt x="120000" y="120000"/>
-                </a:lnTo>
-                <a:lnTo>
-                  <a:pt x="0" y="120000"/>
-                </a:lnTo>
-                <a:close/>
-              </a:path>
-            </a:pathLst>
-          </a:custGeom>
-          <a:noFill/>
-          <a:ln w="9525" cap="flat">
-            <a:solidFill>
-              <a:srgbClr val="000000"/>
-            </a:solidFill>
-            <a:prstDash val="solid"/>
-            <a:round/>
-            <a:headEnd type="none" w="med" len="med"/>
-            <a:tailEnd type="none" w="med" len="med"/>
-          </a:ln>
-        </p:spPr>
-      </p:sp>
-    </p:spTree>
-    <p:extLst>
-      <p:ext uri="{BB962C8B-B14F-4D97-AF65-F5344CB8AC3E}">
-        <p14:creationId xmlns:p14="http://schemas.microsoft.com/office/powerpoint/2010/main" val="434841453"/>
-      </p:ext>
-    </p:extLst>
-  </p:cSld>
-  <p:clrMapOvr>
-    <a:masterClrMapping/>
-  </p:clrMapOvr>
-</p:notes>
-</file>
-
-<file path=ppt/notesSlides/notesSlide15.xml><?xml version="1.0" encoding="utf-8"?>
-<p:notes xmlns:a="http://schemas.openxmlformats.org/drawingml/2006/main" xmlns:r="http://schemas.openxmlformats.org/officeDocument/2006/relationships" xmlns:p="http://schemas.openxmlformats.org/presentationml/2006/main" showMasterSp="0" showMasterPhAnim="0">
-  <p:cSld>
-    <p:spTree>
-      <p:nvGrpSpPr>
         <p:cNvPr id="1" name="Shape 177"/>
         <p:cNvGrpSpPr/>
         <p:nvPr/>
@@ -1357,7 +1013,7 @@
 </p:notes>
 </file>
 
-<file path=ppt/notesSlides/notesSlide16.xml><?xml version="1.0" encoding="utf-8"?>
+<file path=ppt/notesSlides/notesSlide13.xml><?xml version="1.0" encoding="utf-8"?>
 <p:notes xmlns:a="http://schemas.openxmlformats.org/drawingml/2006/main" xmlns:r="http://schemas.openxmlformats.org/officeDocument/2006/relationships" xmlns:p="http://schemas.openxmlformats.org/presentationml/2006/main" showMasterSp="0" showMasterPhAnim="0">
   <p:cSld>
     <p:spTree>
@@ -1473,7 +1129,7 @@
 </p:notes>
 </file>
 
-<file path=ppt/notesSlides/notesSlide17.xml><?xml version="1.0" encoding="utf-8"?>
+<file path=ppt/notesSlides/notesSlide14.xml><?xml version="1.0" encoding="utf-8"?>
 <p:notes xmlns:a="http://schemas.openxmlformats.org/drawingml/2006/main" xmlns:r="http://schemas.openxmlformats.org/officeDocument/2006/relationships" xmlns:p="http://schemas.openxmlformats.org/presentationml/2006/main" showMasterSp="0" showMasterPhAnim="0">
   <p:cSld>
     <p:spTree>
@@ -1589,7 +1245,7 @@
 </p:notes>
 </file>
 
-<file path=ppt/notesSlides/notesSlide18.xml><?xml version="1.0" encoding="utf-8"?>
+<file path=ppt/notesSlides/notesSlide15.xml><?xml version="1.0" encoding="utf-8"?>
 <p:notes xmlns:a="http://schemas.openxmlformats.org/drawingml/2006/main" xmlns:r="http://schemas.openxmlformats.org/officeDocument/2006/relationships" xmlns:p="http://schemas.openxmlformats.org/presentationml/2006/main" showMasterSp="0" showMasterPhAnim="0">
   <p:cSld>
     <p:spTree>
@@ -1696,6 +1352,354 @@
     <p:extLst>
       <p:ext uri="{BB962C8B-B14F-4D97-AF65-F5344CB8AC3E}">
         <p14:creationId xmlns:p14="http://schemas.microsoft.com/office/powerpoint/2010/main" val="1327265450"/>
+      </p:ext>
+    </p:extLst>
+  </p:cSld>
+  <p:clrMapOvr>
+    <a:masterClrMapping/>
+  </p:clrMapOvr>
+</p:notes>
+</file>
+
+<file path=ppt/notesSlides/notesSlide16.xml><?xml version="1.0" encoding="utf-8"?>
+<p:notes xmlns:a="http://schemas.openxmlformats.org/drawingml/2006/main" xmlns:r="http://schemas.openxmlformats.org/officeDocument/2006/relationships" xmlns:p="http://schemas.openxmlformats.org/presentationml/2006/main" showMasterSp="0" showMasterPhAnim="0">
+  <p:cSld>
+    <p:spTree>
+      <p:nvGrpSpPr>
+        <p:cNvPr id="1" name="Shape 177"/>
+        <p:cNvGrpSpPr/>
+        <p:nvPr/>
+      </p:nvGrpSpPr>
+      <p:grpSpPr>
+        <a:xfrm>
+          <a:off x="0" y="0"/>
+          <a:ext cx="0" cy="0"/>
+          <a:chOff x="0" y="0"/>
+          <a:chExt cx="0" cy="0"/>
+        </a:xfrm>
+      </p:grpSpPr>
+      <p:sp>
+        <p:nvSpPr>
+          <p:cNvPr id="178" name="Shape 178"/>
+          <p:cNvSpPr>
+            <a:spLocks noGrp="1" noRot="1" noChangeAspect="1"/>
+          </p:cNvSpPr>
+          <p:nvPr>
+            <p:ph type="sldImg" idx="2"/>
+          </p:nvPr>
+        </p:nvSpPr>
+        <p:spPr>
+          <a:xfrm>
+            <a:off x="381000" y="685800"/>
+            <a:ext cx="6096000" cy="3429000"/>
+          </a:xfrm>
+          <a:custGeom>
+            <a:avLst/>
+            <a:gdLst/>
+            <a:ahLst/>
+            <a:cxnLst/>
+            <a:rect l="0" t="0" r="0" b="0"/>
+            <a:pathLst>
+              <a:path w="120000" h="120000" extrusionOk="0">
+                <a:moveTo>
+                  <a:pt x="0" y="0"/>
+                </a:moveTo>
+                <a:lnTo>
+                  <a:pt x="120000" y="0"/>
+                </a:lnTo>
+                <a:lnTo>
+                  <a:pt x="120000" y="120000"/>
+                </a:lnTo>
+                <a:lnTo>
+                  <a:pt x="0" y="120000"/>
+                </a:lnTo>
+                <a:close/>
+              </a:path>
+            </a:pathLst>
+          </a:custGeom>
+          <a:noFill/>
+          <a:ln w="9525" cap="flat">
+            <a:solidFill>
+              <a:srgbClr val="000000"/>
+            </a:solidFill>
+            <a:prstDash val="solid"/>
+            <a:round/>
+            <a:headEnd type="none" w="med" len="med"/>
+            <a:tailEnd type="none" w="med" len="med"/>
+          </a:ln>
+        </p:spPr>
+      </p:sp>
+      <p:sp>
+        <p:nvSpPr>
+          <p:cNvPr id="179" name="Shape 179"/>
+          <p:cNvSpPr txBox="1">
+            <a:spLocks noGrp="1"/>
+          </p:cNvSpPr>
+          <p:nvPr>
+            <p:ph type="body" idx="1"/>
+          </p:nvPr>
+        </p:nvSpPr>
+        <p:spPr>
+          <a:xfrm>
+            <a:off x="685800" y="4343400"/>
+            <a:ext cx="5486399" cy="4114800"/>
+          </a:xfrm>
+          <a:prstGeom prst="rect">
+            <a:avLst/>
+          </a:prstGeom>
+        </p:spPr>
+        <p:txBody>
+          <a:bodyPr lIns="91425" tIns="91425" rIns="91425" bIns="91425" anchor="t" anchorCtr="0">
+            <a:noAutofit/>
+          </a:bodyPr>
+          <a:lstStyle/>
+          <a:p>
+            <a:pPr>
+              <a:spcBef>
+                <a:spcPts val="0"/>
+              </a:spcBef>
+              <a:buNone/>
+            </a:pPr>
+            <a:endParaRPr/>
+          </a:p>
+        </p:txBody>
+      </p:sp>
+    </p:spTree>
+    <p:extLst>
+      <p:ext uri="{BB962C8B-B14F-4D97-AF65-F5344CB8AC3E}">
+        <p14:creationId xmlns:p14="http://schemas.microsoft.com/office/powerpoint/2010/main" val="1164679493"/>
+      </p:ext>
+    </p:extLst>
+  </p:cSld>
+  <p:clrMapOvr>
+    <a:masterClrMapping/>
+  </p:clrMapOvr>
+</p:notes>
+</file>
+
+<file path=ppt/notesSlides/notesSlide17.xml><?xml version="1.0" encoding="utf-8"?>
+<p:notes xmlns:a="http://schemas.openxmlformats.org/drawingml/2006/main" xmlns:r="http://schemas.openxmlformats.org/officeDocument/2006/relationships" xmlns:p="http://schemas.openxmlformats.org/presentationml/2006/main" showMasterSp="0" showMasterPhAnim="0">
+  <p:cSld>
+    <p:spTree>
+      <p:nvGrpSpPr>
+        <p:cNvPr id="1" name="Shape 205"/>
+        <p:cNvGrpSpPr/>
+        <p:nvPr/>
+      </p:nvGrpSpPr>
+      <p:grpSpPr>
+        <a:xfrm>
+          <a:off x="0" y="0"/>
+          <a:ext cx="0" cy="0"/>
+          <a:chOff x="0" y="0"/>
+          <a:chExt cx="0" cy="0"/>
+        </a:xfrm>
+      </p:grpSpPr>
+      <p:sp>
+        <p:nvSpPr>
+          <p:cNvPr id="206" name="Shape 206"/>
+          <p:cNvSpPr txBox="1">
+            <a:spLocks noGrp="1"/>
+          </p:cNvSpPr>
+          <p:nvPr>
+            <p:ph type="body" idx="1"/>
+          </p:nvPr>
+        </p:nvSpPr>
+        <p:spPr>
+          <a:xfrm>
+            <a:off x="685800" y="4343400"/>
+            <a:ext cx="5486399" cy="4114800"/>
+          </a:xfrm>
+          <a:prstGeom prst="rect">
+            <a:avLst/>
+          </a:prstGeom>
+        </p:spPr>
+        <p:txBody>
+          <a:bodyPr lIns="91425" tIns="91425" rIns="91425" bIns="91425" anchor="ctr" anchorCtr="0">
+            <a:noAutofit/>
+          </a:bodyPr>
+          <a:lstStyle/>
+          <a:p>
+            <a:pPr>
+              <a:spcBef>
+                <a:spcPts val="0"/>
+              </a:spcBef>
+              <a:buNone/>
+            </a:pPr>
+            <a:endParaRPr/>
+          </a:p>
+        </p:txBody>
+      </p:sp>
+      <p:sp>
+        <p:nvSpPr>
+          <p:cNvPr id="207" name="Shape 207"/>
+          <p:cNvSpPr>
+            <a:spLocks noGrp="1" noRot="1" noChangeAspect="1"/>
+          </p:cNvSpPr>
+          <p:nvPr>
+            <p:ph type="sldImg" idx="2"/>
+          </p:nvPr>
+        </p:nvSpPr>
+        <p:spPr>
+          <a:xfrm>
+            <a:off x="381000" y="685800"/>
+            <a:ext cx="6096000" cy="3429000"/>
+          </a:xfrm>
+          <a:custGeom>
+            <a:avLst/>
+            <a:gdLst/>
+            <a:ahLst/>
+            <a:cxnLst/>
+            <a:rect l="0" t="0" r="0" b="0"/>
+            <a:pathLst>
+              <a:path w="120000" h="120000" extrusionOk="0">
+                <a:moveTo>
+                  <a:pt x="0" y="0"/>
+                </a:moveTo>
+                <a:lnTo>
+                  <a:pt x="120000" y="0"/>
+                </a:lnTo>
+                <a:lnTo>
+                  <a:pt x="120000" y="120000"/>
+                </a:lnTo>
+                <a:lnTo>
+                  <a:pt x="0" y="120000"/>
+                </a:lnTo>
+                <a:close/>
+              </a:path>
+            </a:pathLst>
+          </a:custGeom>
+          <a:noFill/>
+          <a:ln w="9525" cap="flat">
+            <a:solidFill>
+              <a:srgbClr val="000000"/>
+            </a:solidFill>
+            <a:prstDash val="solid"/>
+            <a:round/>
+            <a:headEnd type="none" w="med" len="med"/>
+            <a:tailEnd type="none" w="med" len="med"/>
+          </a:ln>
+        </p:spPr>
+      </p:sp>
+    </p:spTree>
+    <p:extLst>
+      <p:ext uri="{BB962C8B-B14F-4D97-AF65-F5344CB8AC3E}">
+        <p14:creationId xmlns:p14="http://schemas.microsoft.com/office/powerpoint/2010/main" val="628754615"/>
+      </p:ext>
+    </p:extLst>
+  </p:cSld>
+  <p:clrMapOvr>
+    <a:masterClrMapping/>
+  </p:clrMapOvr>
+</p:notes>
+</file>
+
+<file path=ppt/notesSlides/notesSlide18.xml><?xml version="1.0" encoding="utf-8"?>
+<p:notes xmlns:a="http://schemas.openxmlformats.org/drawingml/2006/main" xmlns:r="http://schemas.openxmlformats.org/officeDocument/2006/relationships" xmlns:p="http://schemas.openxmlformats.org/presentationml/2006/main" showMasterSp="0" showMasterPhAnim="0">
+  <p:cSld>
+    <p:spTree>
+      <p:nvGrpSpPr>
+        <p:cNvPr id="1" name="Shape 205"/>
+        <p:cNvGrpSpPr/>
+        <p:nvPr/>
+      </p:nvGrpSpPr>
+      <p:grpSpPr>
+        <a:xfrm>
+          <a:off x="0" y="0"/>
+          <a:ext cx="0" cy="0"/>
+          <a:chOff x="0" y="0"/>
+          <a:chExt cx="0" cy="0"/>
+        </a:xfrm>
+      </p:grpSpPr>
+      <p:sp>
+        <p:nvSpPr>
+          <p:cNvPr id="206" name="Shape 206"/>
+          <p:cNvSpPr txBox="1">
+            <a:spLocks noGrp="1"/>
+          </p:cNvSpPr>
+          <p:nvPr>
+            <p:ph type="body" idx="1"/>
+          </p:nvPr>
+        </p:nvSpPr>
+        <p:spPr>
+          <a:xfrm>
+            <a:off x="685800" y="4343400"/>
+            <a:ext cx="5486399" cy="4114800"/>
+          </a:xfrm>
+          <a:prstGeom prst="rect">
+            <a:avLst/>
+          </a:prstGeom>
+        </p:spPr>
+        <p:txBody>
+          <a:bodyPr lIns="91425" tIns="91425" rIns="91425" bIns="91425" anchor="ctr" anchorCtr="0">
+            <a:noAutofit/>
+          </a:bodyPr>
+          <a:lstStyle/>
+          <a:p>
+            <a:pPr>
+              <a:spcBef>
+                <a:spcPts val="0"/>
+              </a:spcBef>
+              <a:buNone/>
+            </a:pPr>
+            <a:endParaRPr/>
+          </a:p>
+        </p:txBody>
+      </p:sp>
+      <p:sp>
+        <p:nvSpPr>
+          <p:cNvPr id="207" name="Shape 207"/>
+          <p:cNvSpPr>
+            <a:spLocks noGrp="1" noRot="1" noChangeAspect="1"/>
+          </p:cNvSpPr>
+          <p:nvPr>
+            <p:ph type="sldImg" idx="2"/>
+          </p:nvPr>
+        </p:nvSpPr>
+        <p:spPr>
+          <a:xfrm>
+            <a:off x="381000" y="685800"/>
+            <a:ext cx="6096000" cy="3429000"/>
+          </a:xfrm>
+          <a:custGeom>
+            <a:avLst/>
+            <a:gdLst/>
+            <a:ahLst/>
+            <a:cxnLst/>
+            <a:rect l="0" t="0" r="0" b="0"/>
+            <a:pathLst>
+              <a:path w="120000" h="120000" extrusionOk="0">
+                <a:moveTo>
+                  <a:pt x="0" y="0"/>
+                </a:moveTo>
+                <a:lnTo>
+                  <a:pt x="120000" y="0"/>
+                </a:lnTo>
+                <a:lnTo>
+                  <a:pt x="120000" y="120000"/>
+                </a:lnTo>
+                <a:lnTo>
+                  <a:pt x="0" y="120000"/>
+                </a:lnTo>
+                <a:close/>
+              </a:path>
+            </a:pathLst>
+          </a:custGeom>
+          <a:noFill/>
+          <a:ln w="9525" cap="flat">
+            <a:solidFill>
+              <a:srgbClr val="000000"/>
+            </a:solidFill>
+            <a:prstDash val="solid"/>
+            <a:round/>
+            <a:headEnd type="none" w="med" len="med"/>
+            <a:tailEnd type="none" w="med" len="med"/>
+          </a:ln>
+        </p:spPr>
+      </p:sp>
+    </p:spTree>
+    <p:extLst>
+      <p:ext uri="{BB962C8B-B14F-4D97-AF65-F5344CB8AC3E}">
+        <p14:creationId xmlns:p14="http://schemas.microsoft.com/office/powerpoint/2010/main" val="3790647363"/>
       </p:ext>
     </p:extLst>
   </p:cSld>
@@ -1811,7 +1815,7 @@
     </p:spTree>
     <p:extLst>
       <p:ext uri="{BB962C8B-B14F-4D97-AF65-F5344CB8AC3E}">
-        <p14:creationId xmlns:p14="http://schemas.microsoft.com/office/powerpoint/2010/main" val="1164679493"/>
+        <p14:creationId xmlns:p14="http://schemas.microsoft.com/office/powerpoint/2010/main" val="4228164452"/>
       </p:ext>
     </p:extLst>
   </p:cSld>
@@ -2043,7 +2047,7 @@
     </p:spTree>
     <p:extLst>
       <p:ext uri="{BB962C8B-B14F-4D97-AF65-F5344CB8AC3E}">
-        <p14:creationId xmlns:p14="http://schemas.microsoft.com/office/powerpoint/2010/main" val="628754615"/>
+        <p14:creationId xmlns:p14="http://schemas.microsoft.com/office/powerpoint/2010/main" val="2366593666"/>
       </p:ext>
     </p:extLst>
   </p:cSld>
@@ -2159,7 +2163,7 @@
     </p:spTree>
     <p:extLst>
       <p:ext uri="{BB962C8B-B14F-4D97-AF65-F5344CB8AC3E}">
-        <p14:creationId xmlns:p14="http://schemas.microsoft.com/office/powerpoint/2010/main" val="3790647363"/>
+        <p14:creationId xmlns:p14="http://schemas.microsoft.com/office/powerpoint/2010/main" val="3150857221"/>
       </p:ext>
     </p:extLst>
   </p:cSld>
@@ -2170,6 +2174,470 @@
 </file>
 
 <file path=ppt/notesSlides/notesSlide22.xml><?xml version="1.0" encoding="utf-8"?>
+<p:notes xmlns:a="http://schemas.openxmlformats.org/drawingml/2006/main" xmlns:r="http://schemas.openxmlformats.org/officeDocument/2006/relationships" xmlns:p="http://schemas.openxmlformats.org/presentationml/2006/main" showMasterSp="0" showMasterPhAnim="0">
+  <p:cSld>
+    <p:spTree>
+      <p:nvGrpSpPr>
+        <p:cNvPr id="1" name="Shape 205"/>
+        <p:cNvGrpSpPr/>
+        <p:nvPr/>
+      </p:nvGrpSpPr>
+      <p:grpSpPr>
+        <a:xfrm>
+          <a:off x="0" y="0"/>
+          <a:ext cx="0" cy="0"/>
+          <a:chOff x="0" y="0"/>
+          <a:chExt cx="0" cy="0"/>
+        </a:xfrm>
+      </p:grpSpPr>
+      <p:sp>
+        <p:nvSpPr>
+          <p:cNvPr id="206" name="Shape 206"/>
+          <p:cNvSpPr txBox="1">
+            <a:spLocks noGrp="1"/>
+          </p:cNvSpPr>
+          <p:nvPr>
+            <p:ph type="body" idx="1"/>
+          </p:nvPr>
+        </p:nvSpPr>
+        <p:spPr>
+          <a:xfrm>
+            <a:off x="685800" y="4343400"/>
+            <a:ext cx="5486399" cy="4114800"/>
+          </a:xfrm>
+          <a:prstGeom prst="rect">
+            <a:avLst/>
+          </a:prstGeom>
+        </p:spPr>
+        <p:txBody>
+          <a:bodyPr lIns="91425" tIns="91425" rIns="91425" bIns="91425" anchor="ctr" anchorCtr="0">
+            <a:noAutofit/>
+          </a:bodyPr>
+          <a:lstStyle/>
+          <a:p>
+            <a:pPr>
+              <a:spcBef>
+                <a:spcPts val="0"/>
+              </a:spcBef>
+              <a:buNone/>
+            </a:pPr>
+            <a:endParaRPr/>
+          </a:p>
+        </p:txBody>
+      </p:sp>
+      <p:sp>
+        <p:nvSpPr>
+          <p:cNvPr id="207" name="Shape 207"/>
+          <p:cNvSpPr>
+            <a:spLocks noGrp="1" noRot="1" noChangeAspect="1"/>
+          </p:cNvSpPr>
+          <p:nvPr>
+            <p:ph type="sldImg" idx="2"/>
+          </p:nvPr>
+        </p:nvSpPr>
+        <p:spPr>
+          <a:xfrm>
+            <a:off x="381000" y="685800"/>
+            <a:ext cx="6096000" cy="3429000"/>
+          </a:xfrm>
+          <a:custGeom>
+            <a:avLst/>
+            <a:gdLst/>
+            <a:ahLst/>
+            <a:cxnLst/>
+            <a:rect l="0" t="0" r="0" b="0"/>
+            <a:pathLst>
+              <a:path w="120000" h="120000" extrusionOk="0">
+                <a:moveTo>
+                  <a:pt x="0" y="0"/>
+                </a:moveTo>
+                <a:lnTo>
+                  <a:pt x="120000" y="0"/>
+                </a:lnTo>
+                <a:lnTo>
+                  <a:pt x="120000" y="120000"/>
+                </a:lnTo>
+                <a:lnTo>
+                  <a:pt x="0" y="120000"/>
+                </a:lnTo>
+                <a:close/>
+              </a:path>
+            </a:pathLst>
+          </a:custGeom>
+          <a:noFill/>
+          <a:ln w="9525" cap="flat">
+            <a:solidFill>
+              <a:srgbClr val="000000"/>
+            </a:solidFill>
+            <a:prstDash val="solid"/>
+            <a:round/>
+            <a:headEnd type="none" w="med" len="med"/>
+            <a:tailEnd type="none" w="med" len="med"/>
+          </a:ln>
+        </p:spPr>
+      </p:sp>
+    </p:spTree>
+    <p:extLst>
+      <p:ext uri="{BB962C8B-B14F-4D97-AF65-F5344CB8AC3E}">
+        <p14:creationId xmlns:p14="http://schemas.microsoft.com/office/powerpoint/2010/main" val="2337155795"/>
+      </p:ext>
+    </p:extLst>
+  </p:cSld>
+  <p:clrMapOvr>
+    <a:masterClrMapping/>
+  </p:clrMapOvr>
+</p:notes>
+</file>
+
+<file path=ppt/notesSlides/notesSlide23.xml><?xml version="1.0" encoding="utf-8"?>
+<p:notes xmlns:a="http://schemas.openxmlformats.org/drawingml/2006/main" xmlns:r="http://schemas.openxmlformats.org/officeDocument/2006/relationships" xmlns:p="http://schemas.openxmlformats.org/presentationml/2006/main" showMasterSp="0" showMasterPhAnim="0">
+  <p:cSld>
+    <p:spTree>
+      <p:nvGrpSpPr>
+        <p:cNvPr id="1" name="Shape 205"/>
+        <p:cNvGrpSpPr/>
+        <p:nvPr/>
+      </p:nvGrpSpPr>
+      <p:grpSpPr>
+        <a:xfrm>
+          <a:off x="0" y="0"/>
+          <a:ext cx="0" cy="0"/>
+          <a:chOff x="0" y="0"/>
+          <a:chExt cx="0" cy="0"/>
+        </a:xfrm>
+      </p:grpSpPr>
+      <p:sp>
+        <p:nvSpPr>
+          <p:cNvPr id="206" name="Shape 206"/>
+          <p:cNvSpPr txBox="1">
+            <a:spLocks noGrp="1"/>
+          </p:cNvSpPr>
+          <p:nvPr>
+            <p:ph type="body" idx="1"/>
+          </p:nvPr>
+        </p:nvSpPr>
+        <p:spPr>
+          <a:xfrm>
+            <a:off x="685800" y="4343400"/>
+            <a:ext cx="5486399" cy="4114800"/>
+          </a:xfrm>
+          <a:prstGeom prst="rect">
+            <a:avLst/>
+          </a:prstGeom>
+        </p:spPr>
+        <p:txBody>
+          <a:bodyPr lIns="91425" tIns="91425" rIns="91425" bIns="91425" anchor="ctr" anchorCtr="0">
+            <a:noAutofit/>
+          </a:bodyPr>
+          <a:lstStyle/>
+          <a:p>
+            <a:pPr>
+              <a:spcBef>
+                <a:spcPts val="0"/>
+              </a:spcBef>
+              <a:buNone/>
+            </a:pPr>
+            <a:endParaRPr/>
+          </a:p>
+        </p:txBody>
+      </p:sp>
+      <p:sp>
+        <p:nvSpPr>
+          <p:cNvPr id="207" name="Shape 207"/>
+          <p:cNvSpPr>
+            <a:spLocks noGrp="1" noRot="1" noChangeAspect="1"/>
+          </p:cNvSpPr>
+          <p:nvPr>
+            <p:ph type="sldImg" idx="2"/>
+          </p:nvPr>
+        </p:nvSpPr>
+        <p:spPr>
+          <a:xfrm>
+            <a:off x="381000" y="685800"/>
+            <a:ext cx="6096000" cy="3429000"/>
+          </a:xfrm>
+          <a:custGeom>
+            <a:avLst/>
+            <a:gdLst/>
+            <a:ahLst/>
+            <a:cxnLst/>
+            <a:rect l="0" t="0" r="0" b="0"/>
+            <a:pathLst>
+              <a:path w="120000" h="120000" extrusionOk="0">
+                <a:moveTo>
+                  <a:pt x="0" y="0"/>
+                </a:moveTo>
+                <a:lnTo>
+                  <a:pt x="120000" y="0"/>
+                </a:lnTo>
+                <a:lnTo>
+                  <a:pt x="120000" y="120000"/>
+                </a:lnTo>
+                <a:lnTo>
+                  <a:pt x="0" y="120000"/>
+                </a:lnTo>
+                <a:close/>
+              </a:path>
+            </a:pathLst>
+          </a:custGeom>
+          <a:noFill/>
+          <a:ln w="9525" cap="flat">
+            <a:solidFill>
+              <a:srgbClr val="000000"/>
+            </a:solidFill>
+            <a:prstDash val="solid"/>
+            <a:round/>
+            <a:headEnd type="none" w="med" len="med"/>
+            <a:tailEnd type="none" w="med" len="med"/>
+          </a:ln>
+        </p:spPr>
+      </p:sp>
+    </p:spTree>
+    <p:extLst>
+      <p:ext uri="{BB962C8B-B14F-4D97-AF65-F5344CB8AC3E}">
+        <p14:creationId xmlns:p14="http://schemas.microsoft.com/office/powerpoint/2010/main" val="3699835138"/>
+      </p:ext>
+    </p:extLst>
+  </p:cSld>
+  <p:clrMapOvr>
+    <a:masterClrMapping/>
+  </p:clrMapOvr>
+</p:notes>
+</file>
+
+<file path=ppt/notesSlides/notesSlide24.xml><?xml version="1.0" encoding="utf-8"?>
+<p:notes xmlns:a="http://schemas.openxmlformats.org/drawingml/2006/main" xmlns:r="http://schemas.openxmlformats.org/officeDocument/2006/relationships" xmlns:p="http://schemas.openxmlformats.org/presentationml/2006/main" showMasterSp="0" showMasterPhAnim="0">
+  <p:cSld>
+    <p:spTree>
+      <p:nvGrpSpPr>
+        <p:cNvPr id="1" name="Shape 205"/>
+        <p:cNvGrpSpPr/>
+        <p:nvPr/>
+      </p:nvGrpSpPr>
+      <p:grpSpPr>
+        <a:xfrm>
+          <a:off x="0" y="0"/>
+          <a:ext cx="0" cy="0"/>
+          <a:chOff x="0" y="0"/>
+          <a:chExt cx="0" cy="0"/>
+        </a:xfrm>
+      </p:grpSpPr>
+      <p:sp>
+        <p:nvSpPr>
+          <p:cNvPr id="206" name="Shape 206"/>
+          <p:cNvSpPr txBox="1">
+            <a:spLocks noGrp="1"/>
+          </p:cNvSpPr>
+          <p:nvPr>
+            <p:ph type="body" idx="1"/>
+          </p:nvPr>
+        </p:nvSpPr>
+        <p:spPr>
+          <a:xfrm>
+            <a:off x="685800" y="4343400"/>
+            <a:ext cx="5486399" cy="4114800"/>
+          </a:xfrm>
+          <a:prstGeom prst="rect">
+            <a:avLst/>
+          </a:prstGeom>
+        </p:spPr>
+        <p:txBody>
+          <a:bodyPr lIns="91425" tIns="91425" rIns="91425" bIns="91425" anchor="ctr" anchorCtr="0">
+            <a:noAutofit/>
+          </a:bodyPr>
+          <a:lstStyle/>
+          <a:p>
+            <a:pPr>
+              <a:spcBef>
+                <a:spcPts val="0"/>
+              </a:spcBef>
+              <a:buNone/>
+            </a:pPr>
+            <a:endParaRPr/>
+          </a:p>
+        </p:txBody>
+      </p:sp>
+      <p:sp>
+        <p:nvSpPr>
+          <p:cNvPr id="207" name="Shape 207"/>
+          <p:cNvSpPr>
+            <a:spLocks noGrp="1" noRot="1" noChangeAspect="1"/>
+          </p:cNvSpPr>
+          <p:nvPr>
+            <p:ph type="sldImg" idx="2"/>
+          </p:nvPr>
+        </p:nvSpPr>
+        <p:spPr>
+          <a:xfrm>
+            <a:off x="381000" y="685800"/>
+            <a:ext cx="6096000" cy="3429000"/>
+          </a:xfrm>
+          <a:custGeom>
+            <a:avLst/>
+            <a:gdLst/>
+            <a:ahLst/>
+            <a:cxnLst/>
+            <a:rect l="0" t="0" r="0" b="0"/>
+            <a:pathLst>
+              <a:path w="120000" h="120000" extrusionOk="0">
+                <a:moveTo>
+                  <a:pt x="0" y="0"/>
+                </a:moveTo>
+                <a:lnTo>
+                  <a:pt x="120000" y="0"/>
+                </a:lnTo>
+                <a:lnTo>
+                  <a:pt x="120000" y="120000"/>
+                </a:lnTo>
+                <a:lnTo>
+                  <a:pt x="0" y="120000"/>
+                </a:lnTo>
+                <a:close/>
+              </a:path>
+            </a:pathLst>
+          </a:custGeom>
+          <a:noFill/>
+          <a:ln w="9525" cap="flat">
+            <a:solidFill>
+              <a:srgbClr val="000000"/>
+            </a:solidFill>
+            <a:prstDash val="solid"/>
+            <a:round/>
+            <a:headEnd type="none" w="med" len="med"/>
+            <a:tailEnd type="none" w="med" len="med"/>
+          </a:ln>
+        </p:spPr>
+      </p:sp>
+    </p:spTree>
+    <p:extLst>
+      <p:ext uri="{BB962C8B-B14F-4D97-AF65-F5344CB8AC3E}">
+        <p14:creationId xmlns:p14="http://schemas.microsoft.com/office/powerpoint/2010/main" val="3950708730"/>
+      </p:ext>
+    </p:extLst>
+  </p:cSld>
+  <p:clrMapOvr>
+    <a:masterClrMapping/>
+  </p:clrMapOvr>
+</p:notes>
+</file>
+
+<file path=ppt/notesSlides/notesSlide25.xml><?xml version="1.0" encoding="utf-8"?>
+<p:notes xmlns:a="http://schemas.openxmlformats.org/drawingml/2006/main" xmlns:r="http://schemas.openxmlformats.org/officeDocument/2006/relationships" xmlns:p="http://schemas.openxmlformats.org/presentationml/2006/main" showMasterSp="0" showMasterPhAnim="0">
+  <p:cSld>
+    <p:spTree>
+      <p:nvGrpSpPr>
+        <p:cNvPr id="1" name="Shape 205"/>
+        <p:cNvGrpSpPr/>
+        <p:nvPr/>
+      </p:nvGrpSpPr>
+      <p:grpSpPr>
+        <a:xfrm>
+          <a:off x="0" y="0"/>
+          <a:ext cx="0" cy="0"/>
+          <a:chOff x="0" y="0"/>
+          <a:chExt cx="0" cy="0"/>
+        </a:xfrm>
+      </p:grpSpPr>
+      <p:sp>
+        <p:nvSpPr>
+          <p:cNvPr id="206" name="Shape 206"/>
+          <p:cNvSpPr txBox="1">
+            <a:spLocks noGrp="1"/>
+          </p:cNvSpPr>
+          <p:nvPr>
+            <p:ph type="body" idx="1"/>
+          </p:nvPr>
+        </p:nvSpPr>
+        <p:spPr>
+          <a:xfrm>
+            <a:off x="685800" y="4343400"/>
+            <a:ext cx="5486399" cy="4114800"/>
+          </a:xfrm>
+          <a:prstGeom prst="rect">
+            <a:avLst/>
+          </a:prstGeom>
+        </p:spPr>
+        <p:txBody>
+          <a:bodyPr lIns="91425" tIns="91425" rIns="91425" bIns="91425" anchor="ctr" anchorCtr="0">
+            <a:noAutofit/>
+          </a:bodyPr>
+          <a:lstStyle/>
+          <a:p>
+            <a:pPr>
+              <a:spcBef>
+                <a:spcPts val="0"/>
+              </a:spcBef>
+              <a:buNone/>
+            </a:pPr>
+            <a:endParaRPr/>
+          </a:p>
+        </p:txBody>
+      </p:sp>
+      <p:sp>
+        <p:nvSpPr>
+          <p:cNvPr id="207" name="Shape 207"/>
+          <p:cNvSpPr>
+            <a:spLocks noGrp="1" noRot="1" noChangeAspect="1"/>
+          </p:cNvSpPr>
+          <p:nvPr>
+            <p:ph type="sldImg" idx="2"/>
+          </p:nvPr>
+        </p:nvSpPr>
+        <p:spPr>
+          <a:xfrm>
+            <a:off x="381000" y="685800"/>
+            <a:ext cx="6096000" cy="3429000"/>
+          </a:xfrm>
+          <a:custGeom>
+            <a:avLst/>
+            <a:gdLst/>
+            <a:ahLst/>
+            <a:cxnLst/>
+            <a:rect l="0" t="0" r="0" b="0"/>
+            <a:pathLst>
+              <a:path w="120000" h="120000" extrusionOk="0">
+                <a:moveTo>
+                  <a:pt x="0" y="0"/>
+                </a:moveTo>
+                <a:lnTo>
+                  <a:pt x="120000" y="0"/>
+                </a:lnTo>
+                <a:lnTo>
+                  <a:pt x="120000" y="120000"/>
+                </a:lnTo>
+                <a:lnTo>
+                  <a:pt x="0" y="120000"/>
+                </a:lnTo>
+                <a:close/>
+              </a:path>
+            </a:pathLst>
+          </a:custGeom>
+          <a:noFill/>
+          <a:ln w="9525" cap="flat">
+            <a:solidFill>
+              <a:srgbClr val="000000"/>
+            </a:solidFill>
+            <a:prstDash val="solid"/>
+            <a:round/>
+            <a:headEnd type="none" w="med" len="med"/>
+            <a:tailEnd type="none" w="med" len="med"/>
+          </a:ln>
+        </p:spPr>
+      </p:sp>
+    </p:spTree>
+    <p:extLst>
+      <p:ext uri="{BB962C8B-B14F-4D97-AF65-F5344CB8AC3E}">
+        <p14:creationId xmlns:p14="http://schemas.microsoft.com/office/powerpoint/2010/main" val="4272186126"/>
+      </p:ext>
+    </p:extLst>
+  </p:cSld>
+  <p:clrMapOvr>
+    <a:masterClrMapping/>
+  </p:clrMapOvr>
+</p:notes>
+</file>
+
+<file path=ppt/notesSlides/notesSlide26.xml><?xml version="1.0" encoding="utf-8"?>
 <p:notes xmlns:a="http://schemas.openxmlformats.org/drawingml/2006/main" xmlns:r="http://schemas.openxmlformats.org/officeDocument/2006/relationships" xmlns:p="http://schemas.openxmlformats.org/presentationml/2006/main" showMasterSp="0" showMasterPhAnim="0">
   <p:cSld>
     <p:spTree>
@@ -2275,7 +2743,7 @@
     </p:spTree>
     <p:extLst>
       <p:ext uri="{BB962C8B-B14F-4D97-AF65-F5344CB8AC3E}">
-        <p14:creationId xmlns:p14="http://schemas.microsoft.com/office/powerpoint/2010/main" val="4228164452"/>
+        <p14:creationId xmlns:p14="http://schemas.microsoft.com/office/powerpoint/2010/main" val="1020448475"/>
       </p:ext>
     </p:extLst>
   </p:cSld>
@@ -2285,7 +2753,7 @@
 </p:notes>
 </file>
 
-<file path=ppt/notesSlides/notesSlide23.xml><?xml version="1.0" encoding="utf-8"?>
+<file path=ppt/notesSlides/notesSlide27.xml><?xml version="1.0" encoding="utf-8"?>
 <p:notes xmlns:a="http://schemas.openxmlformats.org/drawingml/2006/main" xmlns:r="http://schemas.openxmlformats.org/officeDocument/2006/relationships" xmlns:p="http://schemas.openxmlformats.org/presentationml/2006/main" showMasterSp="0" showMasterPhAnim="0">
   <p:cSld>
     <p:spTree>
@@ -2391,7 +2859,7 @@
     </p:spTree>
     <p:extLst>
       <p:ext uri="{BB962C8B-B14F-4D97-AF65-F5344CB8AC3E}">
-        <p14:creationId xmlns:p14="http://schemas.microsoft.com/office/powerpoint/2010/main" val="2366593666"/>
+        <p14:creationId xmlns:p14="http://schemas.microsoft.com/office/powerpoint/2010/main" val="3307736230"/>
       </p:ext>
     </p:extLst>
   </p:cSld>
@@ -2401,7 +2869,7 @@
 </p:notes>
 </file>
 
-<file path=ppt/notesSlides/notesSlide24.xml><?xml version="1.0" encoding="utf-8"?>
+<file path=ppt/notesSlides/notesSlide28.xml><?xml version="1.0" encoding="utf-8"?>
 <p:notes xmlns:a="http://schemas.openxmlformats.org/drawingml/2006/main" xmlns:r="http://schemas.openxmlformats.org/officeDocument/2006/relationships" xmlns:p="http://schemas.openxmlformats.org/presentationml/2006/main" showMasterSp="0" showMasterPhAnim="0">
   <p:cSld>
     <p:spTree>
@@ -2507,7 +2975,7 @@
     </p:spTree>
     <p:extLst>
       <p:ext uri="{BB962C8B-B14F-4D97-AF65-F5344CB8AC3E}">
-        <p14:creationId xmlns:p14="http://schemas.microsoft.com/office/powerpoint/2010/main" val="3150857221"/>
+        <p14:creationId xmlns:p14="http://schemas.microsoft.com/office/powerpoint/2010/main" val="2547924781"/>
       </p:ext>
     </p:extLst>
   </p:cSld>
@@ -2517,7 +2985,7 @@
 </p:notes>
 </file>
 
-<file path=ppt/notesSlides/notesSlide25.xml><?xml version="1.0" encoding="utf-8"?>
+<file path=ppt/notesSlides/notesSlide29.xml><?xml version="1.0" encoding="utf-8"?>
 <p:notes xmlns:a="http://schemas.openxmlformats.org/drawingml/2006/main" xmlns:r="http://schemas.openxmlformats.org/officeDocument/2006/relationships" xmlns:p="http://schemas.openxmlformats.org/presentationml/2006/main" showMasterSp="0" showMasterPhAnim="0">
   <p:cSld>
     <p:spTree>
@@ -2623,471 +3091,7 @@
     </p:spTree>
     <p:extLst>
       <p:ext uri="{BB962C8B-B14F-4D97-AF65-F5344CB8AC3E}">
-        <p14:creationId xmlns:p14="http://schemas.microsoft.com/office/powerpoint/2010/main" val="2337155795"/>
-      </p:ext>
-    </p:extLst>
-  </p:cSld>
-  <p:clrMapOvr>
-    <a:masterClrMapping/>
-  </p:clrMapOvr>
-</p:notes>
-</file>
-
-<file path=ppt/notesSlides/notesSlide26.xml><?xml version="1.0" encoding="utf-8"?>
-<p:notes xmlns:a="http://schemas.openxmlformats.org/drawingml/2006/main" xmlns:r="http://schemas.openxmlformats.org/officeDocument/2006/relationships" xmlns:p="http://schemas.openxmlformats.org/presentationml/2006/main" showMasterSp="0" showMasterPhAnim="0">
-  <p:cSld>
-    <p:spTree>
-      <p:nvGrpSpPr>
-        <p:cNvPr id="1" name="Shape 205"/>
-        <p:cNvGrpSpPr/>
-        <p:nvPr/>
-      </p:nvGrpSpPr>
-      <p:grpSpPr>
-        <a:xfrm>
-          <a:off x="0" y="0"/>
-          <a:ext cx="0" cy="0"/>
-          <a:chOff x="0" y="0"/>
-          <a:chExt cx="0" cy="0"/>
-        </a:xfrm>
-      </p:grpSpPr>
-      <p:sp>
-        <p:nvSpPr>
-          <p:cNvPr id="206" name="Shape 206"/>
-          <p:cNvSpPr txBox="1">
-            <a:spLocks noGrp="1"/>
-          </p:cNvSpPr>
-          <p:nvPr>
-            <p:ph type="body" idx="1"/>
-          </p:nvPr>
-        </p:nvSpPr>
-        <p:spPr>
-          <a:xfrm>
-            <a:off x="685800" y="4343400"/>
-            <a:ext cx="5486399" cy="4114800"/>
-          </a:xfrm>
-          <a:prstGeom prst="rect">
-            <a:avLst/>
-          </a:prstGeom>
-        </p:spPr>
-        <p:txBody>
-          <a:bodyPr lIns="91425" tIns="91425" rIns="91425" bIns="91425" anchor="ctr" anchorCtr="0">
-            <a:noAutofit/>
-          </a:bodyPr>
-          <a:lstStyle/>
-          <a:p>
-            <a:pPr>
-              <a:spcBef>
-                <a:spcPts val="0"/>
-              </a:spcBef>
-              <a:buNone/>
-            </a:pPr>
-            <a:endParaRPr/>
-          </a:p>
-        </p:txBody>
-      </p:sp>
-      <p:sp>
-        <p:nvSpPr>
-          <p:cNvPr id="207" name="Shape 207"/>
-          <p:cNvSpPr>
-            <a:spLocks noGrp="1" noRot="1" noChangeAspect="1"/>
-          </p:cNvSpPr>
-          <p:nvPr>
-            <p:ph type="sldImg" idx="2"/>
-          </p:nvPr>
-        </p:nvSpPr>
-        <p:spPr>
-          <a:xfrm>
-            <a:off x="381000" y="685800"/>
-            <a:ext cx="6096000" cy="3429000"/>
-          </a:xfrm>
-          <a:custGeom>
-            <a:avLst/>
-            <a:gdLst/>
-            <a:ahLst/>
-            <a:cxnLst/>
-            <a:rect l="0" t="0" r="0" b="0"/>
-            <a:pathLst>
-              <a:path w="120000" h="120000" extrusionOk="0">
-                <a:moveTo>
-                  <a:pt x="0" y="0"/>
-                </a:moveTo>
-                <a:lnTo>
-                  <a:pt x="120000" y="0"/>
-                </a:lnTo>
-                <a:lnTo>
-                  <a:pt x="120000" y="120000"/>
-                </a:lnTo>
-                <a:lnTo>
-                  <a:pt x="0" y="120000"/>
-                </a:lnTo>
-                <a:close/>
-              </a:path>
-            </a:pathLst>
-          </a:custGeom>
-          <a:noFill/>
-          <a:ln w="9525" cap="flat">
-            <a:solidFill>
-              <a:srgbClr val="000000"/>
-            </a:solidFill>
-            <a:prstDash val="solid"/>
-            <a:round/>
-            <a:headEnd type="none" w="med" len="med"/>
-            <a:tailEnd type="none" w="med" len="med"/>
-          </a:ln>
-        </p:spPr>
-      </p:sp>
-    </p:spTree>
-    <p:extLst>
-      <p:ext uri="{BB962C8B-B14F-4D97-AF65-F5344CB8AC3E}">
-        <p14:creationId xmlns:p14="http://schemas.microsoft.com/office/powerpoint/2010/main" val="3699835138"/>
-      </p:ext>
-    </p:extLst>
-  </p:cSld>
-  <p:clrMapOvr>
-    <a:masterClrMapping/>
-  </p:clrMapOvr>
-</p:notes>
-</file>
-
-<file path=ppt/notesSlides/notesSlide27.xml><?xml version="1.0" encoding="utf-8"?>
-<p:notes xmlns:a="http://schemas.openxmlformats.org/drawingml/2006/main" xmlns:r="http://schemas.openxmlformats.org/officeDocument/2006/relationships" xmlns:p="http://schemas.openxmlformats.org/presentationml/2006/main" showMasterSp="0" showMasterPhAnim="0">
-  <p:cSld>
-    <p:spTree>
-      <p:nvGrpSpPr>
-        <p:cNvPr id="1" name="Shape 205"/>
-        <p:cNvGrpSpPr/>
-        <p:nvPr/>
-      </p:nvGrpSpPr>
-      <p:grpSpPr>
-        <a:xfrm>
-          <a:off x="0" y="0"/>
-          <a:ext cx="0" cy="0"/>
-          <a:chOff x="0" y="0"/>
-          <a:chExt cx="0" cy="0"/>
-        </a:xfrm>
-      </p:grpSpPr>
-      <p:sp>
-        <p:nvSpPr>
-          <p:cNvPr id="206" name="Shape 206"/>
-          <p:cNvSpPr txBox="1">
-            <a:spLocks noGrp="1"/>
-          </p:cNvSpPr>
-          <p:nvPr>
-            <p:ph type="body" idx="1"/>
-          </p:nvPr>
-        </p:nvSpPr>
-        <p:spPr>
-          <a:xfrm>
-            <a:off x="685800" y="4343400"/>
-            <a:ext cx="5486399" cy="4114800"/>
-          </a:xfrm>
-          <a:prstGeom prst="rect">
-            <a:avLst/>
-          </a:prstGeom>
-        </p:spPr>
-        <p:txBody>
-          <a:bodyPr lIns="91425" tIns="91425" rIns="91425" bIns="91425" anchor="ctr" anchorCtr="0">
-            <a:noAutofit/>
-          </a:bodyPr>
-          <a:lstStyle/>
-          <a:p>
-            <a:pPr>
-              <a:spcBef>
-                <a:spcPts val="0"/>
-              </a:spcBef>
-              <a:buNone/>
-            </a:pPr>
-            <a:endParaRPr/>
-          </a:p>
-        </p:txBody>
-      </p:sp>
-      <p:sp>
-        <p:nvSpPr>
-          <p:cNvPr id="207" name="Shape 207"/>
-          <p:cNvSpPr>
-            <a:spLocks noGrp="1" noRot="1" noChangeAspect="1"/>
-          </p:cNvSpPr>
-          <p:nvPr>
-            <p:ph type="sldImg" idx="2"/>
-          </p:nvPr>
-        </p:nvSpPr>
-        <p:spPr>
-          <a:xfrm>
-            <a:off x="381000" y="685800"/>
-            <a:ext cx="6096000" cy="3429000"/>
-          </a:xfrm>
-          <a:custGeom>
-            <a:avLst/>
-            <a:gdLst/>
-            <a:ahLst/>
-            <a:cxnLst/>
-            <a:rect l="0" t="0" r="0" b="0"/>
-            <a:pathLst>
-              <a:path w="120000" h="120000" extrusionOk="0">
-                <a:moveTo>
-                  <a:pt x="0" y="0"/>
-                </a:moveTo>
-                <a:lnTo>
-                  <a:pt x="120000" y="0"/>
-                </a:lnTo>
-                <a:lnTo>
-                  <a:pt x="120000" y="120000"/>
-                </a:lnTo>
-                <a:lnTo>
-                  <a:pt x="0" y="120000"/>
-                </a:lnTo>
-                <a:close/>
-              </a:path>
-            </a:pathLst>
-          </a:custGeom>
-          <a:noFill/>
-          <a:ln w="9525" cap="flat">
-            <a:solidFill>
-              <a:srgbClr val="000000"/>
-            </a:solidFill>
-            <a:prstDash val="solid"/>
-            <a:round/>
-            <a:headEnd type="none" w="med" len="med"/>
-            <a:tailEnd type="none" w="med" len="med"/>
-          </a:ln>
-        </p:spPr>
-      </p:sp>
-    </p:spTree>
-    <p:extLst>
-      <p:ext uri="{BB962C8B-B14F-4D97-AF65-F5344CB8AC3E}">
-        <p14:creationId xmlns:p14="http://schemas.microsoft.com/office/powerpoint/2010/main" val="3950708730"/>
-      </p:ext>
-    </p:extLst>
-  </p:cSld>
-  <p:clrMapOvr>
-    <a:masterClrMapping/>
-  </p:clrMapOvr>
-</p:notes>
-</file>
-
-<file path=ppt/notesSlides/notesSlide28.xml><?xml version="1.0" encoding="utf-8"?>
-<p:notes xmlns:a="http://schemas.openxmlformats.org/drawingml/2006/main" xmlns:r="http://schemas.openxmlformats.org/officeDocument/2006/relationships" xmlns:p="http://schemas.openxmlformats.org/presentationml/2006/main" showMasterSp="0" showMasterPhAnim="0">
-  <p:cSld>
-    <p:spTree>
-      <p:nvGrpSpPr>
-        <p:cNvPr id="1" name="Shape 205"/>
-        <p:cNvGrpSpPr/>
-        <p:nvPr/>
-      </p:nvGrpSpPr>
-      <p:grpSpPr>
-        <a:xfrm>
-          <a:off x="0" y="0"/>
-          <a:ext cx="0" cy="0"/>
-          <a:chOff x="0" y="0"/>
-          <a:chExt cx="0" cy="0"/>
-        </a:xfrm>
-      </p:grpSpPr>
-      <p:sp>
-        <p:nvSpPr>
-          <p:cNvPr id="206" name="Shape 206"/>
-          <p:cNvSpPr txBox="1">
-            <a:spLocks noGrp="1"/>
-          </p:cNvSpPr>
-          <p:nvPr>
-            <p:ph type="body" idx="1"/>
-          </p:nvPr>
-        </p:nvSpPr>
-        <p:spPr>
-          <a:xfrm>
-            <a:off x="685800" y="4343400"/>
-            <a:ext cx="5486399" cy="4114800"/>
-          </a:xfrm>
-          <a:prstGeom prst="rect">
-            <a:avLst/>
-          </a:prstGeom>
-        </p:spPr>
-        <p:txBody>
-          <a:bodyPr lIns="91425" tIns="91425" rIns="91425" bIns="91425" anchor="ctr" anchorCtr="0">
-            <a:noAutofit/>
-          </a:bodyPr>
-          <a:lstStyle/>
-          <a:p>
-            <a:pPr>
-              <a:spcBef>
-                <a:spcPts val="0"/>
-              </a:spcBef>
-              <a:buNone/>
-            </a:pPr>
-            <a:endParaRPr/>
-          </a:p>
-        </p:txBody>
-      </p:sp>
-      <p:sp>
-        <p:nvSpPr>
-          <p:cNvPr id="207" name="Shape 207"/>
-          <p:cNvSpPr>
-            <a:spLocks noGrp="1" noRot="1" noChangeAspect="1"/>
-          </p:cNvSpPr>
-          <p:nvPr>
-            <p:ph type="sldImg" idx="2"/>
-          </p:nvPr>
-        </p:nvSpPr>
-        <p:spPr>
-          <a:xfrm>
-            <a:off x="381000" y="685800"/>
-            <a:ext cx="6096000" cy="3429000"/>
-          </a:xfrm>
-          <a:custGeom>
-            <a:avLst/>
-            <a:gdLst/>
-            <a:ahLst/>
-            <a:cxnLst/>
-            <a:rect l="0" t="0" r="0" b="0"/>
-            <a:pathLst>
-              <a:path w="120000" h="120000" extrusionOk="0">
-                <a:moveTo>
-                  <a:pt x="0" y="0"/>
-                </a:moveTo>
-                <a:lnTo>
-                  <a:pt x="120000" y="0"/>
-                </a:lnTo>
-                <a:lnTo>
-                  <a:pt x="120000" y="120000"/>
-                </a:lnTo>
-                <a:lnTo>
-                  <a:pt x="0" y="120000"/>
-                </a:lnTo>
-                <a:close/>
-              </a:path>
-            </a:pathLst>
-          </a:custGeom>
-          <a:noFill/>
-          <a:ln w="9525" cap="flat">
-            <a:solidFill>
-              <a:srgbClr val="000000"/>
-            </a:solidFill>
-            <a:prstDash val="solid"/>
-            <a:round/>
-            <a:headEnd type="none" w="med" len="med"/>
-            <a:tailEnd type="none" w="med" len="med"/>
-          </a:ln>
-        </p:spPr>
-      </p:sp>
-    </p:spTree>
-    <p:extLst>
-      <p:ext uri="{BB962C8B-B14F-4D97-AF65-F5344CB8AC3E}">
-        <p14:creationId xmlns:p14="http://schemas.microsoft.com/office/powerpoint/2010/main" val="4272186126"/>
-      </p:ext>
-    </p:extLst>
-  </p:cSld>
-  <p:clrMapOvr>
-    <a:masterClrMapping/>
-  </p:clrMapOvr>
-</p:notes>
-</file>
-
-<file path=ppt/notesSlides/notesSlide29.xml><?xml version="1.0" encoding="utf-8"?>
-<p:notes xmlns:a="http://schemas.openxmlformats.org/drawingml/2006/main" xmlns:r="http://schemas.openxmlformats.org/officeDocument/2006/relationships" xmlns:p="http://schemas.openxmlformats.org/presentationml/2006/main" showMasterSp="0" showMasterPhAnim="0">
-  <p:cSld>
-    <p:spTree>
-      <p:nvGrpSpPr>
-        <p:cNvPr id="1" name="Shape 177"/>
-        <p:cNvGrpSpPr/>
-        <p:nvPr/>
-      </p:nvGrpSpPr>
-      <p:grpSpPr>
-        <a:xfrm>
-          <a:off x="0" y="0"/>
-          <a:ext cx="0" cy="0"/>
-          <a:chOff x="0" y="0"/>
-          <a:chExt cx="0" cy="0"/>
-        </a:xfrm>
-      </p:grpSpPr>
-      <p:sp>
-        <p:nvSpPr>
-          <p:cNvPr id="178" name="Shape 178"/>
-          <p:cNvSpPr>
-            <a:spLocks noGrp="1" noRot="1" noChangeAspect="1"/>
-          </p:cNvSpPr>
-          <p:nvPr>
-            <p:ph type="sldImg" idx="2"/>
-          </p:nvPr>
-        </p:nvSpPr>
-        <p:spPr>
-          <a:xfrm>
-            <a:off x="381000" y="685800"/>
-            <a:ext cx="6096000" cy="3429000"/>
-          </a:xfrm>
-          <a:custGeom>
-            <a:avLst/>
-            <a:gdLst/>
-            <a:ahLst/>
-            <a:cxnLst/>
-            <a:rect l="0" t="0" r="0" b="0"/>
-            <a:pathLst>
-              <a:path w="120000" h="120000" extrusionOk="0">
-                <a:moveTo>
-                  <a:pt x="0" y="0"/>
-                </a:moveTo>
-                <a:lnTo>
-                  <a:pt x="120000" y="0"/>
-                </a:lnTo>
-                <a:lnTo>
-                  <a:pt x="120000" y="120000"/>
-                </a:lnTo>
-                <a:lnTo>
-                  <a:pt x="0" y="120000"/>
-                </a:lnTo>
-                <a:close/>
-              </a:path>
-            </a:pathLst>
-          </a:custGeom>
-          <a:noFill/>
-          <a:ln w="9525" cap="flat">
-            <a:solidFill>
-              <a:srgbClr val="000000"/>
-            </a:solidFill>
-            <a:prstDash val="solid"/>
-            <a:round/>
-            <a:headEnd type="none" w="med" len="med"/>
-            <a:tailEnd type="none" w="med" len="med"/>
-          </a:ln>
-        </p:spPr>
-      </p:sp>
-      <p:sp>
-        <p:nvSpPr>
-          <p:cNvPr id="179" name="Shape 179"/>
-          <p:cNvSpPr txBox="1">
-            <a:spLocks noGrp="1"/>
-          </p:cNvSpPr>
-          <p:nvPr>
-            <p:ph type="body" idx="1"/>
-          </p:nvPr>
-        </p:nvSpPr>
-        <p:spPr>
-          <a:xfrm>
-            <a:off x="685800" y="4343400"/>
-            <a:ext cx="5486399" cy="4114800"/>
-          </a:xfrm>
-          <a:prstGeom prst="rect">
-            <a:avLst/>
-          </a:prstGeom>
-        </p:spPr>
-        <p:txBody>
-          <a:bodyPr lIns="91425" tIns="91425" rIns="91425" bIns="91425" anchor="t" anchorCtr="0">
-            <a:noAutofit/>
-          </a:bodyPr>
-          <a:lstStyle/>
-          <a:p>
-            <a:pPr>
-              <a:spcBef>
-                <a:spcPts val="0"/>
-              </a:spcBef>
-              <a:buNone/>
-            </a:pPr>
-            <a:endParaRPr/>
-          </a:p>
-        </p:txBody>
-      </p:sp>
-    </p:spTree>
-    <p:extLst>
-      <p:ext uri="{BB962C8B-B14F-4D97-AF65-F5344CB8AC3E}">
-        <p14:creationId xmlns:p14="http://schemas.microsoft.com/office/powerpoint/2010/main" val="1020448475"/>
+        <p14:creationId xmlns:p14="http://schemas.microsoft.com/office/powerpoint/2010/main" val="3102009886"/>
       </p:ext>
     </p:extLst>
   </p:cSld>
@@ -3319,7 +3323,7 @@
     </p:spTree>
     <p:extLst>
       <p:ext uri="{BB962C8B-B14F-4D97-AF65-F5344CB8AC3E}">
-        <p14:creationId xmlns:p14="http://schemas.microsoft.com/office/powerpoint/2010/main" val="3307736230"/>
+        <p14:creationId xmlns:p14="http://schemas.microsoft.com/office/powerpoint/2010/main" val="4266570817"/>
       </p:ext>
     </p:extLst>
   </p:cSld>
@@ -3330,354 +3334,6 @@
 </file>
 
 <file path=ppt/notesSlides/notesSlide31.xml><?xml version="1.0" encoding="utf-8"?>
-<p:notes xmlns:a="http://schemas.openxmlformats.org/drawingml/2006/main" xmlns:r="http://schemas.openxmlformats.org/officeDocument/2006/relationships" xmlns:p="http://schemas.openxmlformats.org/presentationml/2006/main" showMasterSp="0" showMasterPhAnim="0">
-  <p:cSld>
-    <p:spTree>
-      <p:nvGrpSpPr>
-        <p:cNvPr id="1" name="Shape 205"/>
-        <p:cNvGrpSpPr/>
-        <p:nvPr/>
-      </p:nvGrpSpPr>
-      <p:grpSpPr>
-        <a:xfrm>
-          <a:off x="0" y="0"/>
-          <a:ext cx="0" cy="0"/>
-          <a:chOff x="0" y="0"/>
-          <a:chExt cx="0" cy="0"/>
-        </a:xfrm>
-      </p:grpSpPr>
-      <p:sp>
-        <p:nvSpPr>
-          <p:cNvPr id="206" name="Shape 206"/>
-          <p:cNvSpPr txBox="1">
-            <a:spLocks noGrp="1"/>
-          </p:cNvSpPr>
-          <p:nvPr>
-            <p:ph type="body" idx="1"/>
-          </p:nvPr>
-        </p:nvSpPr>
-        <p:spPr>
-          <a:xfrm>
-            <a:off x="685800" y="4343400"/>
-            <a:ext cx="5486399" cy="4114800"/>
-          </a:xfrm>
-          <a:prstGeom prst="rect">
-            <a:avLst/>
-          </a:prstGeom>
-        </p:spPr>
-        <p:txBody>
-          <a:bodyPr lIns="91425" tIns="91425" rIns="91425" bIns="91425" anchor="ctr" anchorCtr="0">
-            <a:noAutofit/>
-          </a:bodyPr>
-          <a:lstStyle/>
-          <a:p>
-            <a:pPr>
-              <a:spcBef>
-                <a:spcPts val="0"/>
-              </a:spcBef>
-              <a:buNone/>
-            </a:pPr>
-            <a:endParaRPr/>
-          </a:p>
-        </p:txBody>
-      </p:sp>
-      <p:sp>
-        <p:nvSpPr>
-          <p:cNvPr id="207" name="Shape 207"/>
-          <p:cNvSpPr>
-            <a:spLocks noGrp="1" noRot="1" noChangeAspect="1"/>
-          </p:cNvSpPr>
-          <p:nvPr>
-            <p:ph type="sldImg" idx="2"/>
-          </p:nvPr>
-        </p:nvSpPr>
-        <p:spPr>
-          <a:xfrm>
-            <a:off x="381000" y="685800"/>
-            <a:ext cx="6096000" cy="3429000"/>
-          </a:xfrm>
-          <a:custGeom>
-            <a:avLst/>
-            <a:gdLst/>
-            <a:ahLst/>
-            <a:cxnLst/>
-            <a:rect l="0" t="0" r="0" b="0"/>
-            <a:pathLst>
-              <a:path w="120000" h="120000" extrusionOk="0">
-                <a:moveTo>
-                  <a:pt x="0" y="0"/>
-                </a:moveTo>
-                <a:lnTo>
-                  <a:pt x="120000" y="0"/>
-                </a:lnTo>
-                <a:lnTo>
-                  <a:pt x="120000" y="120000"/>
-                </a:lnTo>
-                <a:lnTo>
-                  <a:pt x="0" y="120000"/>
-                </a:lnTo>
-                <a:close/>
-              </a:path>
-            </a:pathLst>
-          </a:custGeom>
-          <a:noFill/>
-          <a:ln w="9525" cap="flat">
-            <a:solidFill>
-              <a:srgbClr val="000000"/>
-            </a:solidFill>
-            <a:prstDash val="solid"/>
-            <a:round/>
-            <a:headEnd type="none" w="med" len="med"/>
-            <a:tailEnd type="none" w="med" len="med"/>
-          </a:ln>
-        </p:spPr>
-      </p:sp>
-    </p:spTree>
-    <p:extLst>
-      <p:ext uri="{BB962C8B-B14F-4D97-AF65-F5344CB8AC3E}">
-        <p14:creationId xmlns:p14="http://schemas.microsoft.com/office/powerpoint/2010/main" val="2547924781"/>
-      </p:ext>
-    </p:extLst>
-  </p:cSld>
-  <p:clrMapOvr>
-    <a:masterClrMapping/>
-  </p:clrMapOvr>
-</p:notes>
-</file>
-
-<file path=ppt/notesSlides/notesSlide32.xml><?xml version="1.0" encoding="utf-8"?>
-<p:notes xmlns:a="http://schemas.openxmlformats.org/drawingml/2006/main" xmlns:r="http://schemas.openxmlformats.org/officeDocument/2006/relationships" xmlns:p="http://schemas.openxmlformats.org/presentationml/2006/main" showMasterSp="0" showMasterPhAnim="0">
-  <p:cSld>
-    <p:spTree>
-      <p:nvGrpSpPr>
-        <p:cNvPr id="1" name="Shape 205"/>
-        <p:cNvGrpSpPr/>
-        <p:nvPr/>
-      </p:nvGrpSpPr>
-      <p:grpSpPr>
-        <a:xfrm>
-          <a:off x="0" y="0"/>
-          <a:ext cx="0" cy="0"/>
-          <a:chOff x="0" y="0"/>
-          <a:chExt cx="0" cy="0"/>
-        </a:xfrm>
-      </p:grpSpPr>
-      <p:sp>
-        <p:nvSpPr>
-          <p:cNvPr id="206" name="Shape 206"/>
-          <p:cNvSpPr txBox="1">
-            <a:spLocks noGrp="1"/>
-          </p:cNvSpPr>
-          <p:nvPr>
-            <p:ph type="body" idx="1"/>
-          </p:nvPr>
-        </p:nvSpPr>
-        <p:spPr>
-          <a:xfrm>
-            <a:off x="685800" y="4343400"/>
-            <a:ext cx="5486399" cy="4114800"/>
-          </a:xfrm>
-          <a:prstGeom prst="rect">
-            <a:avLst/>
-          </a:prstGeom>
-        </p:spPr>
-        <p:txBody>
-          <a:bodyPr lIns="91425" tIns="91425" rIns="91425" bIns="91425" anchor="ctr" anchorCtr="0">
-            <a:noAutofit/>
-          </a:bodyPr>
-          <a:lstStyle/>
-          <a:p>
-            <a:pPr>
-              <a:spcBef>
-                <a:spcPts val="0"/>
-              </a:spcBef>
-              <a:buNone/>
-            </a:pPr>
-            <a:endParaRPr/>
-          </a:p>
-        </p:txBody>
-      </p:sp>
-      <p:sp>
-        <p:nvSpPr>
-          <p:cNvPr id="207" name="Shape 207"/>
-          <p:cNvSpPr>
-            <a:spLocks noGrp="1" noRot="1" noChangeAspect="1"/>
-          </p:cNvSpPr>
-          <p:nvPr>
-            <p:ph type="sldImg" idx="2"/>
-          </p:nvPr>
-        </p:nvSpPr>
-        <p:spPr>
-          <a:xfrm>
-            <a:off x="381000" y="685800"/>
-            <a:ext cx="6096000" cy="3429000"/>
-          </a:xfrm>
-          <a:custGeom>
-            <a:avLst/>
-            <a:gdLst/>
-            <a:ahLst/>
-            <a:cxnLst/>
-            <a:rect l="0" t="0" r="0" b="0"/>
-            <a:pathLst>
-              <a:path w="120000" h="120000" extrusionOk="0">
-                <a:moveTo>
-                  <a:pt x="0" y="0"/>
-                </a:moveTo>
-                <a:lnTo>
-                  <a:pt x="120000" y="0"/>
-                </a:lnTo>
-                <a:lnTo>
-                  <a:pt x="120000" y="120000"/>
-                </a:lnTo>
-                <a:lnTo>
-                  <a:pt x="0" y="120000"/>
-                </a:lnTo>
-                <a:close/>
-              </a:path>
-            </a:pathLst>
-          </a:custGeom>
-          <a:noFill/>
-          <a:ln w="9525" cap="flat">
-            <a:solidFill>
-              <a:srgbClr val="000000"/>
-            </a:solidFill>
-            <a:prstDash val="solid"/>
-            <a:round/>
-            <a:headEnd type="none" w="med" len="med"/>
-            <a:tailEnd type="none" w="med" len="med"/>
-          </a:ln>
-        </p:spPr>
-      </p:sp>
-    </p:spTree>
-    <p:extLst>
-      <p:ext uri="{BB962C8B-B14F-4D97-AF65-F5344CB8AC3E}">
-        <p14:creationId xmlns:p14="http://schemas.microsoft.com/office/powerpoint/2010/main" val="3102009886"/>
-      </p:ext>
-    </p:extLst>
-  </p:cSld>
-  <p:clrMapOvr>
-    <a:masterClrMapping/>
-  </p:clrMapOvr>
-</p:notes>
-</file>
-
-<file path=ppt/notesSlides/notesSlide33.xml><?xml version="1.0" encoding="utf-8"?>
-<p:notes xmlns:a="http://schemas.openxmlformats.org/drawingml/2006/main" xmlns:r="http://schemas.openxmlformats.org/officeDocument/2006/relationships" xmlns:p="http://schemas.openxmlformats.org/presentationml/2006/main" showMasterSp="0" showMasterPhAnim="0">
-  <p:cSld>
-    <p:spTree>
-      <p:nvGrpSpPr>
-        <p:cNvPr id="1" name="Shape 205"/>
-        <p:cNvGrpSpPr/>
-        <p:nvPr/>
-      </p:nvGrpSpPr>
-      <p:grpSpPr>
-        <a:xfrm>
-          <a:off x="0" y="0"/>
-          <a:ext cx="0" cy="0"/>
-          <a:chOff x="0" y="0"/>
-          <a:chExt cx="0" cy="0"/>
-        </a:xfrm>
-      </p:grpSpPr>
-      <p:sp>
-        <p:nvSpPr>
-          <p:cNvPr id="206" name="Shape 206"/>
-          <p:cNvSpPr txBox="1">
-            <a:spLocks noGrp="1"/>
-          </p:cNvSpPr>
-          <p:nvPr>
-            <p:ph type="body" idx="1"/>
-          </p:nvPr>
-        </p:nvSpPr>
-        <p:spPr>
-          <a:xfrm>
-            <a:off x="685800" y="4343400"/>
-            <a:ext cx="5486399" cy="4114800"/>
-          </a:xfrm>
-          <a:prstGeom prst="rect">
-            <a:avLst/>
-          </a:prstGeom>
-        </p:spPr>
-        <p:txBody>
-          <a:bodyPr lIns="91425" tIns="91425" rIns="91425" bIns="91425" anchor="ctr" anchorCtr="0">
-            <a:noAutofit/>
-          </a:bodyPr>
-          <a:lstStyle/>
-          <a:p>
-            <a:pPr>
-              <a:spcBef>
-                <a:spcPts val="0"/>
-              </a:spcBef>
-              <a:buNone/>
-            </a:pPr>
-            <a:endParaRPr/>
-          </a:p>
-        </p:txBody>
-      </p:sp>
-      <p:sp>
-        <p:nvSpPr>
-          <p:cNvPr id="207" name="Shape 207"/>
-          <p:cNvSpPr>
-            <a:spLocks noGrp="1" noRot="1" noChangeAspect="1"/>
-          </p:cNvSpPr>
-          <p:nvPr>
-            <p:ph type="sldImg" idx="2"/>
-          </p:nvPr>
-        </p:nvSpPr>
-        <p:spPr>
-          <a:xfrm>
-            <a:off x="381000" y="685800"/>
-            <a:ext cx="6096000" cy="3429000"/>
-          </a:xfrm>
-          <a:custGeom>
-            <a:avLst/>
-            <a:gdLst/>
-            <a:ahLst/>
-            <a:cxnLst/>
-            <a:rect l="0" t="0" r="0" b="0"/>
-            <a:pathLst>
-              <a:path w="120000" h="120000" extrusionOk="0">
-                <a:moveTo>
-                  <a:pt x="0" y="0"/>
-                </a:moveTo>
-                <a:lnTo>
-                  <a:pt x="120000" y="0"/>
-                </a:lnTo>
-                <a:lnTo>
-                  <a:pt x="120000" y="120000"/>
-                </a:lnTo>
-                <a:lnTo>
-                  <a:pt x="0" y="120000"/>
-                </a:lnTo>
-                <a:close/>
-              </a:path>
-            </a:pathLst>
-          </a:custGeom>
-          <a:noFill/>
-          <a:ln w="9525" cap="flat">
-            <a:solidFill>
-              <a:srgbClr val="000000"/>
-            </a:solidFill>
-            <a:prstDash val="solid"/>
-            <a:round/>
-            <a:headEnd type="none" w="med" len="med"/>
-            <a:tailEnd type="none" w="med" len="med"/>
-          </a:ln>
-        </p:spPr>
-      </p:sp>
-    </p:spTree>
-    <p:extLst>
-      <p:ext uri="{BB962C8B-B14F-4D97-AF65-F5344CB8AC3E}">
-        <p14:creationId xmlns:p14="http://schemas.microsoft.com/office/powerpoint/2010/main" val="4266570817"/>
-      </p:ext>
-    </p:extLst>
-  </p:cSld>
-  <p:clrMapOvr>
-    <a:masterClrMapping/>
-  </p:clrMapOvr>
-</p:notes>
-</file>
-
-<file path=ppt/notesSlides/notesSlide34.xml><?xml version="1.0" encoding="utf-8"?>
 <p:notes xmlns:a="http://schemas.openxmlformats.org/drawingml/2006/main" xmlns:r="http://schemas.openxmlformats.org/officeDocument/2006/relationships" xmlns:p="http://schemas.openxmlformats.org/presentationml/2006/main" showMasterSp="0" showMasterPhAnim="0">
   <p:cSld>
     <p:spTree>
@@ -3793,7 +3449,7 @@
 </p:notes>
 </file>
 
-<file path=ppt/notesSlides/notesSlide35.xml><?xml version="1.0" encoding="utf-8"?>
+<file path=ppt/notesSlides/notesSlide32.xml><?xml version="1.0" encoding="utf-8"?>
 <p:notes xmlns:a="http://schemas.openxmlformats.org/drawingml/2006/main" xmlns:r="http://schemas.openxmlformats.org/officeDocument/2006/relationships" xmlns:p="http://schemas.openxmlformats.org/presentationml/2006/main" showMasterSp="0" showMasterPhAnim="0">
   <p:cSld>
     <p:spTree>
@@ -3909,7 +3565,7 @@
 </p:notes>
 </file>
 
-<file path=ppt/notesSlides/notesSlide36.xml><?xml version="1.0" encoding="utf-8"?>
+<file path=ppt/notesSlides/notesSlide33.xml><?xml version="1.0" encoding="utf-8"?>
 <p:notes xmlns:a="http://schemas.openxmlformats.org/drawingml/2006/main" xmlns:r="http://schemas.openxmlformats.org/officeDocument/2006/relationships" xmlns:p="http://schemas.openxmlformats.org/presentationml/2006/main" showMasterSp="0" showMasterPhAnim="0">
   <p:cSld>
     <p:spTree>
@@ -4025,7 +3681,7 @@
 </p:notes>
 </file>
 
-<file path=ppt/notesSlides/notesSlide37.xml><?xml version="1.0" encoding="utf-8"?>
+<file path=ppt/notesSlides/notesSlide34.xml><?xml version="1.0" encoding="utf-8"?>
 <p:notes xmlns:a="http://schemas.openxmlformats.org/drawingml/2006/main" xmlns:r="http://schemas.openxmlformats.org/officeDocument/2006/relationships" xmlns:p="http://schemas.openxmlformats.org/presentationml/2006/main" showMasterSp="0" showMasterPhAnim="0">
   <p:cSld>
     <p:spTree>
@@ -4141,7 +3797,7 @@
 </p:notes>
 </file>
 
-<file path=ppt/notesSlides/notesSlide38.xml><?xml version="1.0" encoding="utf-8"?>
+<file path=ppt/notesSlides/notesSlide35.xml><?xml version="1.0" encoding="utf-8"?>
 <p:notes xmlns:a="http://schemas.openxmlformats.org/drawingml/2006/main" xmlns:r="http://schemas.openxmlformats.org/officeDocument/2006/relationships" xmlns:p="http://schemas.openxmlformats.org/presentationml/2006/main" showMasterSp="0" showMasterPhAnim="0">
   <p:cSld>
     <p:spTree>
@@ -4257,7 +3913,7 @@
 </p:notes>
 </file>
 
-<file path=ppt/notesSlides/notesSlide39.xml><?xml version="1.0" encoding="utf-8"?>
+<file path=ppt/notesSlides/notesSlide36.xml><?xml version="1.0" encoding="utf-8"?>
 <p:notes xmlns:a="http://schemas.openxmlformats.org/drawingml/2006/main" xmlns:r="http://schemas.openxmlformats.org/officeDocument/2006/relationships" xmlns:p="http://schemas.openxmlformats.org/presentationml/2006/main" showMasterSp="0" showMasterPhAnim="0">
   <p:cSld>
     <p:spTree>
@@ -4373,6 +4029,354 @@
 </p:notes>
 </file>
 
+<file path=ppt/notesSlides/notesSlide37.xml><?xml version="1.0" encoding="utf-8"?>
+<p:notes xmlns:a="http://schemas.openxmlformats.org/drawingml/2006/main" xmlns:r="http://schemas.openxmlformats.org/officeDocument/2006/relationships" xmlns:p="http://schemas.openxmlformats.org/presentationml/2006/main" showMasterSp="0" showMasterPhAnim="0">
+  <p:cSld>
+    <p:spTree>
+      <p:nvGrpSpPr>
+        <p:cNvPr id="1" name="Shape 205"/>
+        <p:cNvGrpSpPr/>
+        <p:nvPr/>
+      </p:nvGrpSpPr>
+      <p:grpSpPr>
+        <a:xfrm>
+          <a:off x="0" y="0"/>
+          <a:ext cx="0" cy="0"/>
+          <a:chOff x="0" y="0"/>
+          <a:chExt cx="0" cy="0"/>
+        </a:xfrm>
+      </p:grpSpPr>
+      <p:sp>
+        <p:nvSpPr>
+          <p:cNvPr id="206" name="Shape 206"/>
+          <p:cNvSpPr txBox="1">
+            <a:spLocks noGrp="1"/>
+          </p:cNvSpPr>
+          <p:nvPr>
+            <p:ph type="body" idx="1"/>
+          </p:nvPr>
+        </p:nvSpPr>
+        <p:spPr>
+          <a:xfrm>
+            <a:off x="685800" y="4343400"/>
+            <a:ext cx="5486399" cy="4114800"/>
+          </a:xfrm>
+          <a:prstGeom prst="rect">
+            <a:avLst/>
+          </a:prstGeom>
+        </p:spPr>
+        <p:txBody>
+          <a:bodyPr lIns="91425" tIns="91425" rIns="91425" bIns="91425" anchor="ctr" anchorCtr="0">
+            <a:noAutofit/>
+          </a:bodyPr>
+          <a:lstStyle/>
+          <a:p>
+            <a:pPr>
+              <a:spcBef>
+                <a:spcPts val="0"/>
+              </a:spcBef>
+              <a:buNone/>
+            </a:pPr>
+            <a:endParaRPr dirty="0"/>
+          </a:p>
+        </p:txBody>
+      </p:sp>
+      <p:sp>
+        <p:nvSpPr>
+          <p:cNvPr id="207" name="Shape 207"/>
+          <p:cNvSpPr>
+            <a:spLocks noGrp="1" noRot="1" noChangeAspect="1"/>
+          </p:cNvSpPr>
+          <p:nvPr>
+            <p:ph type="sldImg" idx="2"/>
+          </p:nvPr>
+        </p:nvSpPr>
+        <p:spPr>
+          <a:xfrm>
+            <a:off x="381000" y="685800"/>
+            <a:ext cx="6096000" cy="3429000"/>
+          </a:xfrm>
+          <a:custGeom>
+            <a:avLst/>
+            <a:gdLst/>
+            <a:ahLst/>
+            <a:cxnLst/>
+            <a:rect l="0" t="0" r="0" b="0"/>
+            <a:pathLst>
+              <a:path w="120000" h="120000" extrusionOk="0">
+                <a:moveTo>
+                  <a:pt x="0" y="0"/>
+                </a:moveTo>
+                <a:lnTo>
+                  <a:pt x="120000" y="0"/>
+                </a:lnTo>
+                <a:lnTo>
+                  <a:pt x="120000" y="120000"/>
+                </a:lnTo>
+                <a:lnTo>
+                  <a:pt x="0" y="120000"/>
+                </a:lnTo>
+                <a:close/>
+              </a:path>
+            </a:pathLst>
+          </a:custGeom>
+          <a:noFill/>
+          <a:ln w="9525" cap="flat">
+            <a:solidFill>
+              <a:srgbClr val="000000"/>
+            </a:solidFill>
+            <a:prstDash val="solid"/>
+            <a:round/>
+            <a:headEnd type="none" w="med" len="med"/>
+            <a:tailEnd type="none" w="med" len="med"/>
+          </a:ln>
+        </p:spPr>
+      </p:sp>
+    </p:spTree>
+    <p:extLst>
+      <p:ext uri="{BB962C8B-B14F-4D97-AF65-F5344CB8AC3E}">
+        <p14:creationId xmlns:p14="http://schemas.microsoft.com/office/powerpoint/2010/main" val="2058015830"/>
+      </p:ext>
+    </p:extLst>
+  </p:cSld>
+  <p:clrMapOvr>
+    <a:masterClrMapping/>
+  </p:clrMapOvr>
+</p:notes>
+</file>
+
+<file path=ppt/notesSlides/notesSlide38.xml><?xml version="1.0" encoding="utf-8"?>
+<p:notes xmlns:a="http://schemas.openxmlformats.org/drawingml/2006/main" xmlns:r="http://schemas.openxmlformats.org/officeDocument/2006/relationships" xmlns:p="http://schemas.openxmlformats.org/presentationml/2006/main" showMasterSp="0" showMasterPhAnim="0">
+  <p:cSld>
+    <p:spTree>
+      <p:nvGrpSpPr>
+        <p:cNvPr id="1" name="Shape 205"/>
+        <p:cNvGrpSpPr/>
+        <p:nvPr/>
+      </p:nvGrpSpPr>
+      <p:grpSpPr>
+        <a:xfrm>
+          <a:off x="0" y="0"/>
+          <a:ext cx="0" cy="0"/>
+          <a:chOff x="0" y="0"/>
+          <a:chExt cx="0" cy="0"/>
+        </a:xfrm>
+      </p:grpSpPr>
+      <p:sp>
+        <p:nvSpPr>
+          <p:cNvPr id="206" name="Shape 206"/>
+          <p:cNvSpPr txBox="1">
+            <a:spLocks noGrp="1"/>
+          </p:cNvSpPr>
+          <p:nvPr>
+            <p:ph type="body" idx="1"/>
+          </p:nvPr>
+        </p:nvSpPr>
+        <p:spPr>
+          <a:xfrm>
+            <a:off x="685800" y="4343400"/>
+            <a:ext cx="5486399" cy="4114800"/>
+          </a:xfrm>
+          <a:prstGeom prst="rect">
+            <a:avLst/>
+          </a:prstGeom>
+        </p:spPr>
+        <p:txBody>
+          <a:bodyPr lIns="91425" tIns="91425" rIns="91425" bIns="91425" anchor="ctr" anchorCtr="0">
+            <a:noAutofit/>
+          </a:bodyPr>
+          <a:lstStyle/>
+          <a:p>
+            <a:pPr>
+              <a:spcBef>
+                <a:spcPts val="0"/>
+              </a:spcBef>
+              <a:buNone/>
+            </a:pPr>
+            <a:endParaRPr dirty="0"/>
+          </a:p>
+        </p:txBody>
+      </p:sp>
+      <p:sp>
+        <p:nvSpPr>
+          <p:cNvPr id="207" name="Shape 207"/>
+          <p:cNvSpPr>
+            <a:spLocks noGrp="1" noRot="1" noChangeAspect="1"/>
+          </p:cNvSpPr>
+          <p:nvPr>
+            <p:ph type="sldImg" idx="2"/>
+          </p:nvPr>
+        </p:nvSpPr>
+        <p:spPr>
+          <a:xfrm>
+            <a:off x="381000" y="685800"/>
+            <a:ext cx="6096000" cy="3429000"/>
+          </a:xfrm>
+          <a:custGeom>
+            <a:avLst/>
+            <a:gdLst/>
+            <a:ahLst/>
+            <a:cxnLst/>
+            <a:rect l="0" t="0" r="0" b="0"/>
+            <a:pathLst>
+              <a:path w="120000" h="120000" extrusionOk="0">
+                <a:moveTo>
+                  <a:pt x="0" y="0"/>
+                </a:moveTo>
+                <a:lnTo>
+                  <a:pt x="120000" y="0"/>
+                </a:lnTo>
+                <a:lnTo>
+                  <a:pt x="120000" y="120000"/>
+                </a:lnTo>
+                <a:lnTo>
+                  <a:pt x="0" y="120000"/>
+                </a:lnTo>
+                <a:close/>
+              </a:path>
+            </a:pathLst>
+          </a:custGeom>
+          <a:noFill/>
+          <a:ln w="9525" cap="flat">
+            <a:solidFill>
+              <a:srgbClr val="000000"/>
+            </a:solidFill>
+            <a:prstDash val="solid"/>
+            <a:round/>
+            <a:headEnd type="none" w="med" len="med"/>
+            <a:tailEnd type="none" w="med" len="med"/>
+          </a:ln>
+        </p:spPr>
+      </p:sp>
+    </p:spTree>
+    <p:extLst>
+      <p:ext uri="{BB962C8B-B14F-4D97-AF65-F5344CB8AC3E}">
+        <p14:creationId xmlns:p14="http://schemas.microsoft.com/office/powerpoint/2010/main" val="2483221906"/>
+      </p:ext>
+    </p:extLst>
+  </p:cSld>
+  <p:clrMapOvr>
+    <a:masterClrMapping/>
+  </p:clrMapOvr>
+</p:notes>
+</file>
+
+<file path=ppt/notesSlides/notesSlide39.xml><?xml version="1.0" encoding="utf-8"?>
+<p:notes xmlns:a="http://schemas.openxmlformats.org/drawingml/2006/main" xmlns:r="http://schemas.openxmlformats.org/officeDocument/2006/relationships" xmlns:p="http://schemas.openxmlformats.org/presentationml/2006/main" showMasterSp="0" showMasterPhAnim="0">
+  <p:cSld>
+    <p:spTree>
+      <p:nvGrpSpPr>
+        <p:cNvPr id="1" name="Shape 217"/>
+        <p:cNvGrpSpPr/>
+        <p:nvPr/>
+      </p:nvGrpSpPr>
+      <p:grpSpPr>
+        <a:xfrm>
+          <a:off x="0" y="0"/>
+          <a:ext cx="0" cy="0"/>
+          <a:chOff x="0" y="0"/>
+          <a:chExt cx="0" cy="0"/>
+        </a:xfrm>
+      </p:grpSpPr>
+      <p:sp>
+        <p:nvSpPr>
+          <p:cNvPr id="218" name="Shape 218"/>
+          <p:cNvSpPr txBox="1">
+            <a:spLocks noGrp="1"/>
+          </p:cNvSpPr>
+          <p:nvPr>
+            <p:ph type="body" idx="1"/>
+          </p:nvPr>
+        </p:nvSpPr>
+        <p:spPr>
+          <a:xfrm>
+            <a:off x="685800" y="4343400"/>
+            <a:ext cx="5486399" cy="4114800"/>
+          </a:xfrm>
+          <a:prstGeom prst="rect">
+            <a:avLst/>
+          </a:prstGeom>
+        </p:spPr>
+        <p:txBody>
+          <a:bodyPr lIns="91425" tIns="91425" rIns="91425" bIns="91425" anchor="ctr" anchorCtr="0">
+            <a:noAutofit/>
+          </a:bodyPr>
+          <a:lstStyle/>
+          <a:p>
+            <a:pPr>
+              <a:spcBef>
+                <a:spcPts val="0"/>
+              </a:spcBef>
+              <a:buNone/>
+            </a:pPr>
+            <a:endParaRPr/>
+          </a:p>
+        </p:txBody>
+      </p:sp>
+      <p:sp>
+        <p:nvSpPr>
+          <p:cNvPr id="219" name="Shape 219"/>
+          <p:cNvSpPr>
+            <a:spLocks noGrp="1" noRot="1" noChangeAspect="1"/>
+          </p:cNvSpPr>
+          <p:nvPr>
+            <p:ph type="sldImg" idx="2"/>
+          </p:nvPr>
+        </p:nvSpPr>
+        <p:spPr>
+          <a:xfrm>
+            <a:off x="1143225" y="685800"/>
+            <a:ext cx="4572225" cy="3429000"/>
+          </a:xfrm>
+          <a:custGeom>
+            <a:avLst/>
+            <a:gdLst/>
+            <a:ahLst/>
+            <a:cxnLst/>
+            <a:rect l="0" t="0" r="0" b="0"/>
+            <a:pathLst>
+              <a:path w="120000" h="120000" extrusionOk="0">
+                <a:moveTo>
+                  <a:pt x="0" y="0"/>
+                </a:moveTo>
+                <a:lnTo>
+                  <a:pt x="120000" y="0"/>
+                </a:lnTo>
+                <a:lnTo>
+                  <a:pt x="120000" y="120000"/>
+                </a:lnTo>
+                <a:lnTo>
+                  <a:pt x="0" y="120000"/>
+                </a:lnTo>
+                <a:close/>
+              </a:path>
+            </a:pathLst>
+          </a:custGeom>
+          <a:noFill/>
+          <a:ln w="9525" cap="flat">
+            <a:solidFill>
+              <a:srgbClr val="000000"/>
+            </a:solidFill>
+            <a:prstDash val="solid"/>
+            <a:round/>
+            <a:headEnd type="none" w="med" len="med"/>
+            <a:tailEnd type="none" w="med" len="med"/>
+          </a:ln>
+        </p:spPr>
+      </p:sp>
+    </p:spTree>
+    <p:extLst>
+      <p:ext uri="{BB962C8B-B14F-4D97-AF65-F5344CB8AC3E}">
+        <p14:creationId xmlns:p14="http://schemas.microsoft.com/office/powerpoint/2010/main" val="1479601281"/>
+      </p:ext>
+    </p:extLst>
+  </p:cSld>
+  <p:clrMapOvr>
+    <a:masterClrMapping/>
+  </p:clrMapOvr>
+</p:notes>
+</file>
+
 <file path=ppt/notesSlides/notesSlide4.xml><?xml version="1.0" encoding="utf-8"?>
 <p:notes xmlns:a="http://schemas.openxmlformats.org/drawingml/2006/main" xmlns:r="http://schemas.openxmlformats.org/officeDocument/2006/relationships" xmlns:p="http://schemas.openxmlformats.org/presentationml/2006/main" showMasterSp="0" showMasterPhAnim="0">
   <p:cSld>
@@ -4494,354 +4498,6 @@
   <p:cSld>
     <p:spTree>
       <p:nvGrpSpPr>
-        <p:cNvPr id="1" name="Shape 205"/>
-        <p:cNvGrpSpPr/>
-        <p:nvPr/>
-      </p:nvGrpSpPr>
-      <p:grpSpPr>
-        <a:xfrm>
-          <a:off x="0" y="0"/>
-          <a:ext cx="0" cy="0"/>
-          <a:chOff x="0" y="0"/>
-          <a:chExt cx="0" cy="0"/>
-        </a:xfrm>
-      </p:grpSpPr>
-      <p:sp>
-        <p:nvSpPr>
-          <p:cNvPr id="206" name="Shape 206"/>
-          <p:cNvSpPr txBox="1">
-            <a:spLocks noGrp="1"/>
-          </p:cNvSpPr>
-          <p:nvPr>
-            <p:ph type="body" idx="1"/>
-          </p:nvPr>
-        </p:nvSpPr>
-        <p:spPr>
-          <a:xfrm>
-            <a:off x="685800" y="4343400"/>
-            <a:ext cx="5486399" cy="4114800"/>
-          </a:xfrm>
-          <a:prstGeom prst="rect">
-            <a:avLst/>
-          </a:prstGeom>
-        </p:spPr>
-        <p:txBody>
-          <a:bodyPr lIns="91425" tIns="91425" rIns="91425" bIns="91425" anchor="ctr" anchorCtr="0">
-            <a:noAutofit/>
-          </a:bodyPr>
-          <a:lstStyle/>
-          <a:p>
-            <a:pPr>
-              <a:spcBef>
-                <a:spcPts val="0"/>
-              </a:spcBef>
-              <a:buNone/>
-            </a:pPr>
-            <a:endParaRPr dirty="0"/>
-          </a:p>
-        </p:txBody>
-      </p:sp>
-      <p:sp>
-        <p:nvSpPr>
-          <p:cNvPr id="207" name="Shape 207"/>
-          <p:cNvSpPr>
-            <a:spLocks noGrp="1" noRot="1" noChangeAspect="1"/>
-          </p:cNvSpPr>
-          <p:nvPr>
-            <p:ph type="sldImg" idx="2"/>
-          </p:nvPr>
-        </p:nvSpPr>
-        <p:spPr>
-          <a:xfrm>
-            <a:off x="381000" y="685800"/>
-            <a:ext cx="6096000" cy="3429000"/>
-          </a:xfrm>
-          <a:custGeom>
-            <a:avLst/>
-            <a:gdLst/>
-            <a:ahLst/>
-            <a:cxnLst/>
-            <a:rect l="0" t="0" r="0" b="0"/>
-            <a:pathLst>
-              <a:path w="120000" h="120000" extrusionOk="0">
-                <a:moveTo>
-                  <a:pt x="0" y="0"/>
-                </a:moveTo>
-                <a:lnTo>
-                  <a:pt x="120000" y="0"/>
-                </a:lnTo>
-                <a:lnTo>
-                  <a:pt x="120000" y="120000"/>
-                </a:lnTo>
-                <a:lnTo>
-                  <a:pt x="0" y="120000"/>
-                </a:lnTo>
-                <a:close/>
-              </a:path>
-            </a:pathLst>
-          </a:custGeom>
-          <a:noFill/>
-          <a:ln w="9525" cap="flat">
-            <a:solidFill>
-              <a:srgbClr val="000000"/>
-            </a:solidFill>
-            <a:prstDash val="solid"/>
-            <a:round/>
-            <a:headEnd type="none" w="med" len="med"/>
-            <a:tailEnd type="none" w="med" len="med"/>
-          </a:ln>
-        </p:spPr>
-      </p:sp>
-    </p:spTree>
-    <p:extLst>
-      <p:ext uri="{BB962C8B-B14F-4D97-AF65-F5344CB8AC3E}">
-        <p14:creationId xmlns:p14="http://schemas.microsoft.com/office/powerpoint/2010/main" val="2058015830"/>
-      </p:ext>
-    </p:extLst>
-  </p:cSld>
-  <p:clrMapOvr>
-    <a:masterClrMapping/>
-  </p:clrMapOvr>
-</p:notes>
-</file>
-
-<file path=ppt/notesSlides/notesSlide41.xml><?xml version="1.0" encoding="utf-8"?>
-<p:notes xmlns:a="http://schemas.openxmlformats.org/drawingml/2006/main" xmlns:r="http://schemas.openxmlformats.org/officeDocument/2006/relationships" xmlns:p="http://schemas.openxmlformats.org/presentationml/2006/main" showMasterSp="0" showMasterPhAnim="0">
-  <p:cSld>
-    <p:spTree>
-      <p:nvGrpSpPr>
-        <p:cNvPr id="1" name="Shape 205"/>
-        <p:cNvGrpSpPr/>
-        <p:nvPr/>
-      </p:nvGrpSpPr>
-      <p:grpSpPr>
-        <a:xfrm>
-          <a:off x="0" y="0"/>
-          <a:ext cx="0" cy="0"/>
-          <a:chOff x="0" y="0"/>
-          <a:chExt cx="0" cy="0"/>
-        </a:xfrm>
-      </p:grpSpPr>
-      <p:sp>
-        <p:nvSpPr>
-          <p:cNvPr id="206" name="Shape 206"/>
-          <p:cNvSpPr txBox="1">
-            <a:spLocks noGrp="1"/>
-          </p:cNvSpPr>
-          <p:nvPr>
-            <p:ph type="body" idx="1"/>
-          </p:nvPr>
-        </p:nvSpPr>
-        <p:spPr>
-          <a:xfrm>
-            <a:off x="685800" y="4343400"/>
-            <a:ext cx="5486399" cy="4114800"/>
-          </a:xfrm>
-          <a:prstGeom prst="rect">
-            <a:avLst/>
-          </a:prstGeom>
-        </p:spPr>
-        <p:txBody>
-          <a:bodyPr lIns="91425" tIns="91425" rIns="91425" bIns="91425" anchor="ctr" anchorCtr="0">
-            <a:noAutofit/>
-          </a:bodyPr>
-          <a:lstStyle/>
-          <a:p>
-            <a:pPr>
-              <a:spcBef>
-                <a:spcPts val="0"/>
-              </a:spcBef>
-              <a:buNone/>
-            </a:pPr>
-            <a:endParaRPr dirty="0"/>
-          </a:p>
-        </p:txBody>
-      </p:sp>
-      <p:sp>
-        <p:nvSpPr>
-          <p:cNvPr id="207" name="Shape 207"/>
-          <p:cNvSpPr>
-            <a:spLocks noGrp="1" noRot="1" noChangeAspect="1"/>
-          </p:cNvSpPr>
-          <p:nvPr>
-            <p:ph type="sldImg" idx="2"/>
-          </p:nvPr>
-        </p:nvSpPr>
-        <p:spPr>
-          <a:xfrm>
-            <a:off x="381000" y="685800"/>
-            <a:ext cx="6096000" cy="3429000"/>
-          </a:xfrm>
-          <a:custGeom>
-            <a:avLst/>
-            <a:gdLst/>
-            <a:ahLst/>
-            <a:cxnLst/>
-            <a:rect l="0" t="0" r="0" b="0"/>
-            <a:pathLst>
-              <a:path w="120000" h="120000" extrusionOk="0">
-                <a:moveTo>
-                  <a:pt x="0" y="0"/>
-                </a:moveTo>
-                <a:lnTo>
-                  <a:pt x="120000" y="0"/>
-                </a:lnTo>
-                <a:lnTo>
-                  <a:pt x="120000" y="120000"/>
-                </a:lnTo>
-                <a:lnTo>
-                  <a:pt x="0" y="120000"/>
-                </a:lnTo>
-                <a:close/>
-              </a:path>
-            </a:pathLst>
-          </a:custGeom>
-          <a:noFill/>
-          <a:ln w="9525" cap="flat">
-            <a:solidFill>
-              <a:srgbClr val="000000"/>
-            </a:solidFill>
-            <a:prstDash val="solid"/>
-            <a:round/>
-            <a:headEnd type="none" w="med" len="med"/>
-            <a:tailEnd type="none" w="med" len="med"/>
-          </a:ln>
-        </p:spPr>
-      </p:sp>
-    </p:spTree>
-    <p:extLst>
-      <p:ext uri="{BB962C8B-B14F-4D97-AF65-F5344CB8AC3E}">
-        <p14:creationId xmlns:p14="http://schemas.microsoft.com/office/powerpoint/2010/main" val="2483221906"/>
-      </p:ext>
-    </p:extLst>
-  </p:cSld>
-  <p:clrMapOvr>
-    <a:masterClrMapping/>
-  </p:clrMapOvr>
-</p:notes>
-</file>
-
-<file path=ppt/notesSlides/notesSlide42.xml><?xml version="1.0" encoding="utf-8"?>
-<p:notes xmlns:a="http://schemas.openxmlformats.org/drawingml/2006/main" xmlns:r="http://schemas.openxmlformats.org/officeDocument/2006/relationships" xmlns:p="http://schemas.openxmlformats.org/presentationml/2006/main" showMasterSp="0" showMasterPhAnim="0">
-  <p:cSld>
-    <p:spTree>
-      <p:nvGrpSpPr>
-        <p:cNvPr id="1" name="Shape 217"/>
-        <p:cNvGrpSpPr/>
-        <p:nvPr/>
-      </p:nvGrpSpPr>
-      <p:grpSpPr>
-        <a:xfrm>
-          <a:off x="0" y="0"/>
-          <a:ext cx="0" cy="0"/>
-          <a:chOff x="0" y="0"/>
-          <a:chExt cx="0" cy="0"/>
-        </a:xfrm>
-      </p:grpSpPr>
-      <p:sp>
-        <p:nvSpPr>
-          <p:cNvPr id="218" name="Shape 218"/>
-          <p:cNvSpPr txBox="1">
-            <a:spLocks noGrp="1"/>
-          </p:cNvSpPr>
-          <p:nvPr>
-            <p:ph type="body" idx="1"/>
-          </p:nvPr>
-        </p:nvSpPr>
-        <p:spPr>
-          <a:xfrm>
-            <a:off x="685800" y="4343400"/>
-            <a:ext cx="5486399" cy="4114800"/>
-          </a:xfrm>
-          <a:prstGeom prst="rect">
-            <a:avLst/>
-          </a:prstGeom>
-        </p:spPr>
-        <p:txBody>
-          <a:bodyPr lIns="91425" tIns="91425" rIns="91425" bIns="91425" anchor="ctr" anchorCtr="0">
-            <a:noAutofit/>
-          </a:bodyPr>
-          <a:lstStyle/>
-          <a:p>
-            <a:pPr>
-              <a:spcBef>
-                <a:spcPts val="0"/>
-              </a:spcBef>
-              <a:buNone/>
-            </a:pPr>
-            <a:endParaRPr/>
-          </a:p>
-        </p:txBody>
-      </p:sp>
-      <p:sp>
-        <p:nvSpPr>
-          <p:cNvPr id="219" name="Shape 219"/>
-          <p:cNvSpPr>
-            <a:spLocks noGrp="1" noRot="1" noChangeAspect="1"/>
-          </p:cNvSpPr>
-          <p:nvPr>
-            <p:ph type="sldImg" idx="2"/>
-          </p:nvPr>
-        </p:nvSpPr>
-        <p:spPr>
-          <a:xfrm>
-            <a:off x="1143225" y="685800"/>
-            <a:ext cx="4572225" cy="3429000"/>
-          </a:xfrm>
-          <a:custGeom>
-            <a:avLst/>
-            <a:gdLst/>
-            <a:ahLst/>
-            <a:cxnLst/>
-            <a:rect l="0" t="0" r="0" b="0"/>
-            <a:pathLst>
-              <a:path w="120000" h="120000" extrusionOk="0">
-                <a:moveTo>
-                  <a:pt x="0" y="0"/>
-                </a:moveTo>
-                <a:lnTo>
-                  <a:pt x="120000" y="0"/>
-                </a:lnTo>
-                <a:lnTo>
-                  <a:pt x="120000" y="120000"/>
-                </a:lnTo>
-                <a:lnTo>
-                  <a:pt x="0" y="120000"/>
-                </a:lnTo>
-                <a:close/>
-              </a:path>
-            </a:pathLst>
-          </a:custGeom>
-          <a:noFill/>
-          <a:ln w="9525" cap="flat">
-            <a:solidFill>
-              <a:srgbClr val="000000"/>
-            </a:solidFill>
-            <a:prstDash val="solid"/>
-            <a:round/>
-            <a:headEnd type="none" w="med" len="med"/>
-            <a:tailEnd type="none" w="med" len="med"/>
-          </a:ln>
-        </p:spPr>
-      </p:sp>
-    </p:spTree>
-    <p:extLst>
-      <p:ext uri="{BB962C8B-B14F-4D97-AF65-F5344CB8AC3E}">
-        <p14:creationId xmlns:p14="http://schemas.microsoft.com/office/powerpoint/2010/main" val="1479601281"/>
-      </p:ext>
-    </p:extLst>
-  </p:cSld>
-  <p:clrMapOvr>
-    <a:masterClrMapping/>
-  </p:clrMapOvr>
-</p:notes>
-</file>
-
-<file path=ppt/notesSlides/notesSlide43.xml><?xml version="1.0" encoding="utf-8"?>
-<p:notes xmlns:a="http://schemas.openxmlformats.org/drawingml/2006/main" xmlns:r="http://schemas.openxmlformats.org/officeDocument/2006/relationships" xmlns:p="http://schemas.openxmlformats.org/presentationml/2006/main" showMasterSp="0" showMasterPhAnim="0">
-  <p:cSld>
-    <p:spTree>
-      <p:nvGrpSpPr>
         <p:cNvPr id="1" name="Shape 223"/>
         <p:cNvGrpSpPr/>
         <p:nvPr/>
@@ -4953,7 +4609,7 @@
 </p:notes>
 </file>
 
-<file path=ppt/notesSlides/notesSlide44.xml><?xml version="1.0" encoding="utf-8"?>
+<file path=ppt/notesSlides/notesSlide41.xml><?xml version="1.0" encoding="utf-8"?>
 <p:notes xmlns:a="http://schemas.openxmlformats.org/drawingml/2006/main" xmlns:r="http://schemas.openxmlformats.org/officeDocument/2006/relationships" xmlns:p="http://schemas.openxmlformats.org/presentationml/2006/main" showMasterSp="0" showMasterPhAnim="0">
   <p:cSld>
     <p:spTree>
@@ -5069,7 +4725,7 @@
 </p:notes>
 </file>
 
-<file path=ppt/notesSlides/notesSlide45.xml><?xml version="1.0" encoding="utf-8"?>
+<file path=ppt/notesSlides/notesSlide42.xml><?xml version="1.0" encoding="utf-8"?>
 <p:notes xmlns:a="http://schemas.openxmlformats.org/drawingml/2006/main" xmlns:r="http://schemas.openxmlformats.org/officeDocument/2006/relationships" xmlns:p="http://schemas.openxmlformats.org/presentationml/2006/main" showMasterSp="0" showMasterPhAnim="0">
   <p:cSld>
     <p:spTree>
@@ -5133,8 +4789,8 @@
         </p:nvSpPr>
         <p:spPr>
           <a:xfrm>
-            <a:off x="1143225" y="685800"/>
-            <a:ext cx="4572225" cy="3429000"/>
+            <a:off x="381000" y="685800"/>
+            <a:ext cx="6096000" cy="3429000"/>
           </a:xfrm>
           <a:custGeom>
             <a:avLst/>
@@ -5185,7 +4841,7 @@
 </p:notes>
 </file>
 
-<file path=ppt/notesSlides/notesSlide46.xml><?xml version="1.0" encoding="utf-8"?>
+<file path=ppt/notesSlides/notesSlide43.xml><?xml version="1.0" encoding="utf-8"?>
 <p:notes xmlns:a="http://schemas.openxmlformats.org/drawingml/2006/main" xmlns:r="http://schemas.openxmlformats.org/officeDocument/2006/relationships" xmlns:p="http://schemas.openxmlformats.org/presentationml/2006/main" showMasterSp="0" showMasterPhAnim="0">
   <p:cSld>
     <p:spTree>
@@ -5301,7 +4957,7 @@
 </p:notes>
 </file>
 
-<file path=ppt/notesSlides/notesSlide47.xml><?xml version="1.0" encoding="utf-8"?>
+<file path=ppt/notesSlides/notesSlide44.xml><?xml version="1.0" encoding="utf-8"?>
 <p:notes xmlns:a="http://schemas.openxmlformats.org/drawingml/2006/main" xmlns:r="http://schemas.openxmlformats.org/officeDocument/2006/relationships" xmlns:p="http://schemas.openxmlformats.org/presentationml/2006/main" showMasterSp="0" showMasterPhAnim="0">
   <p:cSld>
     <p:spTree>
@@ -5417,7 +5073,7 @@
 </p:notes>
 </file>
 
-<file path=ppt/notesSlides/notesSlide48.xml><?xml version="1.0" encoding="utf-8"?>
+<file path=ppt/notesSlides/notesSlide45.xml><?xml version="1.0" encoding="utf-8"?>
 <p:notes xmlns:a="http://schemas.openxmlformats.org/drawingml/2006/main" xmlns:r="http://schemas.openxmlformats.org/officeDocument/2006/relationships" xmlns:p="http://schemas.openxmlformats.org/presentationml/2006/main" showMasterSp="0" showMasterPhAnim="0">
   <p:cSld>
     <p:spTree>
@@ -5533,7 +5189,7 @@
 </p:notes>
 </file>
 
-<file path=ppt/notesSlides/notesSlide49.xml><?xml version="1.0" encoding="utf-8"?>
+<file path=ppt/notesSlides/notesSlide46.xml><?xml version="1.0" encoding="utf-8"?>
 <p:notes xmlns:a="http://schemas.openxmlformats.org/drawingml/2006/main" xmlns:r="http://schemas.openxmlformats.org/officeDocument/2006/relationships" xmlns:p="http://schemas.openxmlformats.org/presentationml/2006/main" showMasterSp="0" showMasterPhAnim="0">
   <p:cSld>
     <p:spTree>
@@ -5649,123 +5305,7 @@
 </p:notes>
 </file>
 
-<file path=ppt/notesSlides/notesSlide5.xml><?xml version="1.0" encoding="utf-8"?>
-<p:notes xmlns:a="http://schemas.openxmlformats.org/drawingml/2006/main" xmlns:r="http://schemas.openxmlformats.org/officeDocument/2006/relationships" xmlns:p="http://schemas.openxmlformats.org/presentationml/2006/main" showMasterSp="0" showMasterPhAnim="0">
-  <p:cSld>
-    <p:spTree>
-      <p:nvGrpSpPr>
-        <p:cNvPr id="1" name="Shape 84"/>
-        <p:cNvGrpSpPr/>
-        <p:nvPr/>
-      </p:nvGrpSpPr>
-      <p:grpSpPr>
-        <a:xfrm>
-          <a:off x="0" y="0"/>
-          <a:ext cx="0" cy="0"/>
-          <a:chOff x="0" y="0"/>
-          <a:chExt cx="0" cy="0"/>
-        </a:xfrm>
-      </p:grpSpPr>
-      <p:sp>
-        <p:nvSpPr>
-          <p:cNvPr id="85" name="Shape 85"/>
-          <p:cNvSpPr txBox="1">
-            <a:spLocks noGrp="1"/>
-          </p:cNvSpPr>
-          <p:nvPr>
-            <p:ph type="body" idx="1"/>
-          </p:nvPr>
-        </p:nvSpPr>
-        <p:spPr>
-          <a:xfrm>
-            <a:off x="685800" y="4343400"/>
-            <a:ext cx="5486399" cy="4114800"/>
-          </a:xfrm>
-          <a:prstGeom prst="rect">
-            <a:avLst/>
-          </a:prstGeom>
-        </p:spPr>
-        <p:txBody>
-          <a:bodyPr lIns="91425" tIns="91425" rIns="91425" bIns="91425" anchor="ctr" anchorCtr="0">
-            <a:noAutofit/>
-          </a:bodyPr>
-          <a:lstStyle/>
-          <a:p>
-            <a:pPr>
-              <a:spcBef>
-                <a:spcPts val="0"/>
-              </a:spcBef>
-              <a:buNone/>
-            </a:pPr>
-            <a:endParaRPr/>
-          </a:p>
-        </p:txBody>
-      </p:sp>
-      <p:sp>
-        <p:nvSpPr>
-          <p:cNvPr id="86" name="Shape 86"/>
-          <p:cNvSpPr>
-            <a:spLocks noGrp="1" noRot="1" noChangeAspect="1"/>
-          </p:cNvSpPr>
-          <p:nvPr>
-            <p:ph type="sldImg" idx="2"/>
-          </p:nvPr>
-        </p:nvSpPr>
-        <p:spPr>
-          <a:xfrm>
-            <a:off x="1143225" y="685800"/>
-            <a:ext cx="4572299" cy="3429000"/>
-          </a:xfrm>
-          <a:custGeom>
-            <a:avLst/>
-            <a:gdLst/>
-            <a:ahLst/>
-            <a:cxnLst/>
-            <a:rect l="0" t="0" r="0" b="0"/>
-            <a:pathLst>
-              <a:path w="120000" h="120000" extrusionOk="0">
-                <a:moveTo>
-                  <a:pt x="0" y="0"/>
-                </a:moveTo>
-                <a:lnTo>
-                  <a:pt x="120000" y="0"/>
-                </a:lnTo>
-                <a:lnTo>
-                  <a:pt x="120000" y="120000"/>
-                </a:lnTo>
-                <a:lnTo>
-                  <a:pt x="0" y="120000"/>
-                </a:lnTo>
-                <a:close/>
-              </a:path>
-            </a:pathLst>
-          </a:custGeom>
-          <a:noFill/>
-          <a:ln w="9525" cap="flat">
-            <a:solidFill>
-              <a:srgbClr val="000000"/>
-            </a:solidFill>
-            <a:prstDash val="solid"/>
-            <a:round/>
-            <a:headEnd type="none" w="med" len="med"/>
-            <a:tailEnd type="none" w="med" len="med"/>
-          </a:ln>
-        </p:spPr>
-      </p:sp>
-    </p:spTree>
-    <p:extLst>
-      <p:ext uri="{BB962C8B-B14F-4D97-AF65-F5344CB8AC3E}">
-        <p14:creationId xmlns:p14="http://schemas.microsoft.com/office/powerpoint/2010/main" val="3977987855"/>
-      </p:ext>
-    </p:extLst>
-  </p:cSld>
-  <p:clrMapOvr>
-    <a:masterClrMapping/>
-  </p:clrMapOvr>
-</p:notes>
-</file>
-
-<file path=ppt/notesSlides/notesSlide50.xml><?xml version="1.0" encoding="utf-8"?>
+<file path=ppt/notesSlides/notesSlide47.xml><?xml version="1.0" encoding="utf-8"?>
 <p:notes xmlns:a="http://schemas.openxmlformats.org/drawingml/2006/main" xmlns:r="http://schemas.openxmlformats.org/officeDocument/2006/relationships" xmlns:p="http://schemas.openxmlformats.org/presentationml/2006/main" showMasterSp="0" showMasterPhAnim="0">
   <p:cSld>
     <p:spTree>
@@ -5881,7 +5421,7 @@
 </p:notes>
 </file>
 
-<file path=ppt/notesSlides/notesSlide51.xml><?xml version="1.0" encoding="utf-8"?>
+<file path=ppt/notesSlides/notesSlide48.xml><?xml version="1.0" encoding="utf-8"?>
 <p:notes xmlns:a="http://schemas.openxmlformats.org/drawingml/2006/main" xmlns:r="http://schemas.openxmlformats.org/officeDocument/2006/relationships" xmlns:p="http://schemas.openxmlformats.org/presentationml/2006/main" showMasterSp="0" showMasterPhAnim="0">
   <p:cSld>
     <p:spTree>
@@ -5997,7 +5537,7 @@
 </p:notes>
 </file>
 
-<file path=ppt/notesSlides/notesSlide52.xml><?xml version="1.0" encoding="utf-8"?>
+<file path=ppt/notesSlides/notesSlide49.xml><?xml version="1.0" encoding="utf-8"?>
 <p:notes xmlns:a="http://schemas.openxmlformats.org/drawingml/2006/main" xmlns:r="http://schemas.openxmlformats.org/officeDocument/2006/relationships" xmlns:p="http://schemas.openxmlformats.org/presentationml/2006/main" showMasterSp="0" showMasterPhAnim="0">
   <p:cSld>
     <p:spTree>
@@ -6113,7 +5653,123 @@
 </p:notes>
 </file>
 
-<file path=ppt/notesSlides/notesSlide53.xml><?xml version="1.0" encoding="utf-8"?>
+<file path=ppt/notesSlides/notesSlide5.xml><?xml version="1.0" encoding="utf-8"?>
+<p:notes xmlns:a="http://schemas.openxmlformats.org/drawingml/2006/main" xmlns:r="http://schemas.openxmlformats.org/officeDocument/2006/relationships" xmlns:p="http://schemas.openxmlformats.org/presentationml/2006/main" showMasterSp="0" showMasterPhAnim="0">
+  <p:cSld>
+    <p:spTree>
+      <p:nvGrpSpPr>
+        <p:cNvPr id="1" name="Shape 84"/>
+        <p:cNvGrpSpPr/>
+        <p:nvPr/>
+      </p:nvGrpSpPr>
+      <p:grpSpPr>
+        <a:xfrm>
+          <a:off x="0" y="0"/>
+          <a:ext cx="0" cy="0"/>
+          <a:chOff x="0" y="0"/>
+          <a:chExt cx="0" cy="0"/>
+        </a:xfrm>
+      </p:grpSpPr>
+      <p:sp>
+        <p:nvSpPr>
+          <p:cNvPr id="85" name="Shape 85"/>
+          <p:cNvSpPr txBox="1">
+            <a:spLocks noGrp="1"/>
+          </p:cNvSpPr>
+          <p:nvPr>
+            <p:ph type="body" idx="1"/>
+          </p:nvPr>
+        </p:nvSpPr>
+        <p:spPr>
+          <a:xfrm>
+            <a:off x="685800" y="4343400"/>
+            <a:ext cx="5486399" cy="4114800"/>
+          </a:xfrm>
+          <a:prstGeom prst="rect">
+            <a:avLst/>
+          </a:prstGeom>
+        </p:spPr>
+        <p:txBody>
+          <a:bodyPr lIns="91425" tIns="91425" rIns="91425" bIns="91425" anchor="ctr" anchorCtr="0">
+            <a:noAutofit/>
+          </a:bodyPr>
+          <a:lstStyle/>
+          <a:p>
+            <a:pPr>
+              <a:spcBef>
+                <a:spcPts val="0"/>
+              </a:spcBef>
+              <a:buNone/>
+            </a:pPr>
+            <a:endParaRPr/>
+          </a:p>
+        </p:txBody>
+      </p:sp>
+      <p:sp>
+        <p:nvSpPr>
+          <p:cNvPr id="86" name="Shape 86"/>
+          <p:cNvSpPr>
+            <a:spLocks noGrp="1" noRot="1" noChangeAspect="1"/>
+          </p:cNvSpPr>
+          <p:nvPr>
+            <p:ph type="sldImg" idx="2"/>
+          </p:nvPr>
+        </p:nvSpPr>
+        <p:spPr>
+          <a:xfrm>
+            <a:off x="1143225" y="685800"/>
+            <a:ext cx="4572299" cy="3429000"/>
+          </a:xfrm>
+          <a:custGeom>
+            <a:avLst/>
+            <a:gdLst/>
+            <a:ahLst/>
+            <a:cxnLst/>
+            <a:rect l="0" t="0" r="0" b="0"/>
+            <a:pathLst>
+              <a:path w="120000" h="120000" extrusionOk="0">
+                <a:moveTo>
+                  <a:pt x="0" y="0"/>
+                </a:moveTo>
+                <a:lnTo>
+                  <a:pt x="120000" y="0"/>
+                </a:lnTo>
+                <a:lnTo>
+                  <a:pt x="120000" y="120000"/>
+                </a:lnTo>
+                <a:lnTo>
+                  <a:pt x="0" y="120000"/>
+                </a:lnTo>
+                <a:close/>
+              </a:path>
+            </a:pathLst>
+          </a:custGeom>
+          <a:noFill/>
+          <a:ln w="9525" cap="flat">
+            <a:solidFill>
+              <a:srgbClr val="000000"/>
+            </a:solidFill>
+            <a:prstDash val="solid"/>
+            <a:round/>
+            <a:headEnd type="none" w="med" len="med"/>
+            <a:tailEnd type="none" w="med" len="med"/>
+          </a:ln>
+        </p:spPr>
+      </p:sp>
+    </p:spTree>
+    <p:extLst>
+      <p:ext uri="{BB962C8B-B14F-4D97-AF65-F5344CB8AC3E}">
+        <p14:creationId xmlns:p14="http://schemas.microsoft.com/office/powerpoint/2010/main" val="3977987855"/>
+      </p:ext>
+    </p:extLst>
+  </p:cSld>
+  <p:clrMapOvr>
+    <a:masterClrMapping/>
+  </p:clrMapOvr>
+</p:notes>
+</file>
+
+<file path=ppt/notesSlides/notesSlide50.xml><?xml version="1.0" encoding="utf-8"?>
 <p:notes xmlns:a="http://schemas.openxmlformats.org/drawingml/2006/main" xmlns:r="http://schemas.openxmlformats.org/officeDocument/2006/relationships" xmlns:p="http://schemas.openxmlformats.org/presentationml/2006/main" showMasterSp="0" showMasterPhAnim="0">
   <p:cSld>
     <p:spTree>
@@ -6220,6 +5876,354 @@
     <p:extLst>
       <p:ext uri="{BB962C8B-B14F-4D97-AF65-F5344CB8AC3E}">
         <p14:creationId xmlns:p14="http://schemas.microsoft.com/office/powerpoint/2010/main" val="1889260567"/>
+      </p:ext>
+    </p:extLst>
+  </p:cSld>
+  <p:clrMapOvr>
+    <a:masterClrMapping/>
+  </p:clrMapOvr>
+</p:notes>
+</file>
+
+<file path=ppt/notesSlides/notesSlide51.xml><?xml version="1.0" encoding="utf-8"?>
+<p:notes xmlns:a="http://schemas.openxmlformats.org/drawingml/2006/main" xmlns:r="http://schemas.openxmlformats.org/officeDocument/2006/relationships" xmlns:p="http://schemas.openxmlformats.org/presentationml/2006/main" showMasterSp="0" showMasterPhAnim="0">
+  <p:cSld>
+    <p:spTree>
+      <p:nvGrpSpPr>
+        <p:cNvPr id="1" name="Shape 157"/>
+        <p:cNvGrpSpPr/>
+        <p:nvPr/>
+      </p:nvGrpSpPr>
+      <p:grpSpPr>
+        <a:xfrm>
+          <a:off x="0" y="0"/>
+          <a:ext cx="0" cy="0"/>
+          <a:chOff x="0" y="0"/>
+          <a:chExt cx="0" cy="0"/>
+        </a:xfrm>
+      </p:grpSpPr>
+      <p:sp>
+        <p:nvSpPr>
+          <p:cNvPr id="158" name="Shape 158"/>
+          <p:cNvSpPr>
+            <a:spLocks noGrp="1" noRot="1" noChangeAspect="1"/>
+          </p:cNvSpPr>
+          <p:nvPr>
+            <p:ph type="sldImg" idx="2"/>
+          </p:nvPr>
+        </p:nvSpPr>
+        <p:spPr>
+          <a:xfrm>
+            <a:off x="381187" y="685800"/>
+            <a:ext cx="6096299" cy="3429000"/>
+          </a:xfrm>
+          <a:custGeom>
+            <a:avLst/>
+            <a:gdLst/>
+            <a:ahLst/>
+            <a:cxnLst/>
+            <a:rect l="0" t="0" r="0" b="0"/>
+            <a:pathLst>
+              <a:path w="120000" h="120000" extrusionOk="0">
+                <a:moveTo>
+                  <a:pt x="0" y="0"/>
+                </a:moveTo>
+                <a:lnTo>
+                  <a:pt x="120000" y="0"/>
+                </a:lnTo>
+                <a:lnTo>
+                  <a:pt x="120000" y="120000"/>
+                </a:lnTo>
+                <a:lnTo>
+                  <a:pt x="0" y="120000"/>
+                </a:lnTo>
+                <a:close/>
+              </a:path>
+            </a:pathLst>
+          </a:custGeom>
+          <a:noFill/>
+          <a:ln w="9525" cap="flat">
+            <a:solidFill>
+              <a:srgbClr val="000000"/>
+            </a:solidFill>
+            <a:prstDash val="solid"/>
+            <a:round/>
+            <a:headEnd type="none" w="med" len="med"/>
+            <a:tailEnd type="none" w="med" len="med"/>
+          </a:ln>
+        </p:spPr>
+      </p:sp>
+      <p:sp>
+        <p:nvSpPr>
+          <p:cNvPr id="159" name="Shape 159"/>
+          <p:cNvSpPr txBox="1">
+            <a:spLocks noGrp="1"/>
+          </p:cNvSpPr>
+          <p:nvPr>
+            <p:ph type="body" idx="1"/>
+          </p:nvPr>
+        </p:nvSpPr>
+        <p:spPr>
+          <a:xfrm>
+            <a:off x="685800" y="4343400"/>
+            <a:ext cx="5486399" cy="4114800"/>
+          </a:xfrm>
+          <a:prstGeom prst="rect">
+            <a:avLst/>
+          </a:prstGeom>
+        </p:spPr>
+        <p:txBody>
+          <a:bodyPr lIns="91425" tIns="91425" rIns="91425" bIns="91425" anchor="t" anchorCtr="0">
+            <a:noAutofit/>
+          </a:bodyPr>
+          <a:lstStyle/>
+          <a:p>
+            <a:pPr>
+              <a:spcBef>
+                <a:spcPts val="0"/>
+              </a:spcBef>
+              <a:buNone/>
+            </a:pPr>
+            <a:endParaRPr/>
+          </a:p>
+        </p:txBody>
+      </p:sp>
+    </p:spTree>
+    <p:extLst>
+      <p:ext uri="{BB962C8B-B14F-4D97-AF65-F5344CB8AC3E}">
+        <p14:creationId xmlns:p14="http://schemas.microsoft.com/office/powerpoint/2010/main" val="167438425"/>
+      </p:ext>
+    </p:extLst>
+  </p:cSld>
+  <p:clrMapOvr>
+    <a:masterClrMapping/>
+  </p:clrMapOvr>
+</p:notes>
+</file>
+
+<file path=ppt/notesSlides/notesSlide52.xml><?xml version="1.0" encoding="utf-8"?>
+<p:notes xmlns:a="http://schemas.openxmlformats.org/drawingml/2006/main" xmlns:r="http://schemas.openxmlformats.org/officeDocument/2006/relationships" xmlns:p="http://schemas.openxmlformats.org/presentationml/2006/main" showMasterSp="0" showMasterPhAnim="0">
+  <p:cSld>
+    <p:spTree>
+      <p:nvGrpSpPr>
+        <p:cNvPr id="1" name="Shape 165"/>
+        <p:cNvGrpSpPr/>
+        <p:nvPr/>
+      </p:nvGrpSpPr>
+      <p:grpSpPr>
+        <a:xfrm>
+          <a:off x="0" y="0"/>
+          <a:ext cx="0" cy="0"/>
+          <a:chOff x="0" y="0"/>
+          <a:chExt cx="0" cy="0"/>
+        </a:xfrm>
+      </p:grpSpPr>
+      <p:sp>
+        <p:nvSpPr>
+          <p:cNvPr id="166" name="Shape 166"/>
+          <p:cNvSpPr txBox="1">
+            <a:spLocks noGrp="1"/>
+          </p:cNvSpPr>
+          <p:nvPr>
+            <p:ph type="body" idx="1"/>
+          </p:nvPr>
+        </p:nvSpPr>
+        <p:spPr>
+          <a:xfrm>
+            <a:off x="685800" y="4343400"/>
+            <a:ext cx="5486399" cy="4114800"/>
+          </a:xfrm>
+          <a:prstGeom prst="rect">
+            <a:avLst/>
+          </a:prstGeom>
+        </p:spPr>
+        <p:txBody>
+          <a:bodyPr lIns="91425" tIns="91425" rIns="91425" bIns="91425" anchor="ctr" anchorCtr="0">
+            <a:noAutofit/>
+          </a:bodyPr>
+          <a:lstStyle/>
+          <a:p>
+            <a:pPr>
+              <a:spcBef>
+                <a:spcPts val="0"/>
+              </a:spcBef>
+              <a:buNone/>
+            </a:pPr>
+            <a:endParaRPr/>
+          </a:p>
+        </p:txBody>
+      </p:sp>
+      <p:sp>
+        <p:nvSpPr>
+          <p:cNvPr id="167" name="Shape 167"/>
+          <p:cNvSpPr>
+            <a:spLocks noGrp="1" noRot="1" noChangeAspect="1"/>
+          </p:cNvSpPr>
+          <p:nvPr>
+            <p:ph type="sldImg" idx="2"/>
+          </p:nvPr>
+        </p:nvSpPr>
+        <p:spPr>
+          <a:xfrm>
+            <a:off x="381000" y="685800"/>
+            <a:ext cx="6096000" cy="3429000"/>
+          </a:xfrm>
+          <a:custGeom>
+            <a:avLst/>
+            <a:gdLst/>
+            <a:ahLst/>
+            <a:cxnLst/>
+            <a:rect l="0" t="0" r="0" b="0"/>
+            <a:pathLst>
+              <a:path w="120000" h="120000" extrusionOk="0">
+                <a:moveTo>
+                  <a:pt x="0" y="0"/>
+                </a:moveTo>
+                <a:lnTo>
+                  <a:pt x="120000" y="0"/>
+                </a:lnTo>
+                <a:lnTo>
+                  <a:pt x="120000" y="120000"/>
+                </a:lnTo>
+                <a:lnTo>
+                  <a:pt x="0" y="120000"/>
+                </a:lnTo>
+                <a:close/>
+              </a:path>
+            </a:pathLst>
+          </a:custGeom>
+          <a:noFill/>
+          <a:ln w="9525" cap="flat">
+            <a:solidFill>
+              <a:srgbClr val="000000"/>
+            </a:solidFill>
+            <a:prstDash val="solid"/>
+            <a:round/>
+            <a:headEnd type="none" w="med" len="med"/>
+            <a:tailEnd type="none" w="med" len="med"/>
+          </a:ln>
+        </p:spPr>
+      </p:sp>
+    </p:spTree>
+    <p:extLst>
+      <p:ext uri="{BB962C8B-B14F-4D97-AF65-F5344CB8AC3E}">
+        <p14:creationId xmlns:p14="http://schemas.microsoft.com/office/powerpoint/2010/main" val="2718757336"/>
+      </p:ext>
+    </p:extLst>
+  </p:cSld>
+  <p:clrMapOvr>
+    <a:masterClrMapping/>
+  </p:clrMapOvr>
+</p:notes>
+</file>
+
+<file path=ppt/notesSlides/notesSlide53.xml><?xml version="1.0" encoding="utf-8"?>
+<p:notes xmlns:a="http://schemas.openxmlformats.org/drawingml/2006/main" xmlns:r="http://schemas.openxmlformats.org/officeDocument/2006/relationships" xmlns:p="http://schemas.openxmlformats.org/presentationml/2006/main" showMasterSp="0" showMasterPhAnim="0">
+  <p:cSld>
+    <p:spTree>
+      <p:nvGrpSpPr>
+        <p:cNvPr id="1" name="Shape 172"/>
+        <p:cNvGrpSpPr/>
+        <p:nvPr/>
+      </p:nvGrpSpPr>
+      <p:grpSpPr>
+        <a:xfrm>
+          <a:off x="0" y="0"/>
+          <a:ext cx="0" cy="0"/>
+          <a:chOff x="0" y="0"/>
+          <a:chExt cx="0" cy="0"/>
+        </a:xfrm>
+      </p:grpSpPr>
+      <p:sp>
+        <p:nvSpPr>
+          <p:cNvPr id="173" name="Shape 173"/>
+          <p:cNvSpPr txBox="1">
+            <a:spLocks noGrp="1"/>
+          </p:cNvSpPr>
+          <p:nvPr>
+            <p:ph type="body" idx="1"/>
+          </p:nvPr>
+        </p:nvSpPr>
+        <p:spPr>
+          <a:xfrm>
+            <a:off x="685800" y="4343400"/>
+            <a:ext cx="5486399" cy="4114800"/>
+          </a:xfrm>
+          <a:prstGeom prst="rect">
+            <a:avLst/>
+          </a:prstGeom>
+        </p:spPr>
+        <p:txBody>
+          <a:bodyPr lIns="91425" tIns="91425" rIns="91425" bIns="91425" anchor="ctr" anchorCtr="0">
+            <a:noAutofit/>
+          </a:bodyPr>
+          <a:lstStyle/>
+          <a:p>
+            <a:pPr>
+              <a:spcBef>
+                <a:spcPts val="0"/>
+              </a:spcBef>
+              <a:buNone/>
+            </a:pPr>
+            <a:endParaRPr/>
+          </a:p>
+        </p:txBody>
+      </p:sp>
+      <p:sp>
+        <p:nvSpPr>
+          <p:cNvPr id="174" name="Shape 174"/>
+          <p:cNvSpPr>
+            <a:spLocks noGrp="1" noRot="1" noChangeAspect="1"/>
+          </p:cNvSpPr>
+          <p:nvPr>
+            <p:ph type="sldImg" idx="2"/>
+          </p:nvPr>
+        </p:nvSpPr>
+        <p:spPr>
+          <a:xfrm>
+            <a:off x="381000" y="685800"/>
+            <a:ext cx="6096000" cy="3429000"/>
+          </a:xfrm>
+          <a:custGeom>
+            <a:avLst/>
+            <a:gdLst/>
+            <a:ahLst/>
+            <a:cxnLst/>
+            <a:rect l="0" t="0" r="0" b="0"/>
+            <a:pathLst>
+              <a:path w="120000" h="120000" extrusionOk="0">
+                <a:moveTo>
+                  <a:pt x="0" y="0"/>
+                </a:moveTo>
+                <a:lnTo>
+                  <a:pt x="120000" y="0"/>
+                </a:lnTo>
+                <a:lnTo>
+                  <a:pt x="120000" y="120000"/>
+                </a:lnTo>
+                <a:lnTo>
+                  <a:pt x="0" y="120000"/>
+                </a:lnTo>
+                <a:close/>
+              </a:path>
+            </a:pathLst>
+          </a:custGeom>
+          <a:noFill/>
+          <a:ln w="9525" cap="flat">
+            <a:solidFill>
+              <a:srgbClr val="000000"/>
+            </a:solidFill>
+            <a:prstDash val="solid"/>
+            <a:round/>
+            <a:headEnd type="none" w="med" len="med"/>
+            <a:tailEnd type="none" w="med" len="med"/>
+          </a:ln>
+        </p:spPr>
+      </p:sp>
+    </p:spTree>
+    <p:extLst>
+      <p:ext uri="{BB962C8B-B14F-4D97-AF65-F5344CB8AC3E}">
+        <p14:creationId xmlns:p14="http://schemas.microsoft.com/office/powerpoint/2010/main" val="434841453"/>
       </p:ext>
     </p:extLst>
   </p:cSld>
@@ -9465,7 +9469,7 @@
         <p:spPr>
           <a:xfrm>
             <a:off x="5839890" y="3820917"/>
-            <a:ext cx="3304110" cy="1200329"/>
+            <a:ext cx="3397084" cy="1200329"/>
           </a:xfrm>
           <a:prstGeom prst="rect">
             <a:avLst/>
@@ -9649,8 +9653,8 @@
         </p:nvSpPr>
         <p:spPr>
           <a:xfrm>
-            <a:off x="457200" y="1200150"/>
-            <a:ext cx="8229600" cy="3725699"/>
+            <a:off x="457200" y="1483112"/>
+            <a:ext cx="8229600" cy="3442737"/>
           </a:xfrm>
           <a:prstGeom prst="rect">
             <a:avLst/>
@@ -9681,7 +9685,7 @@
               <a:buChar char="•"/>
             </a:pPr>
             <a:r>
-              <a:rPr lang="id" sz="2100" b="0" i="0" u="none" strike="noStrike" cap="none" baseline="0">
+              <a:rPr lang="id" sz="2100" b="0" i="0" u="none" strike="noStrike" cap="none" baseline="0" dirty="0">
                 <a:solidFill>
                   <a:schemeClr val="dk1"/>
                 </a:solidFill>
@@ -9705,7 +9709,7 @@
               <a:buChar char="•"/>
             </a:pPr>
             <a:r>
-              <a:rPr lang="id" sz="2100" b="0" i="0" u="none" strike="noStrike" cap="none" baseline="0">
+              <a:rPr lang="id" sz="2100" b="0" i="0" u="none" strike="noStrike" cap="none" baseline="0" dirty="0">
                 <a:solidFill>
                   <a:schemeClr val="dk1"/>
                 </a:solidFill>
@@ -9713,7 +9717,7 @@
               <a:t>Membandingkan pembelian dan rating yang dilakukan pengguna dengan item yang serupa, kemudian dijadikan daftar rekomendasi</a:t>
             </a:r>
             <a:r>
-              <a:rPr lang="id" sz="1100" b="0" i="0" u="none" strike="noStrike" cap="none" baseline="0">
+              <a:rPr lang="id" sz="1100" b="0" i="0" u="none" strike="noStrike" cap="none" baseline="0" dirty="0">
                 <a:solidFill>
                   <a:schemeClr val="dk1"/>
                 </a:solidFill>
@@ -9721,7 +9725,7 @@
               <a:t>[7]</a:t>
             </a:r>
             <a:r>
-              <a:rPr lang="id" sz="2100" b="0" i="0" u="none" strike="noStrike" cap="none" baseline="0">
+              <a:rPr lang="id" sz="2100" b="0" i="0" u="none" strike="noStrike" cap="none" baseline="0" dirty="0">
                 <a:solidFill>
                   <a:schemeClr val="dk1"/>
                 </a:solidFill>
@@ -9813,7 +9817,128 @@
   <p:timing>
     <p:tnLst>
       <p:par>
-        <p:cTn id="1" dur="indefinite" restart="never" nodeType="tmRoot"/>
+        <p:cTn id="1" dur="indefinite" restart="never" nodeType="tmRoot">
+          <p:childTnLst>
+            <p:seq concurrent="1" nextAc="seek">
+              <p:cTn id="2" dur="indefinite" nodeType="mainSeq">
+                <p:childTnLst>
+                  <p:par>
+                    <p:cTn id="3" fill="hold">
+                      <p:stCondLst>
+                        <p:cond delay="indefinite"/>
+                      </p:stCondLst>
+                      <p:childTnLst>
+                        <p:par>
+                          <p:cTn id="4" fill="hold">
+                            <p:stCondLst>
+                              <p:cond delay="0"/>
+                            </p:stCondLst>
+                            <p:childTnLst>
+                              <p:par>
+                                <p:cTn id="5" presetID="1" presetClass="entr" presetSubtype="0" fill="hold" nodeType="clickEffect">
+                                  <p:stCondLst>
+                                    <p:cond delay="0"/>
+                                  </p:stCondLst>
+                                  <p:childTnLst>
+                                    <p:set>
+                                      <p:cBhvr>
+                                        <p:cTn id="6" dur="1" fill="hold">
+                                          <p:stCondLst>
+                                            <p:cond delay="0"/>
+                                          </p:stCondLst>
+                                        </p:cTn>
+                                        <p:tgtEl>
+                                          <p:spTgt spid="128">
+                                            <p:txEl>
+                                              <p:pRg st="0" end="0"/>
+                                            </p:txEl>
+                                          </p:spTgt>
+                                        </p:tgtEl>
+                                        <p:attrNameLst>
+                                          <p:attrName>style.visibility</p:attrName>
+                                        </p:attrNameLst>
+                                      </p:cBhvr>
+                                      <p:to>
+                                        <p:strVal val="visible"/>
+                                      </p:to>
+                                    </p:set>
+                                  </p:childTnLst>
+                                </p:cTn>
+                              </p:par>
+                            </p:childTnLst>
+                          </p:cTn>
+                        </p:par>
+                      </p:childTnLst>
+                    </p:cTn>
+                  </p:par>
+                  <p:par>
+                    <p:cTn id="7" fill="hold">
+                      <p:stCondLst>
+                        <p:cond delay="indefinite"/>
+                      </p:stCondLst>
+                      <p:childTnLst>
+                        <p:par>
+                          <p:cTn id="8" fill="hold">
+                            <p:stCondLst>
+                              <p:cond delay="0"/>
+                            </p:stCondLst>
+                            <p:childTnLst>
+                              <p:par>
+                                <p:cTn id="9" presetID="1" presetClass="entr" presetSubtype="0" fill="hold" nodeType="clickEffect">
+                                  <p:stCondLst>
+                                    <p:cond delay="0"/>
+                                  </p:stCondLst>
+                                  <p:childTnLst>
+                                    <p:set>
+                                      <p:cBhvr>
+                                        <p:cTn id="10" dur="1" fill="hold">
+                                          <p:stCondLst>
+                                            <p:cond delay="0"/>
+                                          </p:stCondLst>
+                                        </p:cTn>
+                                        <p:tgtEl>
+                                          <p:spTgt spid="128">
+                                            <p:txEl>
+                                              <p:pRg st="1" end="1"/>
+                                            </p:txEl>
+                                          </p:spTgt>
+                                        </p:tgtEl>
+                                        <p:attrNameLst>
+                                          <p:attrName>style.visibility</p:attrName>
+                                        </p:attrNameLst>
+                                      </p:cBhvr>
+                                      <p:to>
+                                        <p:strVal val="visible"/>
+                                      </p:to>
+                                    </p:set>
+                                  </p:childTnLst>
+                                </p:cTn>
+                              </p:par>
+                            </p:childTnLst>
+                          </p:cTn>
+                        </p:par>
+                      </p:childTnLst>
+                    </p:cTn>
+                  </p:par>
+                </p:childTnLst>
+              </p:cTn>
+              <p:prevCondLst>
+                <p:cond evt="onPrev" delay="0">
+                  <p:tgtEl>
+                    <p:sldTgt/>
+                  </p:tgtEl>
+                </p:cond>
+              </p:prevCondLst>
+              <p:nextCondLst>
+                <p:cond evt="onNext" delay="0">
+                  <p:tgtEl>
+                    <p:sldTgt/>
+                  </p:tgtEl>
+                </p:cond>
+              </p:nextCondLst>
+            </p:seq>
+          </p:childTnLst>
+        </p:cTn>
       </p:par>
     </p:tnLst>
   </p:timing>
@@ -9970,8 +10095,8 @@
         </p:nvSpPr>
         <p:spPr>
           <a:xfrm>
-            <a:off x="603156" y="1063375"/>
-            <a:ext cx="6899646" cy="3416320"/>
+            <a:off x="177130" y="1535709"/>
+            <a:ext cx="8841169" cy="1546577"/>
           </a:xfrm>
           <a:prstGeom prst="rect">
             <a:avLst/>
@@ -9979,1249 +10104,307 @@
           <a:noFill/>
         </p:spPr>
         <p:txBody>
-          <a:bodyPr wrap="none" rtlCol="0">
+          <a:bodyPr wrap="square" rtlCol="0">
             <a:spAutoFit/>
           </a:bodyPr>
           <a:lstStyle/>
           <a:p>
             <a:pPr marL="342900" indent="-342900">
+              <a:lnSpc>
+                <a:spcPct val="150000"/>
+              </a:lnSpc>
               <a:buFont typeface="+mj-lt"/>
               <a:buAutoNum type="arabicPeriod"/>
             </a:pPr>
             <a:r>
-              <a:rPr lang="en-US" sz="2400" dirty="0" err="1" smtClean="0">
-                <a:latin typeface="Browallia New" panose="020B0604020202020204" pitchFamily="34" charset="-34"/>
+              <a:rPr lang="en-US" sz="2100" dirty="0" err="1" smtClean="0">
+                <a:latin typeface="+mj-lt"/>
                 <a:cs typeface="Browallia New" panose="020B0604020202020204" pitchFamily="34" charset="-34"/>
               </a:rPr>
               <a:t>Menghitung</a:t>
             </a:r>
             <a:r>
-              <a:rPr lang="en-US" sz="2400" dirty="0" smtClean="0">
-                <a:latin typeface="Browallia New" panose="020B0604020202020204" pitchFamily="34" charset="-34"/>
+              <a:rPr lang="en-US" sz="2100" dirty="0" smtClean="0">
+                <a:latin typeface="+mj-lt"/>
                 <a:cs typeface="Browallia New" panose="020B0604020202020204" pitchFamily="34" charset="-34"/>
               </a:rPr>
               <a:t> </a:t>
             </a:r>
             <a:r>
-              <a:rPr lang="en-US" sz="2400" dirty="0" err="1" smtClean="0">
-                <a:latin typeface="Browallia New" panose="020B0604020202020204" pitchFamily="34" charset="-34"/>
+              <a:rPr lang="en-US" sz="2100" dirty="0" err="1" smtClean="0">
+                <a:latin typeface="+mj-lt"/>
                 <a:cs typeface="Browallia New" panose="020B0604020202020204" pitchFamily="34" charset="-34"/>
               </a:rPr>
               <a:t>kesamaan</a:t>
             </a:r>
             <a:r>
-              <a:rPr lang="en-US" sz="2400" dirty="0" smtClean="0">
-                <a:latin typeface="Browallia New" panose="020B0604020202020204" pitchFamily="34" charset="-34"/>
+              <a:rPr lang="en-US" sz="2100" dirty="0" smtClean="0">
+                <a:latin typeface="+mj-lt"/>
                 <a:cs typeface="Browallia New" panose="020B0604020202020204" pitchFamily="34" charset="-34"/>
               </a:rPr>
               <a:t> </a:t>
             </a:r>
             <a:r>
-              <a:rPr lang="en-US" sz="2400" dirty="0" err="1" smtClean="0">
-                <a:latin typeface="Browallia New" panose="020B0604020202020204" pitchFamily="34" charset="-34"/>
+              <a:rPr lang="en-US" sz="2100" dirty="0" err="1" smtClean="0">
+                <a:latin typeface="+mj-lt"/>
                 <a:cs typeface="Browallia New" panose="020B0604020202020204" pitchFamily="34" charset="-34"/>
               </a:rPr>
               <a:t>antara</a:t>
             </a:r>
             <a:r>
-              <a:rPr lang="en-US" sz="2400" dirty="0" smtClean="0">
-                <a:latin typeface="Browallia New" panose="020B0604020202020204" pitchFamily="34" charset="-34"/>
+              <a:rPr lang="en-US" sz="2100" dirty="0" smtClean="0">
+                <a:latin typeface="+mj-lt"/>
                 <a:cs typeface="Browallia New" panose="020B0604020202020204" pitchFamily="34" charset="-34"/>
               </a:rPr>
               <a:t> 2 item yang </a:t>
             </a:r>
             <a:r>
-              <a:rPr lang="en-US" sz="2400" dirty="0" err="1" smtClean="0">
-                <a:latin typeface="Browallia New" panose="020B0604020202020204" pitchFamily="34" charset="-34"/>
+              <a:rPr lang="en-US" sz="2100" dirty="0" err="1" smtClean="0">
+                <a:latin typeface="+mj-lt"/>
                 <a:cs typeface="Browallia New" panose="020B0604020202020204" pitchFamily="34" charset="-34"/>
               </a:rPr>
               <a:t>dinilai</a:t>
             </a:r>
             <a:r>
-              <a:rPr lang="en-US" sz="2400" dirty="0" smtClean="0">
-                <a:latin typeface="Browallia New" panose="020B0604020202020204" pitchFamily="34" charset="-34"/>
+              <a:rPr lang="en-US" sz="2100" dirty="0" smtClean="0">
+                <a:latin typeface="+mj-lt"/>
                 <a:cs typeface="Browallia New" panose="020B0604020202020204" pitchFamily="34" charset="-34"/>
               </a:rPr>
               <a:t> </a:t>
             </a:r>
             <a:r>
-              <a:rPr lang="en-US" sz="2400" dirty="0" err="1" smtClean="0">
-                <a:latin typeface="Browallia New" panose="020B0604020202020204" pitchFamily="34" charset="-34"/>
+              <a:rPr lang="en-US" sz="2100" dirty="0" err="1" smtClean="0">
+                <a:latin typeface="+mj-lt"/>
                 <a:cs typeface="Browallia New" panose="020B0604020202020204" pitchFamily="34" charset="-34"/>
               </a:rPr>
               <a:t>oleh</a:t>
             </a:r>
             <a:r>
-              <a:rPr lang="en-US" sz="2400" dirty="0" smtClean="0">
-                <a:latin typeface="Browallia New" panose="020B0604020202020204" pitchFamily="34" charset="-34"/>
+              <a:rPr lang="en-US" sz="2100" dirty="0" smtClean="0">
+                <a:latin typeface="+mj-lt"/>
                 <a:cs typeface="Browallia New" panose="020B0604020202020204" pitchFamily="34" charset="-34"/>
               </a:rPr>
               <a:t> </a:t>
             </a:r>
             <a:r>
-              <a:rPr lang="en-US" sz="2400" dirty="0" err="1" smtClean="0">
-                <a:latin typeface="Browallia New" panose="020B0604020202020204" pitchFamily="34" charset="-34"/>
+              <a:rPr lang="en-US" sz="2100" dirty="0" err="1" smtClean="0">
+                <a:latin typeface="+mj-lt"/>
                 <a:cs typeface="Browallia New" panose="020B0604020202020204" pitchFamily="34" charset="-34"/>
               </a:rPr>
               <a:t>pengguna</a:t>
             </a:r>
-            <a:endParaRPr lang="en-US" sz="2400" dirty="0" smtClean="0">
-              <a:latin typeface="Browallia New" panose="020B0604020202020204" pitchFamily="34" charset="-34"/>
+            <a:endParaRPr lang="en-US" sz="2100" dirty="0" smtClean="0">
+              <a:latin typeface="+mj-lt"/>
               <a:cs typeface="Browallia New" panose="020B0604020202020204" pitchFamily="34" charset="-34"/>
             </a:endParaRPr>
           </a:p>
           <a:p>
             <a:pPr marL="342900" indent="-342900">
+              <a:lnSpc>
+                <a:spcPct val="150000"/>
+              </a:lnSpc>
               <a:buFont typeface="+mj-lt"/>
               <a:buAutoNum type="arabicPeriod"/>
             </a:pPr>
-            <a:endParaRPr lang="en-US" sz="2400" dirty="0">
-              <a:latin typeface="Browallia New" panose="020B0604020202020204" pitchFamily="34" charset="-34"/>
+            <a:r>
+              <a:rPr lang="en-US" sz="2100" dirty="0" err="1" smtClean="0">
+                <a:latin typeface="+mj-lt"/>
+                <a:cs typeface="Browallia New" panose="020B0604020202020204" pitchFamily="34" charset="-34"/>
+              </a:rPr>
+              <a:t>Menghitung</a:t>
+            </a:r>
+            <a:r>
+              <a:rPr lang="en-US" sz="2100" dirty="0" smtClean="0">
+                <a:latin typeface="+mj-lt"/>
+                <a:cs typeface="Browallia New" panose="020B0604020202020204" pitchFamily="34" charset="-34"/>
+              </a:rPr>
+              <a:t> </a:t>
+            </a:r>
+            <a:r>
+              <a:rPr lang="en-US" sz="2100" dirty="0" err="1">
+                <a:latin typeface="+mj-lt"/>
+                <a:cs typeface="Browallia New" panose="020B0604020202020204" pitchFamily="34" charset="-34"/>
+              </a:rPr>
+              <a:t>prediksi</a:t>
+            </a:r>
+            <a:r>
+              <a:rPr lang="en-US" sz="2100" dirty="0">
+                <a:latin typeface="+mj-lt"/>
+                <a:cs typeface="Browallia New" panose="020B0604020202020204" pitchFamily="34" charset="-34"/>
+              </a:rPr>
+              <a:t> </a:t>
+            </a:r>
+            <a:r>
+              <a:rPr lang="en-US" sz="2100" dirty="0" err="1">
+                <a:latin typeface="+mj-lt"/>
+                <a:cs typeface="Browallia New" panose="020B0604020202020204" pitchFamily="34" charset="-34"/>
+              </a:rPr>
+              <a:t>terhadap</a:t>
+            </a:r>
+            <a:r>
+              <a:rPr lang="en-US" sz="2100" dirty="0">
+                <a:latin typeface="+mj-lt"/>
+                <a:cs typeface="Browallia New" panose="020B0604020202020204" pitchFamily="34" charset="-34"/>
+              </a:rPr>
+              <a:t> item yang </a:t>
+            </a:r>
+            <a:r>
+              <a:rPr lang="en-US" sz="2100" dirty="0" err="1">
+                <a:latin typeface="+mj-lt"/>
+                <a:cs typeface="Browallia New" panose="020B0604020202020204" pitchFamily="34" charset="-34"/>
+              </a:rPr>
+              <a:t>belum</a:t>
+            </a:r>
+            <a:r>
+              <a:rPr lang="en-US" sz="2100" dirty="0">
+                <a:latin typeface="+mj-lt"/>
+                <a:cs typeface="Browallia New" panose="020B0604020202020204" pitchFamily="34" charset="-34"/>
+              </a:rPr>
+              <a:t> </a:t>
+            </a:r>
+            <a:r>
+              <a:rPr lang="en-US" sz="2100" dirty="0" err="1">
+                <a:latin typeface="+mj-lt"/>
+                <a:cs typeface="Browallia New" panose="020B0604020202020204" pitchFamily="34" charset="-34"/>
+              </a:rPr>
+              <a:t>dinilai</a:t>
+            </a:r>
+            <a:r>
+              <a:rPr lang="en-US" sz="2100" dirty="0">
+                <a:latin typeface="+mj-lt"/>
+                <a:cs typeface="Browallia New" panose="020B0604020202020204" pitchFamily="34" charset="-34"/>
+              </a:rPr>
+              <a:t> </a:t>
+            </a:r>
+            <a:r>
+              <a:rPr lang="en-US" sz="2100" dirty="0" err="1">
+                <a:latin typeface="+mj-lt"/>
+                <a:cs typeface="Browallia New" panose="020B0604020202020204" pitchFamily="34" charset="-34"/>
+              </a:rPr>
+              <a:t>oleh</a:t>
+            </a:r>
+            <a:r>
+              <a:rPr lang="en-US" sz="2100" dirty="0">
+                <a:latin typeface="+mj-lt"/>
+                <a:cs typeface="Browallia New" panose="020B0604020202020204" pitchFamily="34" charset="-34"/>
+              </a:rPr>
+              <a:t> </a:t>
+            </a:r>
+            <a:r>
+              <a:rPr lang="en-US" sz="2100" dirty="0" err="1" smtClean="0">
+                <a:latin typeface="+mj-lt"/>
+                <a:cs typeface="Browallia New" panose="020B0604020202020204" pitchFamily="34" charset="-34"/>
+              </a:rPr>
+              <a:t>pengguna</a:t>
+            </a:r>
+            <a:endParaRPr lang="en-US" sz="2100" dirty="0">
+              <a:latin typeface="+mj-lt"/>
               <a:cs typeface="Browallia New" panose="020B0604020202020204" pitchFamily="34" charset="-34"/>
             </a:endParaRPr>
           </a:p>
           <a:p>
             <a:pPr marL="342900" indent="-342900">
+              <a:lnSpc>
+                <a:spcPct val="150000"/>
+              </a:lnSpc>
               <a:buFont typeface="+mj-lt"/>
               <a:buAutoNum type="arabicPeriod"/>
             </a:pPr>
-            <a:endParaRPr lang="en-US" sz="2400" dirty="0" smtClean="0">
-              <a:latin typeface="Browallia New" panose="020B0604020202020204" pitchFamily="34" charset="-34"/>
+            <a:r>
+              <a:rPr lang="en-US" sz="2100" dirty="0" err="1" smtClean="0">
+                <a:latin typeface="+mj-lt"/>
+                <a:cs typeface="Browallia New" panose="020B0604020202020204" pitchFamily="34" charset="-34"/>
+              </a:rPr>
+              <a:t>Penentuan</a:t>
+            </a:r>
+            <a:r>
+              <a:rPr lang="en-US" sz="2100" dirty="0" smtClean="0">
+                <a:latin typeface="+mj-lt"/>
+                <a:cs typeface="Browallia New" panose="020B0604020202020204" pitchFamily="34" charset="-34"/>
+              </a:rPr>
+              <a:t> </a:t>
+            </a:r>
+            <a:r>
+              <a:rPr lang="en-US" sz="2100" dirty="0" err="1" smtClean="0">
+                <a:latin typeface="+mj-lt"/>
+                <a:cs typeface="Browallia New" panose="020B0604020202020204" pitchFamily="34" charset="-34"/>
+              </a:rPr>
+              <a:t>rekomendasi</a:t>
+            </a:r>
+            <a:r>
+              <a:rPr lang="en-US" sz="2100" dirty="0" smtClean="0">
+                <a:latin typeface="+mj-lt"/>
+                <a:cs typeface="Browallia New" panose="020B0604020202020204" pitchFamily="34" charset="-34"/>
+              </a:rPr>
+              <a:t>, </a:t>
+            </a:r>
+            <a:r>
+              <a:rPr lang="en-US" sz="2100" dirty="0" err="1" smtClean="0">
+                <a:latin typeface="+mj-lt"/>
+                <a:cs typeface="Browallia New" panose="020B0604020202020204" pitchFamily="34" charset="-34"/>
+              </a:rPr>
+              <a:t>biasanya</a:t>
+            </a:r>
+            <a:r>
+              <a:rPr lang="en-US" sz="2100" dirty="0" smtClean="0">
+                <a:latin typeface="+mj-lt"/>
+                <a:cs typeface="Browallia New" panose="020B0604020202020204" pitchFamily="34" charset="-34"/>
+              </a:rPr>
+              <a:t> </a:t>
+            </a:r>
+            <a:r>
+              <a:rPr lang="en-US" sz="2100" dirty="0" err="1" smtClean="0">
+                <a:latin typeface="+mj-lt"/>
+                <a:cs typeface="Browallia New" panose="020B0604020202020204" pitchFamily="34" charset="-34"/>
+              </a:rPr>
+              <a:t>dengan</a:t>
+            </a:r>
+            <a:r>
+              <a:rPr lang="en-US" sz="2100" dirty="0" smtClean="0">
+                <a:latin typeface="+mj-lt"/>
+                <a:cs typeface="Browallia New" panose="020B0604020202020204" pitchFamily="34" charset="-34"/>
+              </a:rPr>
+              <a:t> </a:t>
+            </a:r>
+            <a:r>
+              <a:rPr lang="en-US" sz="2100" dirty="0" err="1" smtClean="0">
+                <a:latin typeface="+mj-lt"/>
+                <a:cs typeface="Browallia New" panose="020B0604020202020204" pitchFamily="34" charset="-34"/>
+              </a:rPr>
+              <a:t>mengurutkan</a:t>
+            </a:r>
+            <a:r>
+              <a:rPr lang="en-US" sz="2100" dirty="0" smtClean="0">
+                <a:latin typeface="+mj-lt"/>
+                <a:cs typeface="Browallia New" panose="020B0604020202020204" pitchFamily="34" charset="-34"/>
+              </a:rPr>
+              <a:t> </a:t>
+            </a:r>
+            <a:r>
+              <a:rPr lang="en-US" sz="2100" dirty="0" err="1" smtClean="0">
+                <a:latin typeface="+mj-lt"/>
+                <a:cs typeface="Browallia New" panose="020B0604020202020204" pitchFamily="34" charset="-34"/>
+              </a:rPr>
+              <a:t>hasil</a:t>
+            </a:r>
+            <a:r>
+              <a:rPr lang="en-US" sz="2100" dirty="0" smtClean="0">
+                <a:latin typeface="+mj-lt"/>
+                <a:cs typeface="Browallia New" panose="020B0604020202020204" pitchFamily="34" charset="-34"/>
+              </a:rPr>
+              <a:t> </a:t>
+            </a:r>
+            <a:r>
+              <a:rPr lang="en-US" sz="2100" dirty="0" err="1" smtClean="0">
+                <a:latin typeface="+mj-lt"/>
+                <a:cs typeface="Browallia New" panose="020B0604020202020204" pitchFamily="34" charset="-34"/>
+              </a:rPr>
+              <a:t>prediksi</a:t>
+            </a:r>
+            <a:endParaRPr lang="en-US" sz="2100" dirty="0">
+              <a:latin typeface="+mj-lt"/>
               <a:cs typeface="Browallia New" panose="020B0604020202020204" pitchFamily="34" charset="-34"/>
             </a:endParaRPr>
-          </a:p>
-          <a:p>
-            <a:pPr marL="342900" indent="-342900">
-              <a:buFont typeface="+mj-lt"/>
-              <a:buAutoNum type="arabicPeriod"/>
-            </a:pPr>
-            <a:endParaRPr lang="en-US" sz="2400" dirty="0">
-              <a:latin typeface="Browallia New" panose="020B0604020202020204" pitchFamily="34" charset="-34"/>
-              <a:cs typeface="Browallia New" panose="020B0604020202020204" pitchFamily="34" charset="-34"/>
-            </a:endParaRPr>
-          </a:p>
-          <a:p>
-            <a:pPr marL="342900" indent="-342900">
-              <a:buFont typeface="+mj-lt"/>
-              <a:buAutoNum type="arabicPeriod"/>
-            </a:pPr>
-            <a:endParaRPr lang="en-US" sz="2400" dirty="0" smtClean="0">
-              <a:latin typeface="Browallia New" panose="020B0604020202020204" pitchFamily="34" charset="-34"/>
-              <a:cs typeface="Browallia New" panose="020B0604020202020204" pitchFamily="34" charset="-34"/>
-            </a:endParaRPr>
-          </a:p>
-          <a:p>
-            <a:pPr marL="342900" indent="-342900">
-              <a:buFont typeface="+mj-lt"/>
-              <a:buAutoNum type="arabicPeriod"/>
-            </a:pPr>
-            <a:endParaRPr lang="en-US" sz="2400" dirty="0">
-              <a:latin typeface="Browallia New" panose="020B0604020202020204" pitchFamily="34" charset="-34"/>
-              <a:cs typeface="Browallia New" panose="020B0604020202020204" pitchFamily="34" charset="-34"/>
-            </a:endParaRPr>
-          </a:p>
-          <a:p>
-            <a:pPr marL="342900" indent="-342900">
-              <a:buFont typeface="+mj-lt"/>
-              <a:buAutoNum type="arabicPeriod"/>
-            </a:pPr>
-            <a:endParaRPr lang="en-US" sz="2400" dirty="0" smtClean="0">
-              <a:latin typeface="Browallia New" panose="020B0604020202020204" pitchFamily="34" charset="-34"/>
-              <a:cs typeface="Browallia New" panose="020B0604020202020204" pitchFamily="34" charset="-34"/>
-            </a:endParaRPr>
-          </a:p>
-          <a:p>
-            <a:pPr marL="342900" indent="-342900">
-              <a:buFont typeface="+mj-lt"/>
-              <a:buAutoNum type="arabicPeriod"/>
-            </a:pPr>
-            <a:r>
-              <a:rPr lang="en-US" sz="2400" dirty="0" err="1" smtClean="0">
-                <a:latin typeface="Browallia New" panose="020B0604020202020204" pitchFamily="34" charset="-34"/>
-                <a:cs typeface="Browallia New" panose="020B0604020202020204" pitchFamily="34" charset="-34"/>
-              </a:rPr>
-              <a:t>Menghitung</a:t>
-            </a:r>
-            <a:r>
-              <a:rPr lang="en-US" sz="2400" dirty="0" smtClean="0">
-                <a:latin typeface="Browallia New" panose="020B0604020202020204" pitchFamily="34" charset="-34"/>
-                <a:cs typeface="Browallia New" panose="020B0604020202020204" pitchFamily="34" charset="-34"/>
-              </a:rPr>
-              <a:t> </a:t>
-            </a:r>
-            <a:r>
-              <a:rPr lang="en-US" sz="2400" dirty="0" err="1">
-                <a:latin typeface="Browallia New" panose="020B0604020202020204" pitchFamily="34" charset="-34"/>
-                <a:cs typeface="Browallia New" panose="020B0604020202020204" pitchFamily="34" charset="-34"/>
-              </a:rPr>
-              <a:t>prediksi</a:t>
-            </a:r>
-            <a:r>
-              <a:rPr lang="en-US" sz="2400" dirty="0">
-                <a:latin typeface="Browallia New" panose="020B0604020202020204" pitchFamily="34" charset="-34"/>
-                <a:cs typeface="Browallia New" panose="020B0604020202020204" pitchFamily="34" charset="-34"/>
-              </a:rPr>
-              <a:t> </a:t>
-            </a:r>
-            <a:r>
-              <a:rPr lang="en-US" sz="2400" dirty="0" err="1">
-                <a:latin typeface="Browallia New" panose="020B0604020202020204" pitchFamily="34" charset="-34"/>
-                <a:cs typeface="Browallia New" panose="020B0604020202020204" pitchFamily="34" charset="-34"/>
-              </a:rPr>
-              <a:t>terhadap</a:t>
-            </a:r>
-            <a:r>
-              <a:rPr lang="en-US" sz="2400" dirty="0">
-                <a:latin typeface="Browallia New" panose="020B0604020202020204" pitchFamily="34" charset="-34"/>
-                <a:cs typeface="Browallia New" panose="020B0604020202020204" pitchFamily="34" charset="-34"/>
-              </a:rPr>
-              <a:t> item yang </a:t>
-            </a:r>
-            <a:r>
-              <a:rPr lang="en-US" sz="2400" dirty="0" err="1">
-                <a:latin typeface="Browallia New" panose="020B0604020202020204" pitchFamily="34" charset="-34"/>
-                <a:cs typeface="Browallia New" panose="020B0604020202020204" pitchFamily="34" charset="-34"/>
-              </a:rPr>
-              <a:t>belum</a:t>
-            </a:r>
-            <a:r>
-              <a:rPr lang="en-US" sz="2400" dirty="0">
-                <a:latin typeface="Browallia New" panose="020B0604020202020204" pitchFamily="34" charset="-34"/>
-                <a:cs typeface="Browallia New" panose="020B0604020202020204" pitchFamily="34" charset="-34"/>
-              </a:rPr>
-              <a:t> </a:t>
-            </a:r>
-            <a:r>
-              <a:rPr lang="en-US" sz="2400" dirty="0" err="1">
-                <a:latin typeface="Browallia New" panose="020B0604020202020204" pitchFamily="34" charset="-34"/>
-                <a:cs typeface="Browallia New" panose="020B0604020202020204" pitchFamily="34" charset="-34"/>
-              </a:rPr>
-              <a:t>dinilai</a:t>
-            </a:r>
-            <a:r>
-              <a:rPr lang="en-US" sz="2400" dirty="0">
-                <a:latin typeface="Browallia New" panose="020B0604020202020204" pitchFamily="34" charset="-34"/>
-                <a:cs typeface="Browallia New" panose="020B0604020202020204" pitchFamily="34" charset="-34"/>
-              </a:rPr>
-              <a:t> </a:t>
-            </a:r>
-            <a:r>
-              <a:rPr lang="en-US" sz="2400" dirty="0" err="1">
-                <a:latin typeface="Browallia New" panose="020B0604020202020204" pitchFamily="34" charset="-34"/>
-                <a:cs typeface="Browallia New" panose="020B0604020202020204" pitchFamily="34" charset="-34"/>
-              </a:rPr>
-              <a:t>oleh</a:t>
-            </a:r>
-            <a:r>
-              <a:rPr lang="en-US" sz="2400" dirty="0">
-                <a:latin typeface="Browallia New" panose="020B0604020202020204" pitchFamily="34" charset="-34"/>
-                <a:cs typeface="Browallia New" panose="020B0604020202020204" pitchFamily="34" charset="-34"/>
-              </a:rPr>
-              <a:t> </a:t>
-            </a:r>
-            <a:r>
-              <a:rPr lang="en-US" sz="2400" dirty="0" err="1" smtClean="0">
-                <a:latin typeface="Browallia New" panose="020B0604020202020204" pitchFamily="34" charset="-34"/>
-                <a:cs typeface="Browallia New" panose="020B0604020202020204" pitchFamily="34" charset="-34"/>
-              </a:rPr>
-              <a:t>pengguna</a:t>
-            </a:r>
-            <a:endParaRPr lang="en-US" sz="2400" dirty="0">
-              <a:latin typeface="Browallia New" panose="020B0604020202020204" pitchFamily="34" charset="-34"/>
-              <a:cs typeface="Browallia New" panose="020B0604020202020204" pitchFamily="34" charset="-34"/>
-            </a:endParaRPr>
-          </a:p>
-          <a:p>
-            <a:pPr marL="342900" indent="-342900">
-              <a:buFont typeface="+mj-lt"/>
-              <a:buAutoNum type="arabicPeriod"/>
-            </a:pPr>
-            <a:r>
-              <a:rPr lang="en-US" sz="2400" dirty="0" err="1" smtClean="0">
-                <a:latin typeface="Browallia New" panose="020B0604020202020204" pitchFamily="34" charset="-34"/>
-                <a:cs typeface="Browallia New" panose="020B0604020202020204" pitchFamily="34" charset="-34"/>
-              </a:rPr>
-              <a:t>Penentuan</a:t>
-            </a:r>
-            <a:r>
-              <a:rPr lang="en-US" sz="2400" dirty="0" smtClean="0">
-                <a:latin typeface="Browallia New" panose="020B0604020202020204" pitchFamily="34" charset="-34"/>
-                <a:cs typeface="Browallia New" panose="020B0604020202020204" pitchFamily="34" charset="-34"/>
-              </a:rPr>
-              <a:t> </a:t>
-            </a:r>
-            <a:r>
-              <a:rPr lang="en-US" sz="2400" dirty="0" err="1" smtClean="0">
-                <a:latin typeface="Browallia New" panose="020B0604020202020204" pitchFamily="34" charset="-34"/>
-                <a:cs typeface="Browallia New" panose="020B0604020202020204" pitchFamily="34" charset="-34"/>
-              </a:rPr>
-              <a:t>rekomendasi</a:t>
-            </a:r>
-            <a:r>
-              <a:rPr lang="en-US" sz="2400" dirty="0" smtClean="0">
-                <a:latin typeface="Browallia New" panose="020B0604020202020204" pitchFamily="34" charset="-34"/>
-                <a:cs typeface="Browallia New" panose="020B0604020202020204" pitchFamily="34" charset="-34"/>
-              </a:rPr>
-              <a:t>, </a:t>
-            </a:r>
-            <a:r>
-              <a:rPr lang="en-US" sz="2400" dirty="0" err="1" smtClean="0">
-                <a:latin typeface="Browallia New" panose="020B0604020202020204" pitchFamily="34" charset="-34"/>
-                <a:cs typeface="Browallia New" panose="020B0604020202020204" pitchFamily="34" charset="-34"/>
-              </a:rPr>
-              <a:t>biasanya</a:t>
-            </a:r>
-            <a:r>
-              <a:rPr lang="en-US" sz="2400" dirty="0" smtClean="0">
-                <a:latin typeface="Browallia New" panose="020B0604020202020204" pitchFamily="34" charset="-34"/>
-                <a:cs typeface="Browallia New" panose="020B0604020202020204" pitchFamily="34" charset="-34"/>
-              </a:rPr>
-              <a:t> </a:t>
-            </a:r>
-            <a:r>
-              <a:rPr lang="en-US" sz="2400" dirty="0" err="1" smtClean="0">
-                <a:latin typeface="Browallia New" panose="020B0604020202020204" pitchFamily="34" charset="-34"/>
-                <a:cs typeface="Browallia New" panose="020B0604020202020204" pitchFamily="34" charset="-34"/>
-              </a:rPr>
-              <a:t>dengan</a:t>
-            </a:r>
-            <a:r>
-              <a:rPr lang="en-US" sz="2400" dirty="0" smtClean="0">
-                <a:latin typeface="Browallia New" panose="020B0604020202020204" pitchFamily="34" charset="-34"/>
-                <a:cs typeface="Browallia New" panose="020B0604020202020204" pitchFamily="34" charset="-34"/>
-              </a:rPr>
-              <a:t> </a:t>
-            </a:r>
-            <a:r>
-              <a:rPr lang="en-US" sz="2400" dirty="0" err="1" smtClean="0">
-                <a:latin typeface="Browallia New" panose="020B0604020202020204" pitchFamily="34" charset="-34"/>
-                <a:cs typeface="Browallia New" panose="020B0604020202020204" pitchFamily="34" charset="-34"/>
-              </a:rPr>
-              <a:t>mengurutkan</a:t>
-            </a:r>
-            <a:r>
-              <a:rPr lang="en-US" sz="2400" dirty="0" smtClean="0">
-                <a:latin typeface="Browallia New" panose="020B0604020202020204" pitchFamily="34" charset="-34"/>
-                <a:cs typeface="Browallia New" panose="020B0604020202020204" pitchFamily="34" charset="-34"/>
-              </a:rPr>
-              <a:t> </a:t>
-            </a:r>
-            <a:r>
-              <a:rPr lang="en-US" sz="2400" dirty="0" err="1" smtClean="0">
-                <a:latin typeface="Browallia New" panose="020B0604020202020204" pitchFamily="34" charset="-34"/>
-                <a:cs typeface="Browallia New" panose="020B0604020202020204" pitchFamily="34" charset="-34"/>
-              </a:rPr>
-              <a:t>hasil</a:t>
-            </a:r>
-            <a:r>
-              <a:rPr lang="en-US" sz="2400" dirty="0" smtClean="0">
-                <a:latin typeface="Browallia New" panose="020B0604020202020204" pitchFamily="34" charset="-34"/>
-                <a:cs typeface="Browallia New" panose="020B0604020202020204" pitchFamily="34" charset="-34"/>
-              </a:rPr>
-              <a:t> </a:t>
-            </a:r>
-            <a:r>
-              <a:rPr lang="en-US" sz="2400" dirty="0" err="1" smtClean="0">
-                <a:latin typeface="Browallia New" panose="020B0604020202020204" pitchFamily="34" charset="-34"/>
-                <a:cs typeface="Browallia New" panose="020B0604020202020204" pitchFamily="34" charset="-34"/>
-              </a:rPr>
-              <a:t>prediksi</a:t>
-            </a:r>
-            <a:endParaRPr lang="en-US" sz="2400" dirty="0">
-              <a:latin typeface="Browallia New" panose="020B0604020202020204" pitchFamily="34" charset="-34"/>
-              <a:cs typeface="Browallia New" panose="020B0604020202020204" pitchFamily="34" charset="-34"/>
-            </a:endParaRPr>
-          </a:p>
-        </p:txBody>
-      </p:sp>
-      <p:sp>
-        <p:nvSpPr>
-          <p:cNvPr id="7" name="Content Placeholder 2"/>
-          <p:cNvSpPr txBox="1">
-            <a:spLocks/>
-          </p:cNvSpPr>
-          <p:nvPr/>
-        </p:nvSpPr>
-        <p:spPr>
-          <a:xfrm>
-            <a:off x="922986" y="1371238"/>
-            <a:ext cx="6579816" cy="2389392"/>
-          </a:xfrm>
-          <a:prstGeom prst="rect">
-            <a:avLst/>
-          </a:prstGeom>
-          <a:noFill/>
-          <a:ln>
-            <a:noFill/>
-          </a:ln>
-        </p:spPr>
-        <p:txBody>
-          <a:bodyPr lIns="91425" tIns="91425" rIns="91425" bIns="91425" anchor="t" anchorCtr="0">
-            <a:normAutofit/>
-          </a:bodyPr>
-          <a:lstStyle>
-            <a:defPPr marR="0" algn="l" rtl="0">
-              <a:lnSpc>
-                <a:spcPct val="100000"/>
-              </a:lnSpc>
-              <a:spcBef>
-                <a:spcPts val="0"/>
-              </a:spcBef>
-              <a:spcAft>
-                <a:spcPts val="0"/>
-              </a:spcAft>
-            </a:defPPr>
-            <a:lvl1pPr marR="0" algn="l" rtl="0">
-              <a:lnSpc>
-                <a:spcPct val="100000"/>
-              </a:lnSpc>
-              <a:spcBef>
-                <a:spcPts val="0"/>
-              </a:spcBef>
-              <a:spcAft>
-                <a:spcPts val="0"/>
-              </a:spcAft>
-              <a:buClr>
-                <a:schemeClr val="dk1"/>
-              </a:buClr>
-              <a:buSzPct val="100000"/>
-              <a:buNone/>
-              <a:defRPr sz="3000" b="0" i="0" u="none" strike="noStrike" cap="none" baseline="0">
-                <a:solidFill>
-                  <a:schemeClr val="dk1"/>
-                </a:solidFill>
-                <a:latin typeface="Arial"/>
-                <a:ea typeface="Arial"/>
-                <a:cs typeface="Arial"/>
-                <a:sym typeface="Arial"/>
-                <a:rtl val="0"/>
-              </a:defRPr>
-            </a:lvl1pPr>
-            <a:lvl2pPr marR="0" algn="l" rtl="0">
-              <a:lnSpc>
-                <a:spcPct val="100000"/>
-              </a:lnSpc>
-              <a:spcBef>
-                <a:spcPts val="0"/>
-              </a:spcBef>
-              <a:spcAft>
-                <a:spcPts val="0"/>
-              </a:spcAft>
-              <a:buClr>
-                <a:schemeClr val="dk1"/>
-              </a:buClr>
-              <a:buSzPct val="100000"/>
-              <a:buNone/>
-              <a:defRPr sz="2400" b="0" i="0" u="none" strike="noStrike" cap="none" baseline="0">
-                <a:solidFill>
-                  <a:schemeClr val="dk1"/>
-                </a:solidFill>
-                <a:latin typeface="Arial"/>
-                <a:ea typeface="Arial"/>
-                <a:cs typeface="Arial"/>
-                <a:sym typeface="Arial"/>
-                <a:rtl val="0"/>
-              </a:defRPr>
-            </a:lvl2pPr>
-            <a:lvl3pPr marR="0" algn="l" rtl="0">
-              <a:lnSpc>
-                <a:spcPct val="100000"/>
-              </a:lnSpc>
-              <a:spcBef>
-                <a:spcPts val="0"/>
-              </a:spcBef>
-              <a:spcAft>
-                <a:spcPts val="0"/>
-              </a:spcAft>
-              <a:buClr>
-                <a:schemeClr val="dk1"/>
-              </a:buClr>
-              <a:buSzPct val="100000"/>
-              <a:buNone/>
-              <a:defRPr sz="2400" b="0" i="0" u="none" strike="noStrike" cap="none" baseline="0">
-                <a:solidFill>
-                  <a:schemeClr val="dk1"/>
-                </a:solidFill>
-                <a:latin typeface="Arial"/>
-                <a:ea typeface="Arial"/>
-                <a:cs typeface="Arial"/>
-                <a:sym typeface="Arial"/>
-                <a:rtl val="0"/>
-              </a:defRPr>
-            </a:lvl3pPr>
-            <a:lvl4pPr marR="0" algn="l" rtl="0">
-              <a:lnSpc>
-                <a:spcPct val="100000"/>
-              </a:lnSpc>
-              <a:spcBef>
-                <a:spcPts val="0"/>
-              </a:spcBef>
-              <a:spcAft>
-                <a:spcPts val="0"/>
-              </a:spcAft>
-              <a:buClr>
-                <a:schemeClr val="dk1"/>
-              </a:buClr>
-              <a:buSzPct val="100000"/>
-              <a:buNone/>
-              <a:defRPr sz="1800" b="0" i="0" u="none" strike="noStrike" cap="none" baseline="0">
-                <a:solidFill>
-                  <a:schemeClr val="dk1"/>
-                </a:solidFill>
-                <a:latin typeface="Arial"/>
-                <a:ea typeface="Arial"/>
-                <a:cs typeface="Arial"/>
-                <a:sym typeface="Arial"/>
-                <a:rtl val="0"/>
-              </a:defRPr>
-            </a:lvl4pPr>
-            <a:lvl5pPr marR="0" algn="l" rtl="0">
-              <a:lnSpc>
-                <a:spcPct val="100000"/>
-              </a:lnSpc>
-              <a:spcBef>
-                <a:spcPts val="0"/>
-              </a:spcBef>
-              <a:spcAft>
-                <a:spcPts val="0"/>
-              </a:spcAft>
-              <a:buClr>
-                <a:schemeClr val="dk1"/>
-              </a:buClr>
-              <a:buSzPct val="100000"/>
-              <a:buNone/>
-              <a:defRPr sz="1800" b="0" i="0" u="none" strike="noStrike" cap="none" baseline="0">
-                <a:solidFill>
-                  <a:schemeClr val="dk1"/>
-                </a:solidFill>
-                <a:latin typeface="Arial"/>
-                <a:ea typeface="Arial"/>
-                <a:cs typeface="Arial"/>
-                <a:sym typeface="Arial"/>
-                <a:rtl val="0"/>
-              </a:defRPr>
-            </a:lvl5pPr>
-            <a:lvl6pPr marR="0" algn="l" rtl="0">
-              <a:lnSpc>
-                <a:spcPct val="100000"/>
-              </a:lnSpc>
-              <a:spcBef>
-                <a:spcPts val="0"/>
-              </a:spcBef>
-              <a:spcAft>
-                <a:spcPts val="0"/>
-              </a:spcAft>
-              <a:buClr>
-                <a:schemeClr val="dk1"/>
-              </a:buClr>
-              <a:buSzPct val="100000"/>
-              <a:buNone/>
-              <a:defRPr sz="1800" b="0" i="0" u="none" strike="noStrike" cap="none" baseline="0">
-                <a:solidFill>
-                  <a:schemeClr val="dk1"/>
-                </a:solidFill>
-                <a:latin typeface="Arial"/>
-                <a:ea typeface="Arial"/>
-                <a:cs typeface="Arial"/>
-                <a:sym typeface="Arial"/>
-                <a:rtl val="0"/>
-              </a:defRPr>
-            </a:lvl6pPr>
-            <a:lvl7pPr marR="0" algn="l" rtl="0">
-              <a:lnSpc>
-                <a:spcPct val="100000"/>
-              </a:lnSpc>
-              <a:spcBef>
-                <a:spcPts val="0"/>
-              </a:spcBef>
-              <a:spcAft>
-                <a:spcPts val="0"/>
-              </a:spcAft>
-              <a:buClr>
-                <a:schemeClr val="dk1"/>
-              </a:buClr>
-              <a:buSzPct val="100000"/>
-              <a:buNone/>
-              <a:defRPr sz="1800" b="0" i="0" u="none" strike="noStrike" cap="none" baseline="0">
-                <a:solidFill>
-                  <a:schemeClr val="dk1"/>
-                </a:solidFill>
-                <a:latin typeface="Arial"/>
-                <a:ea typeface="Arial"/>
-                <a:cs typeface="Arial"/>
-                <a:sym typeface="Arial"/>
-                <a:rtl val="0"/>
-              </a:defRPr>
-            </a:lvl7pPr>
-            <a:lvl8pPr marR="0" algn="l" rtl="0">
-              <a:lnSpc>
-                <a:spcPct val="100000"/>
-              </a:lnSpc>
-              <a:spcBef>
-                <a:spcPts val="0"/>
-              </a:spcBef>
-              <a:spcAft>
-                <a:spcPts val="0"/>
-              </a:spcAft>
-              <a:buClr>
-                <a:schemeClr val="dk1"/>
-              </a:buClr>
-              <a:buSzPct val="100000"/>
-              <a:buNone/>
-              <a:defRPr sz="1800" b="0" i="0" u="none" strike="noStrike" cap="none" baseline="0">
-                <a:solidFill>
-                  <a:schemeClr val="dk1"/>
-                </a:solidFill>
-                <a:latin typeface="Arial"/>
-                <a:ea typeface="Arial"/>
-                <a:cs typeface="Arial"/>
-                <a:sym typeface="Arial"/>
-                <a:rtl val="0"/>
-              </a:defRPr>
-            </a:lvl8pPr>
-            <a:lvl9pPr marR="0" algn="l" rtl="0">
-              <a:lnSpc>
-                <a:spcPct val="100000"/>
-              </a:lnSpc>
-              <a:spcBef>
-                <a:spcPts val="0"/>
-              </a:spcBef>
-              <a:spcAft>
-                <a:spcPts val="0"/>
-              </a:spcAft>
-              <a:buClr>
-                <a:schemeClr val="dk1"/>
-              </a:buClr>
-              <a:buSzPct val="100000"/>
-              <a:buNone/>
-              <a:defRPr sz="1800" b="0" i="0" u="none" strike="noStrike" cap="none" baseline="0">
-                <a:solidFill>
-                  <a:schemeClr val="dk1"/>
-                </a:solidFill>
-                <a:latin typeface="Arial"/>
-                <a:ea typeface="Arial"/>
-                <a:cs typeface="Arial"/>
-                <a:sym typeface="Arial"/>
-                <a:rtl val="0"/>
-              </a:defRPr>
-            </a:lvl9pPr>
-          </a:lstStyle>
-          <a:p>
-            <a:r>
-              <a:rPr lang="id-ID" sz="2400" dirty="0" smtClean="0">
-                <a:latin typeface="Browallia New" panose="020B0604020202020204" pitchFamily="34" charset="-34"/>
-                <a:cs typeface="Browallia New" panose="020B0604020202020204" pitchFamily="34" charset="-34"/>
-              </a:rPr>
-              <a:t>   For each item in product catalog, I1</a:t>
-            </a:r>
-          </a:p>
-          <a:p>
-            <a:r>
-              <a:rPr lang="id-ID" sz="2400" dirty="0" smtClean="0">
-                <a:latin typeface="Browallia New" panose="020B0604020202020204" pitchFamily="34" charset="-34"/>
-                <a:cs typeface="Browallia New" panose="020B0604020202020204" pitchFamily="34" charset="-34"/>
-              </a:rPr>
-              <a:t>	For each customer C who </a:t>
-            </a:r>
-            <a:r>
-              <a:rPr lang="en-US" sz="2400" dirty="0" smtClean="0">
-                <a:latin typeface="Browallia New" panose="020B0604020202020204" pitchFamily="34" charset="-34"/>
-                <a:cs typeface="Browallia New" panose="020B0604020202020204" pitchFamily="34" charset="-34"/>
-              </a:rPr>
-              <a:t>rated</a:t>
-            </a:r>
-            <a:r>
-              <a:rPr lang="id-ID" sz="2400" dirty="0" smtClean="0">
-                <a:latin typeface="Browallia New" panose="020B0604020202020204" pitchFamily="34" charset="-34"/>
-                <a:cs typeface="Browallia New" panose="020B0604020202020204" pitchFamily="34" charset="-34"/>
-              </a:rPr>
-              <a:t> I1</a:t>
-            </a:r>
-          </a:p>
-          <a:p>
-            <a:r>
-              <a:rPr lang="id-ID" sz="2400" dirty="0" smtClean="0">
-                <a:latin typeface="Browallia New" panose="020B0604020202020204" pitchFamily="34" charset="-34"/>
-                <a:cs typeface="Browallia New" panose="020B0604020202020204" pitchFamily="34" charset="-34"/>
-              </a:rPr>
-              <a:t>		For each item I2 </a:t>
-            </a:r>
-            <a:r>
-              <a:rPr lang="en-US" sz="2400" dirty="0" smtClean="0">
-                <a:latin typeface="Browallia New" panose="020B0604020202020204" pitchFamily="34" charset="-34"/>
-                <a:cs typeface="Browallia New" panose="020B0604020202020204" pitchFamily="34" charset="-34"/>
-              </a:rPr>
-              <a:t>rated</a:t>
-            </a:r>
-            <a:r>
-              <a:rPr lang="id-ID" sz="2400" dirty="0" smtClean="0">
-                <a:latin typeface="Browallia New" panose="020B0604020202020204" pitchFamily="34" charset="-34"/>
-                <a:cs typeface="Browallia New" panose="020B0604020202020204" pitchFamily="34" charset="-34"/>
-              </a:rPr>
-              <a:t> by customer C</a:t>
-            </a:r>
-          </a:p>
-          <a:p>
-            <a:r>
-              <a:rPr lang="id-ID" sz="2400" dirty="0" smtClean="0">
-                <a:latin typeface="Browallia New" panose="020B0604020202020204" pitchFamily="34" charset="-34"/>
-                <a:cs typeface="Browallia New" panose="020B0604020202020204" pitchFamily="34" charset="-34"/>
-              </a:rPr>
-              <a:t>			Record that a customer </a:t>
-            </a:r>
-            <a:r>
-              <a:rPr lang="en-US" sz="2400" dirty="0" smtClean="0">
-                <a:latin typeface="Browallia New" panose="020B0604020202020204" pitchFamily="34" charset="-34"/>
-                <a:cs typeface="Browallia New" panose="020B0604020202020204" pitchFamily="34" charset="-34"/>
-              </a:rPr>
-              <a:t>rated</a:t>
-            </a:r>
-            <a:r>
-              <a:rPr lang="id-ID" sz="2400" dirty="0" smtClean="0">
-                <a:latin typeface="Browallia New" panose="020B0604020202020204" pitchFamily="34" charset="-34"/>
-                <a:cs typeface="Browallia New" panose="020B0604020202020204" pitchFamily="34" charset="-34"/>
-              </a:rPr>
-              <a:t> I1 and I2</a:t>
-            </a:r>
-          </a:p>
-          <a:p>
-            <a:r>
-              <a:rPr lang="id-ID" sz="2400" dirty="0" smtClean="0">
-                <a:latin typeface="Browallia New" panose="020B0604020202020204" pitchFamily="34" charset="-34"/>
-                <a:cs typeface="Browallia New" panose="020B0604020202020204" pitchFamily="34" charset="-34"/>
-              </a:rPr>
-              <a:t>	For each item I2</a:t>
-            </a:r>
-          </a:p>
-          <a:p>
-            <a:r>
-              <a:rPr lang="id-ID" sz="2400" dirty="0" smtClean="0">
-                <a:latin typeface="Browallia New" panose="020B0604020202020204" pitchFamily="34" charset="-34"/>
-                <a:cs typeface="Browallia New" panose="020B0604020202020204" pitchFamily="34" charset="-34"/>
-              </a:rPr>
-              <a:t>		Compute the similarity between I1 and I2</a:t>
-            </a:r>
-          </a:p>
-        </p:txBody>
-      </p:sp>
-    </p:spTree>
-  </p:cSld>
-  <p:clrMapOvr>
-    <a:masterClrMapping/>
-  </p:clrMapOvr>
-  <p:transition spd="slow">
-    <p:cut/>
-  </p:transition>
-  <p:timing>
-    <p:tnLst>
-      <p:par>
-        <p:cTn id="1" dur="indefinite" restart="never" nodeType="tmRoot"/>
-      </p:par>
-    </p:tnLst>
-  </p:timing>
-</p:sld>
-</file>
-
-<file path=ppt/slides/slide12.xml><?xml version="1.0" encoding="utf-8"?>
-<p:sld xmlns:a="http://schemas.openxmlformats.org/drawingml/2006/main" xmlns:r="http://schemas.openxmlformats.org/officeDocument/2006/relationships" xmlns:p="http://schemas.openxmlformats.org/presentationml/2006/main">
-  <p:cSld>
-    <p:spTree>
-      <p:nvGrpSpPr>
-        <p:cNvPr id="1" name="Shape 155"/>
-        <p:cNvGrpSpPr/>
-        <p:nvPr/>
-      </p:nvGrpSpPr>
-      <p:grpSpPr>
-        <a:xfrm>
-          <a:off x="0" y="0"/>
-          <a:ext cx="0" cy="0"/>
-          <a:chOff x="0" y="0"/>
-          <a:chExt cx="0" cy="0"/>
-        </a:xfrm>
-      </p:grpSpPr>
-      <p:sp>
-        <p:nvSpPr>
-          <p:cNvPr id="156" name="Shape 156"/>
-          <p:cNvSpPr txBox="1"/>
-          <p:nvPr/>
-        </p:nvSpPr>
-        <p:spPr>
-          <a:xfrm>
-            <a:off x="2377225" y="1875175"/>
-            <a:ext cx="4091699" cy="809400"/>
-          </a:xfrm>
-          <a:prstGeom prst="rect">
-            <a:avLst/>
-          </a:prstGeom>
-          <a:noFill/>
-          <a:ln>
-            <a:noFill/>
-          </a:ln>
-        </p:spPr>
-        <p:txBody>
-          <a:bodyPr lIns="91425" tIns="91425" rIns="91425" bIns="91425" anchor="t" anchorCtr="0">
-            <a:noAutofit/>
-          </a:bodyPr>
-          <a:lstStyle/>
-          <a:p>
-            <a:pPr lvl="0" rtl="0">
-              <a:spcBef>
-                <a:spcPts val="0"/>
-              </a:spcBef>
-              <a:buNone/>
-            </a:pPr>
-            <a:r>
-              <a:rPr lang="id" sz="6000">
-                <a:solidFill>
-                  <a:srgbClr val="FFFFFF"/>
-                </a:solidFill>
-              </a:rPr>
-              <a:t>Metodologi</a:t>
-            </a:r>
-          </a:p>
-        </p:txBody>
-      </p:sp>
-    </p:spTree>
-  </p:cSld>
-  <p:clrMapOvr>
-    <a:masterClrMapping/>
-  </p:clrMapOvr>
-  <p:transition spd="slow">
-    <p:cut/>
-  </p:transition>
-  <p:timing>
-    <p:tnLst>
-      <p:par>
-        <p:cTn id="1" dur="indefinite" restart="never" nodeType="tmRoot"/>
-      </p:par>
-    </p:tnLst>
-  </p:timing>
-</p:sld>
-</file>
-
-<file path=ppt/slides/slide13.xml><?xml version="1.0" encoding="utf-8"?>
-<p:sld xmlns:a="http://schemas.openxmlformats.org/drawingml/2006/main" xmlns:r="http://schemas.openxmlformats.org/officeDocument/2006/relationships" xmlns:p="http://schemas.openxmlformats.org/presentationml/2006/main">
-  <p:cSld>
-    <p:spTree>
-      <p:nvGrpSpPr>
-        <p:cNvPr id="1" name="Shape 160"/>
-        <p:cNvGrpSpPr/>
-        <p:nvPr/>
-      </p:nvGrpSpPr>
-      <p:grpSpPr>
-        <a:xfrm>
-          <a:off x="0" y="0"/>
-          <a:ext cx="0" cy="0"/>
-          <a:chOff x="0" y="0"/>
-          <a:chExt cx="0" cy="0"/>
-        </a:xfrm>
-      </p:grpSpPr>
-      <p:sp>
-        <p:nvSpPr>
-          <p:cNvPr id="161" name="Shape 161"/>
-          <p:cNvSpPr txBox="1">
-            <a:spLocks noGrp="1"/>
-          </p:cNvSpPr>
-          <p:nvPr>
-            <p:ph type="title"/>
-          </p:nvPr>
-        </p:nvSpPr>
-        <p:spPr>
-          <a:xfrm>
-            <a:off x="457200" y="205978"/>
-            <a:ext cx="8229600" cy="857400"/>
-          </a:xfrm>
-          <a:prstGeom prst="rect">
-            <a:avLst/>
-          </a:prstGeom>
-          <a:noFill/>
-          <a:ln>
-            <a:noFill/>
-          </a:ln>
-        </p:spPr>
-        <p:txBody>
-          <a:bodyPr lIns="68575" tIns="34275" rIns="68575" bIns="34275" anchor="ctr" anchorCtr="0">
-            <a:noAutofit/>
-          </a:bodyPr>
-          <a:lstStyle/>
-          <a:p>
-            <a:pPr marL="0" marR="0" lvl="0" indent="0" algn="l" rtl="0">
-              <a:lnSpc>
-                <a:spcPct val="90000"/>
-              </a:lnSpc>
-              <a:spcBef>
-                <a:spcPts val="0"/>
-              </a:spcBef>
-              <a:buClr>
-                <a:schemeClr val="dk1"/>
-              </a:buClr>
-              <a:buSzPct val="25000"/>
-              <a:buFont typeface="Calibri"/>
-              <a:buNone/>
-            </a:pPr>
-            <a:r>
-              <a:rPr lang="id" sz="3300" b="0" i="0" u="none" strike="noStrike" cap="none" baseline="0">
-                <a:solidFill>
-                  <a:srgbClr val="FFFFFF"/>
-                </a:solidFill>
-              </a:rPr>
-              <a:t>Metodologi</a:t>
-            </a:r>
-          </a:p>
-        </p:txBody>
-      </p:sp>
-      <p:sp>
-        <p:nvSpPr>
-          <p:cNvPr id="162" name="Shape 162"/>
-          <p:cNvSpPr txBox="1">
-            <a:spLocks noGrp="1"/>
-          </p:cNvSpPr>
-          <p:nvPr>
-            <p:ph type="body" idx="1"/>
-          </p:nvPr>
-        </p:nvSpPr>
-        <p:spPr>
-          <a:xfrm>
-            <a:off x="457200" y="1200150"/>
-            <a:ext cx="8229600" cy="1016099"/>
-          </a:xfrm>
-          <a:prstGeom prst="rect">
-            <a:avLst/>
-          </a:prstGeom>
-          <a:noFill/>
-          <a:ln>
-            <a:noFill/>
-          </a:ln>
-        </p:spPr>
-        <p:txBody>
-          <a:bodyPr lIns="68575" tIns="34275" rIns="68575" bIns="34275" anchor="t" anchorCtr="0">
-            <a:noAutofit/>
-          </a:bodyPr>
-          <a:lstStyle/>
-          <a:p>
-            <a:pPr marL="177800" marR="0" lvl="0" indent="-152400" algn="l" rtl="0">
-              <a:lnSpc>
-                <a:spcPct val="80000"/>
-              </a:lnSpc>
-              <a:spcBef>
-                <a:spcPts val="0"/>
-              </a:spcBef>
-              <a:buClr>
-                <a:schemeClr val="dk1"/>
-              </a:buClr>
-              <a:buSzPct val="100000"/>
-              <a:buFont typeface="Arial"/>
-              <a:buChar char="•"/>
-            </a:pPr>
-            <a:r>
-              <a:rPr lang="id" sz="1800" b="0" i="0" u="none" strike="noStrike" cap="none" baseline="0" dirty="0">
-                <a:solidFill>
-                  <a:schemeClr val="dk1"/>
-                </a:solidFill>
-              </a:rPr>
-              <a:t>Studi </a:t>
-            </a:r>
-            <a:r>
-              <a:rPr lang="id" sz="1800" b="0" i="0" u="none" strike="noStrike" cap="none" baseline="0" dirty="0" smtClean="0">
-                <a:solidFill>
-                  <a:schemeClr val="dk1"/>
-                </a:solidFill>
-              </a:rPr>
-              <a:t>literatur</a:t>
-            </a:r>
-          </a:p>
-          <a:p>
-            <a:pPr marL="566738" marR="0" lvl="0" indent="-285750" algn="l" rtl="0">
-              <a:lnSpc>
-                <a:spcPct val="80000"/>
-              </a:lnSpc>
-              <a:spcBef>
-                <a:spcPts val="0"/>
-              </a:spcBef>
-              <a:buClr>
-                <a:schemeClr val="dk1"/>
-              </a:buClr>
-              <a:buSzPct val="100000"/>
-              <a:buFont typeface="Courier New" panose="02070309020205020404" pitchFamily="49" charset="0"/>
-              <a:buChar char="o"/>
-            </a:pPr>
-            <a:r>
-              <a:rPr lang="id" sz="1800" dirty="0" smtClean="0"/>
-              <a:t>A</a:t>
-            </a:r>
-            <a:r>
-              <a:rPr lang="id" sz="1800" b="0" i="0" u="none" strike="noStrike" cap="none" baseline="0" dirty="0" smtClean="0">
-                <a:solidFill>
-                  <a:schemeClr val="dk1"/>
-                </a:solidFill>
-              </a:rPr>
-              <a:t>lgoritma</a:t>
-            </a:r>
-            <a:endParaRPr lang="id" sz="1800" dirty="0"/>
-          </a:p>
-          <a:p>
-            <a:pPr marL="566738" marR="0" lvl="0" indent="-285750" algn="l" rtl="0">
-              <a:lnSpc>
-                <a:spcPct val="80000"/>
-              </a:lnSpc>
-              <a:spcBef>
-                <a:spcPts val="0"/>
-              </a:spcBef>
-              <a:buClr>
-                <a:schemeClr val="dk1"/>
-              </a:buClr>
-              <a:buSzPct val="100000"/>
-              <a:buFont typeface="Courier New" panose="02070309020205020404" pitchFamily="49" charset="0"/>
-              <a:buChar char="o"/>
-            </a:pPr>
-            <a:r>
-              <a:rPr lang="id" sz="1800" smtClean="0"/>
-              <a:t>I</a:t>
-            </a:r>
-            <a:r>
-              <a:rPr lang="id" sz="1800" b="0" i="0" u="none" strike="noStrike" cap="none" baseline="0" smtClean="0">
-                <a:solidFill>
-                  <a:schemeClr val="dk1"/>
-                </a:solidFill>
-              </a:rPr>
-              <a:t>nformasi </a:t>
-            </a:r>
-            <a:r>
-              <a:rPr lang="id" sz="1800" b="0" i="0" u="none" strike="noStrike" cap="none" baseline="0" smtClean="0">
-                <a:solidFill>
-                  <a:schemeClr val="dk1"/>
-                </a:solidFill>
-              </a:rPr>
-              <a:t>kesehatan </a:t>
-            </a:r>
-            <a:r>
-              <a:rPr lang="id" sz="1800" b="0" i="0" u="none" strike="noStrike" cap="none" baseline="0" dirty="0">
-                <a:solidFill>
-                  <a:schemeClr val="dk1"/>
-                </a:solidFill>
-              </a:rPr>
-              <a:t>terkait penyakit tertentu.</a:t>
-            </a:r>
-          </a:p>
-        </p:txBody>
-      </p:sp>
-      <p:sp>
-        <p:nvSpPr>
-          <p:cNvPr id="163" name="Shape 163"/>
-          <p:cNvSpPr txBox="1"/>
-          <p:nvPr/>
-        </p:nvSpPr>
-        <p:spPr>
-          <a:xfrm>
-            <a:off x="397500" y="2167050"/>
-            <a:ext cx="6938399" cy="809400"/>
-          </a:xfrm>
-          <a:prstGeom prst="rect">
-            <a:avLst/>
-          </a:prstGeom>
-          <a:noFill/>
-          <a:ln>
-            <a:noFill/>
-          </a:ln>
-        </p:spPr>
-        <p:txBody>
-          <a:bodyPr lIns="91425" tIns="91425" rIns="91425" bIns="91425" anchor="t" anchorCtr="0">
-            <a:noAutofit/>
-          </a:bodyPr>
-          <a:lstStyle/>
-          <a:p>
-            <a:pPr marL="177800" lvl="0" indent="-152400" rtl="0">
-              <a:lnSpc>
-                <a:spcPct val="80000"/>
-              </a:lnSpc>
-              <a:spcBef>
-                <a:spcPts val="800"/>
-              </a:spcBef>
-              <a:buClr>
-                <a:schemeClr val="dk1"/>
-              </a:buClr>
-              <a:buSzPct val="100000"/>
-              <a:buFont typeface="Arial"/>
-              <a:buChar char="•"/>
-            </a:pPr>
-            <a:r>
-              <a:rPr lang="id" sz="1800" dirty="0">
-                <a:solidFill>
-                  <a:schemeClr val="dk1"/>
-                </a:solidFill>
-              </a:rPr>
-              <a:t>Survei</a:t>
-            </a:r>
-          </a:p>
-          <a:p>
-            <a:pPr marL="742950" lvl="1" indent="-247650" rtl="0">
-              <a:lnSpc>
-                <a:spcPct val="80000"/>
-              </a:lnSpc>
-              <a:spcBef>
-                <a:spcPts val="800"/>
-              </a:spcBef>
-              <a:buClr>
-                <a:schemeClr val="dk1"/>
-              </a:buClr>
-              <a:buSzPct val="100000"/>
-              <a:buFont typeface="Courier New"/>
-              <a:buChar char="o"/>
-            </a:pPr>
-            <a:r>
-              <a:rPr lang="id" sz="1800" dirty="0">
-                <a:solidFill>
-                  <a:schemeClr val="dk1"/>
-                </a:solidFill>
-              </a:rPr>
-              <a:t>Pola konsumsi masyarakat</a:t>
-            </a:r>
-          </a:p>
-          <a:p>
-            <a:pPr marL="742950" lvl="1" indent="-247650" rtl="0">
-              <a:lnSpc>
-                <a:spcPct val="80000"/>
-              </a:lnSpc>
-              <a:spcBef>
-                <a:spcPts val="800"/>
-              </a:spcBef>
-              <a:buClr>
-                <a:schemeClr val="dk1"/>
-              </a:buClr>
-              <a:buSzPct val="100000"/>
-              <a:buFont typeface="Courier New"/>
-              <a:buChar char="o"/>
-            </a:pPr>
-            <a:r>
-              <a:rPr lang="id" sz="1800" dirty="0">
-                <a:solidFill>
-                  <a:schemeClr val="dk1"/>
-                </a:solidFill>
-              </a:rPr>
-              <a:t>Keakuratan dari rekomendasi yang diberikan</a:t>
-            </a:r>
-          </a:p>
-        </p:txBody>
-      </p:sp>
-      <p:sp>
-        <p:nvSpPr>
-          <p:cNvPr id="164" name="Shape 164"/>
-          <p:cNvSpPr txBox="1"/>
-          <p:nvPr/>
-        </p:nvSpPr>
-        <p:spPr>
-          <a:xfrm>
-            <a:off x="400900" y="3389000"/>
-            <a:ext cx="6938399" cy="809400"/>
-          </a:xfrm>
-          <a:prstGeom prst="rect">
-            <a:avLst/>
-          </a:prstGeom>
-          <a:noFill/>
-          <a:ln>
-            <a:noFill/>
-          </a:ln>
-        </p:spPr>
-        <p:txBody>
-          <a:bodyPr lIns="91425" tIns="91425" rIns="91425" bIns="91425" anchor="t" anchorCtr="0">
-            <a:noAutofit/>
-          </a:bodyPr>
-          <a:lstStyle/>
-          <a:p>
-            <a:pPr marL="177800" lvl="0" indent="-152400" rtl="0">
-              <a:lnSpc>
-                <a:spcPct val="80000"/>
-              </a:lnSpc>
-              <a:spcBef>
-                <a:spcPts val="800"/>
-              </a:spcBef>
-              <a:buClr>
-                <a:schemeClr val="dk1"/>
-              </a:buClr>
-              <a:buSzPct val="100000"/>
-              <a:buFont typeface="Arial"/>
-              <a:buChar char="•"/>
-            </a:pPr>
-            <a:r>
-              <a:rPr lang="id" sz="1800" dirty="0">
-                <a:solidFill>
-                  <a:schemeClr val="dk1"/>
-                </a:solidFill>
-              </a:rPr>
-              <a:t>Analisis</a:t>
-            </a:r>
-          </a:p>
-          <a:p>
-            <a:pPr marL="742950" lvl="1" indent="-247650" rtl="0">
-              <a:lnSpc>
-                <a:spcPct val="80000"/>
-              </a:lnSpc>
-              <a:spcBef>
-                <a:spcPts val="800"/>
-              </a:spcBef>
-              <a:buClr>
-                <a:schemeClr val="dk1"/>
-              </a:buClr>
-              <a:buSzPct val="100000"/>
-              <a:buFont typeface="Courier New"/>
-              <a:buChar char="o"/>
-            </a:pPr>
-            <a:r>
-              <a:rPr lang="id" sz="1800" dirty="0">
-                <a:solidFill>
-                  <a:schemeClr val="dk1"/>
-                </a:solidFill>
-              </a:rPr>
-              <a:t>Data dibutuhkan</a:t>
-            </a:r>
-          </a:p>
-          <a:p>
-            <a:pPr marL="742950" lvl="1" indent="-247650" rtl="0">
-              <a:lnSpc>
-                <a:spcPct val="80000"/>
-              </a:lnSpc>
-              <a:spcBef>
-                <a:spcPts val="800"/>
-              </a:spcBef>
-              <a:buClr>
-                <a:schemeClr val="dk1"/>
-              </a:buClr>
-              <a:buSzPct val="100000"/>
-              <a:buFont typeface="Courier New"/>
-              <a:buChar char="o"/>
-            </a:pPr>
-            <a:r>
-              <a:rPr lang="id" sz="1800" dirty="0">
-                <a:solidFill>
-                  <a:schemeClr val="dk1"/>
-                </a:solidFill>
-              </a:rPr>
-              <a:t>Potensi sistem rekomendasi</a:t>
-            </a:r>
-          </a:p>
-          <a:p>
-            <a:pPr marL="742950" lvl="1" indent="-247650" rtl="0">
-              <a:lnSpc>
-                <a:spcPct val="80000"/>
-              </a:lnSpc>
-              <a:spcBef>
-                <a:spcPts val="800"/>
-              </a:spcBef>
-              <a:buClr>
-                <a:schemeClr val="dk1"/>
-              </a:buClr>
-              <a:buSzPct val="100000"/>
-              <a:buFont typeface="Courier New"/>
-              <a:buChar char="o"/>
-            </a:pPr>
-            <a:r>
-              <a:rPr lang="id" sz="1800" dirty="0">
-                <a:solidFill>
-                  <a:schemeClr val="dk1"/>
-                </a:solidFill>
-              </a:rPr>
-              <a:t>Metode evaluasi</a:t>
-            </a:r>
           </a:p>
         </p:txBody>
       </p:sp>
@@ -11254,7 +10437,7 @@
                             </p:stCondLst>
                             <p:childTnLst>
                               <p:par>
-                                <p:cTn id="5" presetID="10" presetClass="entr" presetSubtype="0" fill="hold" nodeType="clickEffect">
+                                <p:cTn id="5" presetID="1" presetClass="entr" presetSubtype="0" fill="hold" nodeType="clickEffect">
                                   <p:stCondLst>
                                     <p:cond delay="0"/>
                                   </p:stCondLst>
@@ -11267,7 +10450,11 @@
                                           </p:stCondLst>
                                         </p:cTn>
                                         <p:tgtEl>
-                                          <p:spTgt spid="162"/>
+                                          <p:spTgt spid="6">
+                                            <p:txEl>
+                                              <p:pRg st="0" end="0"/>
+                                            </p:txEl>
+                                          </p:spTgt>
                                         </p:tgtEl>
                                         <p:attrNameLst>
                                           <p:attrName>style.visibility</p:attrName>
@@ -11277,14 +10464,6 @@
                                         <p:strVal val="visible"/>
                                       </p:to>
                                     </p:set>
-                                    <p:animEffect transition="in" filter="fade">
-                                      <p:cBhvr>
-                                        <p:cTn id="7" dur="1"/>
-                                        <p:tgtEl>
-                                          <p:spTgt spid="162"/>
-                                        </p:tgtEl>
-                                      </p:cBhvr>
-                                    </p:animEffect>
                                   </p:childTnLst>
                                 </p:cTn>
                               </p:par>
@@ -11295,32 +10474,36 @@
                     </p:cTn>
                   </p:par>
                   <p:par>
-                    <p:cTn id="8" fill="hold">
+                    <p:cTn id="7" fill="hold">
                       <p:stCondLst>
                         <p:cond delay="indefinite"/>
                       </p:stCondLst>
                       <p:childTnLst>
                         <p:par>
-                          <p:cTn id="9" fill="hold">
+                          <p:cTn id="8" fill="hold">
                             <p:stCondLst>
                               <p:cond delay="0"/>
                             </p:stCondLst>
                             <p:childTnLst>
                               <p:par>
-                                <p:cTn id="10" presetID="10" presetClass="entr" presetSubtype="0" fill="hold" nodeType="clickEffect">
+                                <p:cTn id="9" presetID="1" presetClass="entr" presetSubtype="0" fill="hold" nodeType="clickEffect">
                                   <p:stCondLst>
                                     <p:cond delay="0"/>
                                   </p:stCondLst>
                                   <p:childTnLst>
                                     <p:set>
                                       <p:cBhvr>
-                                        <p:cTn id="11" dur="1" fill="hold">
+                                        <p:cTn id="10" dur="1" fill="hold">
                                           <p:stCondLst>
                                             <p:cond delay="0"/>
                                           </p:stCondLst>
                                         </p:cTn>
                                         <p:tgtEl>
-                                          <p:spTgt spid="163"/>
+                                          <p:spTgt spid="6">
+                                            <p:txEl>
+                                              <p:pRg st="1" end="1"/>
+                                            </p:txEl>
+                                          </p:spTgt>
                                         </p:tgtEl>
                                         <p:attrNameLst>
                                           <p:attrName>style.visibility</p:attrName>
@@ -11330,14 +10513,6 @@
                                         <p:strVal val="visible"/>
                                       </p:to>
                                     </p:set>
-                                    <p:animEffect transition="in" filter="fade">
-                                      <p:cBhvr>
-                                        <p:cTn id="12" dur="1"/>
-                                        <p:tgtEl>
-                                          <p:spTgt spid="163"/>
-                                        </p:tgtEl>
-                                      </p:cBhvr>
-                                    </p:animEffect>
                                   </p:childTnLst>
                                 </p:cTn>
                               </p:par>
@@ -11348,32 +10523,36 @@
                     </p:cTn>
                   </p:par>
                   <p:par>
-                    <p:cTn id="13" fill="hold">
+                    <p:cTn id="11" fill="hold">
                       <p:stCondLst>
                         <p:cond delay="indefinite"/>
                       </p:stCondLst>
                       <p:childTnLst>
                         <p:par>
-                          <p:cTn id="14" fill="hold">
+                          <p:cTn id="12" fill="hold">
                             <p:stCondLst>
                               <p:cond delay="0"/>
                             </p:stCondLst>
                             <p:childTnLst>
                               <p:par>
-                                <p:cTn id="15" presetID="10" presetClass="entr" presetSubtype="0" fill="hold" nodeType="clickEffect">
+                                <p:cTn id="13" presetID="1" presetClass="entr" presetSubtype="0" fill="hold" nodeType="clickEffect">
                                   <p:stCondLst>
                                     <p:cond delay="0"/>
                                   </p:stCondLst>
                                   <p:childTnLst>
                                     <p:set>
                                       <p:cBhvr>
-                                        <p:cTn id="16" dur="1" fill="hold">
+                                        <p:cTn id="14" dur="1" fill="hold">
                                           <p:stCondLst>
                                             <p:cond delay="0"/>
                                           </p:stCondLst>
                                         </p:cTn>
                                         <p:tgtEl>
-                                          <p:spTgt spid="164"/>
+                                          <p:spTgt spid="6">
+                                            <p:txEl>
+                                              <p:pRg st="2" end="2"/>
+                                            </p:txEl>
+                                          </p:spTgt>
                                         </p:tgtEl>
                                         <p:attrNameLst>
                                           <p:attrName>style.visibility</p:attrName>
@@ -11383,14 +10562,6 @@
                                         <p:strVal val="visible"/>
                                       </p:to>
                                     </p:set>
-                                    <p:animEffect transition="in" filter="fade">
-                                      <p:cBhvr>
-                                        <p:cTn id="17" dur="1"/>
-                                        <p:tgtEl>
-                                          <p:spTgt spid="164"/>
-                                        </p:tgtEl>
-                                      </p:cBhvr>
-                                    </p:animEffect>
                                   </p:childTnLst>
                                 </p:cTn>
                               </p:par>
@@ -11425,562 +10596,7 @@
 </p:sld>
 </file>
 
-<file path=ppt/slides/slide14.xml><?xml version="1.0" encoding="utf-8"?>
-<p:sld xmlns:a="http://schemas.openxmlformats.org/drawingml/2006/main" xmlns:r="http://schemas.openxmlformats.org/officeDocument/2006/relationships" xmlns:p="http://schemas.openxmlformats.org/presentationml/2006/main">
-  <p:cSld>
-    <p:spTree>
-      <p:nvGrpSpPr>
-        <p:cNvPr id="1" name="Shape 168"/>
-        <p:cNvGrpSpPr/>
-        <p:nvPr/>
-      </p:nvGrpSpPr>
-      <p:grpSpPr>
-        <a:xfrm>
-          <a:off x="0" y="0"/>
-          <a:ext cx="0" cy="0"/>
-          <a:chOff x="0" y="0"/>
-          <a:chExt cx="0" cy="0"/>
-        </a:xfrm>
-      </p:grpSpPr>
-      <p:sp>
-        <p:nvSpPr>
-          <p:cNvPr id="169" name="Shape 169"/>
-          <p:cNvSpPr txBox="1">
-            <a:spLocks noGrp="1"/>
-          </p:cNvSpPr>
-          <p:nvPr>
-            <p:ph type="title"/>
-          </p:nvPr>
-        </p:nvSpPr>
-        <p:spPr>
-          <a:xfrm>
-            <a:off x="457200" y="205978"/>
-            <a:ext cx="8229600" cy="857400"/>
-          </a:xfrm>
-          <a:prstGeom prst="rect">
-            <a:avLst/>
-          </a:prstGeom>
-          <a:noFill/>
-          <a:ln>
-            <a:noFill/>
-          </a:ln>
-        </p:spPr>
-        <p:txBody>
-          <a:bodyPr lIns="68575" tIns="34275" rIns="68575" bIns="34275" anchor="ctr" anchorCtr="0">
-            <a:noAutofit/>
-          </a:bodyPr>
-          <a:lstStyle/>
-          <a:p>
-            <a:pPr marL="0" marR="0" lvl="0" indent="0" algn="l" rtl="0">
-              <a:lnSpc>
-                <a:spcPct val="90000"/>
-              </a:lnSpc>
-              <a:spcBef>
-                <a:spcPts val="0"/>
-              </a:spcBef>
-              <a:buClr>
-                <a:schemeClr val="dk1"/>
-              </a:buClr>
-              <a:buSzPct val="25000"/>
-              <a:buFont typeface="Calibri"/>
-              <a:buNone/>
-            </a:pPr>
-            <a:r>
-              <a:rPr lang="id" sz="3300" b="0" i="0" u="none" strike="noStrike" cap="none" baseline="0">
-                <a:solidFill>
-                  <a:srgbClr val="FFFFFF"/>
-                </a:solidFill>
-              </a:rPr>
-              <a:t>Metodologi</a:t>
-            </a:r>
-          </a:p>
-        </p:txBody>
-      </p:sp>
-      <p:sp>
-        <p:nvSpPr>
-          <p:cNvPr id="170" name="Shape 170"/>
-          <p:cNvSpPr txBox="1">
-            <a:spLocks noGrp="1"/>
-          </p:cNvSpPr>
-          <p:nvPr>
-            <p:ph type="body" idx="1"/>
-          </p:nvPr>
-        </p:nvSpPr>
-        <p:spPr>
-          <a:xfrm>
-            <a:off x="457200" y="1200150"/>
-            <a:ext cx="8229600" cy="594600"/>
-          </a:xfrm>
-          <a:prstGeom prst="rect">
-            <a:avLst/>
-          </a:prstGeom>
-          <a:noFill/>
-          <a:ln>
-            <a:noFill/>
-          </a:ln>
-        </p:spPr>
-        <p:txBody>
-          <a:bodyPr lIns="68575" tIns="34275" rIns="68575" bIns="34275" anchor="t" anchorCtr="0">
-            <a:noAutofit/>
-          </a:bodyPr>
-          <a:lstStyle/>
-          <a:p>
-            <a:pPr marL="177800" marR="0" lvl="0" indent="-152400" algn="l" rtl="0">
-              <a:lnSpc>
-                <a:spcPct val="80000"/>
-              </a:lnSpc>
-              <a:spcBef>
-                <a:spcPts val="800"/>
-              </a:spcBef>
-              <a:buClr>
-                <a:schemeClr val="dk1"/>
-              </a:buClr>
-              <a:buSzPct val="100000"/>
-              <a:buFont typeface="Arial"/>
-              <a:buChar char="•"/>
-            </a:pPr>
-            <a:r>
-              <a:rPr lang="id" sz="1800" b="0" i="0" u="none" strike="noStrike" cap="none" baseline="0">
-                <a:solidFill>
-                  <a:schemeClr val="dk1"/>
-                </a:solidFill>
-              </a:rPr>
-              <a:t>Perancangan sistem</a:t>
-            </a:r>
-          </a:p>
-        </p:txBody>
-      </p:sp>
-      <p:sp>
-        <p:nvSpPr>
-          <p:cNvPr id="171" name="Shape 171"/>
-          <p:cNvSpPr txBox="1"/>
-          <p:nvPr/>
-        </p:nvSpPr>
-        <p:spPr>
-          <a:xfrm>
-            <a:off x="505925" y="1794750"/>
-            <a:ext cx="6938399" cy="2957554"/>
-          </a:xfrm>
-          <a:prstGeom prst="rect">
-            <a:avLst/>
-          </a:prstGeom>
-          <a:noFill/>
-          <a:ln>
-            <a:noFill/>
-          </a:ln>
-        </p:spPr>
-        <p:txBody>
-          <a:bodyPr lIns="91425" tIns="91425" rIns="91425" bIns="91425" anchor="t" anchorCtr="0">
-            <a:noAutofit/>
-          </a:bodyPr>
-          <a:lstStyle/>
-          <a:p>
-            <a:pPr marL="177800" lvl="0" indent="-152400" rtl="0">
-              <a:spcBef>
-                <a:spcPts val="800"/>
-              </a:spcBef>
-              <a:buClr>
-                <a:schemeClr val="dk1"/>
-              </a:buClr>
-              <a:buSzPct val="100000"/>
-              <a:buFont typeface="Arial"/>
-              <a:buChar char="•"/>
-            </a:pPr>
-            <a:r>
-              <a:rPr lang="id" sz="1800" dirty="0" smtClean="0">
-                <a:solidFill>
-                  <a:schemeClr val="dk1"/>
-                </a:solidFill>
-              </a:rPr>
-              <a:t>Evaluasi</a:t>
-            </a:r>
-          </a:p>
-          <a:p>
-            <a:pPr marL="742950" lvl="1" indent="-247650">
-              <a:spcBef>
-                <a:spcPts val="800"/>
-              </a:spcBef>
-              <a:buClr>
-                <a:schemeClr val="dk1"/>
-              </a:buClr>
-              <a:buSzPct val="100000"/>
-              <a:buFont typeface="Courier New"/>
-              <a:buChar char="o"/>
-            </a:pPr>
-            <a:r>
-              <a:rPr lang="en-US" sz="1800" dirty="0" err="1" smtClean="0">
-                <a:solidFill>
-                  <a:schemeClr val="dk1"/>
-                </a:solidFill>
-              </a:rPr>
-              <a:t>Ketercapaian</a:t>
-            </a:r>
-            <a:r>
-              <a:rPr lang="en-US" sz="1800" dirty="0" smtClean="0">
-                <a:solidFill>
-                  <a:schemeClr val="dk1"/>
-                </a:solidFill>
-              </a:rPr>
-              <a:t> </a:t>
-            </a:r>
-            <a:r>
-              <a:rPr lang="en-US" sz="1800" dirty="0" err="1" smtClean="0">
-                <a:solidFill>
-                  <a:schemeClr val="dk1"/>
-                </a:solidFill>
-              </a:rPr>
-              <a:t>kebutuhan</a:t>
-            </a:r>
-            <a:r>
-              <a:rPr lang="en-US" sz="1800" dirty="0" smtClean="0">
-                <a:solidFill>
-                  <a:schemeClr val="dk1"/>
-                </a:solidFill>
-              </a:rPr>
-              <a:t> </a:t>
-            </a:r>
-            <a:r>
-              <a:rPr lang="en-US" sz="1800" dirty="0" err="1" smtClean="0">
-                <a:solidFill>
-                  <a:schemeClr val="dk1"/>
-                </a:solidFill>
-              </a:rPr>
-              <a:t>fungsional</a:t>
-            </a:r>
-            <a:endParaRPr lang="en-US" sz="1800" dirty="0" smtClean="0">
-              <a:solidFill>
-                <a:schemeClr val="dk1"/>
-              </a:solidFill>
-            </a:endParaRPr>
-          </a:p>
-          <a:p>
-            <a:pPr marL="742950" lvl="1" indent="-247650">
-              <a:spcBef>
-                <a:spcPts val="800"/>
-              </a:spcBef>
-              <a:buClr>
-                <a:schemeClr val="dk1"/>
-              </a:buClr>
-              <a:buSzPct val="100000"/>
-              <a:buFont typeface="Courier New"/>
-              <a:buChar char="o"/>
-            </a:pPr>
-            <a:r>
-              <a:rPr lang="en-US" sz="1800" dirty="0" err="1" smtClean="0">
-                <a:solidFill>
-                  <a:schemeClr val="dk1"/>
-                </a:solidFill>
-              </a:rPr>
-              <a:t>Akurasi</a:t>
-            </a:r>
-            <a:r>
-              <a:rPr lang="en-US" sz="1800" dirty="0" smtClean="0">
-                <a:solidFill>
-                  <a:schemeClr val="dk1"/>
-                </a:solidFill>
-              </a:rPr>
-              <a:t> </a:t>
-            </a:r>
-            <a:r>
-              <a:rPr lang="en-US" sz="1800" dirty="0" err="1">
-                <a:solidFill>
-                  <a:schemeClr val="dk1"/>
-                </a:solidFill>
-              </a:rPr>
-              <a:t>prediksi</a:t>
-            </a:r>
-            <a:r>
-              <a:rPr lang="en-US" sz="1800" dirty="0">
-                <a:solidFill>
-                  <a:schemeClr val="dk1"/>
-                </a:solidFill>
-              </a:rPr>
-              <a:t> </a:t>
-            </a:r>
-            <a:r>
-              <a:rPr lang="en-US" sz="1800" dirty="0" err="1">
-                <a:solidFill>
-                  <a:schemeClr val="dk1"/>
-                </a:solidFill>
-              </a:rPr>
-              <a:t>terhadap</a:t>
-            </a:r>
-            <a:r>
-              <a:rPr lang="en-US" sz="1800" dirty="0">
-                <a:solidFill>
-                  <a:schemeClr val="dk1"/>
-                </a:solidFill>
-              </a:rPr>
-              <a:t> </a:t>
-            </a:r>
-            <a:r>
-              <a:rPr lang="en-US" sz="1800" dirty="0" err="1">
-                <a:solidFill>
-                  <a:schemeClr val="dk1"/>
-                </a:solidFill>
-              </a:rPr>
-              <a:t>penilaian</a:t>
-            </a:r>
-            <a:r>
-              <a:rPr lang="en-US" sz="1800" dirty="0">
-                <a:solidFill>
-                  <a:schemeClr val="dk1"/>
-                </a:solidFill>
-              </a:rPr>
-              <a:t> </a:t>
-            </a:r>
-            <a:r>
-              <a:rPr lang="en-US" sz="1800" dirty="0" err="1">
-                <a:solidFill>
-                  <a:schemeClr val="dk1"/>
-                </a:solidFill>
-              </a:rPr>
-              <a:t>pengguna</a:t>
-            </a:r>
-            <a:r>
-              <a:rPr lang="en-US" sz="1800" dirty="0">
-                <a:solidFill>
-                  <a:schemeClr val="dk1"/>
-                </a:solidFill>
-              </a:rPr>
-              <a:t> </a:t>
-            </a:r>
-            <a:r>
-              <a:rPr lang="en-US" sz="1800" dirty="0" err="1">
-                <a:solidFill>
-                  <a:schemeClr val="dk1"/>
-                </a:solidFill>
-              </a:rPr>
-              <a:t>melalui</a:t>
-            </a:r>
-            <a:r>
-              <a:rPr lang="en-US" sz="1800" dirty="0">
-                <a:solidFill>
-                  <a:schemeClr val="dk1"/>
-                </a:solidFill>
-              </a:rPr>
-              <a:t> </a:t>
-            </a:r>
-            <a:r>
-              <a:rPr lang="en-US" sz="1800" dirty="0" err="1" smtClean="0">
-                <a:solidFill>
-                  <a:schemeClr val="dk1"/>
-                </a:solidFill>
-              </a:rPr>
-              <a:t>perhitungan</a:t>
-            </a:r>
-            <a:r>
-              <a:rPr lang="id" sz="1800" dirty="0" smtClean="0">
-                <a:solidFill>
-                  <a:schemeClr val="dk1"/>
-                </a:solidFill>
-              </a:rPr>
-              <a:t>Mean Absolute Error (MAE)</a:t>
-            </a:r>
-          </a:p>
-          <a:p>
-            <a:pPr marL="742950" lvl="1" indent="-247650">
-              <a:spcBef>
-                <a:spcPts val="800"/>
-              </a:spcBef>
-              <a:buClr>
-                <a:schemeClr val="dk1"/>
-              </a:buClr>
-              <a:buSzPct val="100000"/>
-              <a:buFont typeface="Courier New"/>
-              <a:buChar char="o"/>
-            </a:pPr>
-            <a:r>
-              <a:rPr lang="en-US" sz="1800" dirty="0" err="1" smtClean="0">
-                <a:solidFill>
-                  <a:schemeClr val="dk1"/>
-                </a:solidFill>
-              </a:rPr>
-              <a:t>Kesesuaian</a:t>
-            </a:r>
-            <a:r>
-              <a:rPr lang="en-US" sz="1800" dirty="0" smtClean="0">
-                <a:solidFill>
-                  <a:schemeClr val="dk1"/>
-                </a:solidFill>
-              </a:rPr>
-              <a:t> </a:t>
-            </a:r>
-            <a:r>
-              <a:rPr lang="en-US" sz="1800" dirty="0" err="1">
-                <a:solidFill>
-                  <a:schemeClr val="dk1"/>
-                </a:solidFill>
-              </a:rPr>
-              <a:t>rekomendasi</a:t>
-            </a:r>
-            <a:r>
-              <a:rPr lang="en-US" sz="1800" dirty="0">
-                <a:solidFill>
-                  <a:schemeClr val="dk1"/>
-                </a:solidFill>
-              </a:rPr>
-              <a:t> yang </a:t>
-            </a:r>
-            <a:r>
-              <a:rPr lang="en-US" sz="1800" dirty="0" err="1">
-                <a:solidFill>
-                  <a:schemeClr val="dk1"/>
-                </a:solidFill>
-              </a:rPr>
-              <a:t>dihasilkan</a:t>
-            </a:r>
-            <a:r>
-              <a:rPr lang="en-US" sz="1800" dirty="0">
-                <a:solidFill>
-                  <a:schemeClr val="dk1"/>
-                </a:solidFill>
-              </a:rPr>
-              <a:t> </a:t>
-            </a:r>
-            <a:r>
-              <a:rPr lang="en-US" sz="1800" dirty="0" err="1">
-                <a:solidFill>
-                  <a:schemeClr val="dk1"/>
-                </a:solidFill>
-              </a:rPr>
-              <a:t>dengan</a:t>
-            </a:r>
-            <a:r>
-              <a:rPr lang="en-US" sz="1800" dirty="0">
-                <a:solidFill>
-                  <a:schemeClr val="dk1"/>
-                </a:solidFill>
-              </a:rPr>
-              <a:t> </a:t>
-            </a:r>
-            <a:r>
-              <a:rPr lang="en-US" sz="1800" dirty="0" err="1">
-                <a:solidFill>
-                  <a:schemeClr val="dk1"/>
-                </a:solidFill>
-              </a:rPr>
-              <a:t>selera</a:t>
-            </a:r>
-            <a:r>
-              <a:rPr lang="en-US" sz="1800" dirty="0">
-                <a:solidFill>
-                  <a:schemeClr val="dk1"/>
-                </a:solidFill>
-              </a:rPr>
-              <a:t> </a:t>
-            </a:r>
-            <a:r>
-              <a:rPr lang="en-US" sz="1800" dirty="0" err="1" smtClean="0">
-                <a:solidFill>
-                  <a:schemeClr val="dk1"/>
-                </a:solidFill>
-              </a:rPr>
-              <a:t>pengguna</a:t>
-            </a:r>
-            <a:endParaRPr lang="id" sz="1800" dirty="0">
-              <a:solidFill>
-                <a:schemeClr val="dk1"/>
-              </a:solidFill>
-            </a:endParaRPr>
-          </a:p>
-        </p:txBody>
-      </p:sp>
-    </p:spTree>
-  </p:cSld>
-  <p:clrMapOvr>
-    <a:masterClrMapping/>
-  </p:clrMapOvr>
-  <p:transition spd="slow">
-    <p:cut/>
-  </p:transition>
-  <p:timing>
-    <p:tnLst>
-      <p:par>
-        <p:cTn id="1" dur="indefinite" restart="never" nodeType="tmRoot">
-          <p:childTnLst>
-            <p:seq concurrent="1" nextAc="seek">
-              <p:cTn id="2" dur="indefinite" nodeType="mainSeq">
-                <p:childTnLst>
-                  <p:par>
-                    <p:cTn id="3" fill="hold">
-                      <p:stCondLst>
-                        <p:cond delay="indefinite"/>
-                      </p:stCondLst>
-                      <p:childTnLst>
-                        <p:par>
-                          <p:cTn id="4" fill="hold">
-                            <p:stCondLst>
-                              <p:cond delay="0"/>
-                            </p:stCondLst>
-                            <p:childTnLst>
-                              <p:par>
-                                <p:cTn id="5" presetID="10" presetClass="entr" presetSubtype="0" fill="hold" nodeType="clickEffect">
-                                  <p:stCondLst>
-                                    <p:cond delay="0"/>
-                                  </p:stCondLst>
-                                  <p:childTnLst>
-                                    <p:set>
-                                      <p:cBhvr>
-                                        <p:cTn id="6" dur="1" fill="hold">
-                                          <p:stCondLst>
-                                            <p:cond delay="0"/>
-                                          </p:stCondLst>
-                                        </p:cTn>
-                                        <p:tgtEl>
-                                          <p:spTgt spid="171"/>
-                                        </p:tgtEl>
-                                        <p:attrNameLst>
-                                          <p:attrName>style.visibility</p:attrName>
-                                        </p:attrNameLst>
-                                      </p:cBhvr>
-                                      <p:to>
-                                        <p:strVal val="visible"/>
-                                      </p:to>
-                                    </p:set>
-                                    <p:animEffect transition="in" filter="fade">
-                                      <p:cBhvr>
-                                        <p:cTn id="7" dur="1"/>
-                                        <p:tgtEl>
-                                          <p:spTgt spid="171"/>
-                                        </p:tgtEl>
-                                      </p:cBhvr>
-                                    </p:animEffect>
-                                  </p:childTnLst>
-                                </p:cTn>
-                              </p:par>
-                            </p:childTnLst>
-                          </p:cTn>
-                        </p:par>
-                      </p:childTnLst>
-                    </p:cTn>
-                  </p:par>
-                </p:childTnLst>
-              </p:cTn>
-              <p:prevCondLst>
-                <p:cond evt="onPrev" delay="0">
-                  <p:tgtEl>
-                    <p:sldTgt/>
-                  </p:tgtEl>
-                </p:cond>
-              </p:prevCondLst>
-              <p:nextCondLst>
-                <p:cond evt="onNext" delay="0">
-                  <p:tgtEl>
-                    <p:sldTgt/>
-                  </p:tgtEl>
-                </p:cond>
-              </p:nextCondLst>
-            </p:seq>
-          </p:childTnLst>
-        </p:cTn>
-      </p:par>
-    </p:tnLst>
-  </p:timing>
-</p:sld>
-</file>
-
-<file path=ppt/slides/slide15.xml><?xml version="1.0" encoding="utf-8"?>
+<file path=ppt/slides/slide12.xml><?xml version="1.0" encoding="utf-8"?>
 <p:sld xmlns:a="http://schemas.openxmlformats.org/drawingml/2006/main" xmlns:r="http://schemas.openxmlformats.org/officeDocument/2006/relationships" xmlns:p="http://schemas.openxmlformats.org/presentationml/2006/main">
   <p:cSld>
     <p:spTree>
@@ -12057,7 +10673,7 @@
 </p:sld>
 </file>
 
-<file path=ppt/slides/slide16.xml><?xml version="1.0" encoding="utf-8"?>
+<file path=ppt/slides/slide13.xml><?xml version="1.0" encoding="utf-8"?>
 <p:sld xmlns:a="http://schemas.openxmlformats.org/drawingml/2006/main" xmlns:r="http://schemas.openxmlformats.org/officeDocument/2006/relationships" xmlns:p="http://schemas.openxmlformats.org/presentationml/2006/main">
   <p:cSld>
     <p:spTree>
@@ -12716,7 +11332,7 @@
 </p:sld>
 </file>
 
-<file path=ppt/slides/slide17.xml><?xml version="1.0" encoding="utf-8"?>
+<file path=ppt/slides/slide14.xml><?xml version="1.0" encoding="utf-8"?>
 <p:sld xmlns:a="http://schemas.openxmlformats.org/drawingml/2006/main" xmlns:r="http://schemas.openxmlformats.org/officeDocument/2006/relationships" xmlns:p="http://schemas.openxmlformats.org/presentationml/2006/main">
   <p:cSld>
     <p:spTree>
@@ -13477,7 +12093,7 @@
 </p:sld>
 </file>
 
-<file path=ppt/slides/slide18.xml><?xml version="1.0" encoding="utf-8"?>
+<file path=ppt/slides/slide15.xml><?xml version="1.0" encoding="utf-8"?>
 <p:sld xmlns:a="http://schemas.openxmlformats.org/drawingml/2006/main" xmlns:r="http://schemas.openxmlformats.org/officeDocument/2006/relationships" xmlns:p="http://schemas.openxmlformats.org/presentationml/2006/main">
   <p:cSld>
     <p:spTree>
@@ -13628,8 +12244,21 @@
                   <a:schemeClr val="dk1"/>
                 </a:solidFill>
               </a:rPr>
-              <a:t>Mampu menghilangkan resep makanan yang tidak aman untuk dikonsumsi oleh pengguna berdasarkan komposisi makanan dari resep tersebut.</a:t>
-            </a:r>
+              <a:t>Mampu menghilangkan resep makanan yang tidak aman untuk dikonsumsi oleh </a:t>
+            </a:r>
+            <a:r>
+              <a:rPr lang="id" sz="2100" b="0" i="0" u="none" strike="noStrike" cap="none" baseline="0" dirty="0" smtClean="0">
+                <a:solidFill>
+                  <a:schemeClr val="dk1"/>
+                </a:solidFill>
+              </a:rPr>
+              <a:t>pengguna</a:t>
+            </a:r>
+            <a:endParaRPr lang="id" sz="2100" b="0" i="0" u="none" strike="noStrike" cap="none" baseline="0" dirty="0">
+              <a:solidFill>
+                <a:schemeClr val="dk1"/>
+              </a:solidFill>
+            </a:endParaRPr>
           </a:p>
           <a:p>
             <a:pPr marL="177800" marR="0" lvl="0" indent="-171450" algn="l" rtl="0">
@@ -13973,7 +12602,7 @@
 </p:sld>
 </file>
 
-<file path=ppt/slides/slide19.xml><?xml version="1.0" encoding="utf-8"?>
+<file path=ppt/slides/slide16.xml><?xml version="1.0" encoding="utf-8"?>
 <p:sld xmlns:a="http://schemas.openxmlformats.org/drawingml/2006/main" xmlns:r="http://schemas.openxmlformats.org/officeDocument/2006/relationships" xmlns:p="http://schemas.openxmlformats.org/presentationml/2006/main">
   <p:cSld>
     <p:spTree>
@@ -14060,84 +12689,7 @@
 </p:sld>
 </file>
 
-<file path=ppt/slides/slide2.xml><?xml version="1.0" encoding="utf-8"?>
-<p:sld xmlns:a="http://schemas.openxmlformats.org/drawingml/2006/main" xmlns:r="http://schemas.openxmlformats.org/officeDocument/2006/relationships" xmlns:p="http://schemas.openxmlformats.org/presentationml/2006/main">
-  <p:cSld>
-    <p:spTree>
-      <p:nvGrpSpPr>
-        <p:cNvPr id="1" name="Shape 54"/>
-        <p:cNvGrpSpPr/>
-        <p:nvPr/>
-      </p:nvGrpSpPr>
-      <p:grpSpPr>
-        <a:xfrm>
-          <a:off x="0" y="0"/>
-          <a:ext cx="0" cy="0"/>
-          <a:chOff x="0" y="0"/>
-          <a:chExt cx="0" cy="0"/>
-        </a:xfrm>
-      </p:grpSpPr>
-      <p:sp>
-        <p:nvSpPr>
-          <p:cNvPr id="55" name="Shape 55"/>
-          <p:cNvSpPr txBox="1"/>
-          <p:nvPr/>
-        </p:nvSpPr>
-        <p:spPr>
-          <a:xfrm>
-            <a:off x="2128150" y="1903200"/>
-            <a:ext cx="5203500" cy="809400"/>
-          </a:xfrm>
-          <a:prstGeom prst="rect">
-            <a:avLst/>
-          </a:prstGeom>
-          <a:noFill/>
-          <a:ln>
-            <a:noFill/>
-          </a:ln>
-        </p:spPr>
-        <p:txBody>
-          <a:bodyPr lIns="91425" tIns="91425" rIns="91425" bIns="91425" anchor="t" anchorCtr="0">
-            <a:noAutofit/>
-          </a:bodyPr>
-          <a:lstStyle/>
-          <a:p>
-            <a:pPr>
-              <a:spcBef>
-                <a:spcPts val="0"/>
-              </a:spcBef>
-              <a:buNone/>
-            </a:pPr>
-            <a:r>
-              <a:rPr lang="id" sz="6000">
-                <a:solidFill>
-                  <a:srgbClr val="FFFFFF"/>
-                </a:solidFill>
-              </a:rPr>
-              <a:t>Pendahuluan</a:t>
-            </a:r>
-          </a:p>
-        </p:txBody>
-      </p:sp>
-    </p:spTree>
-  </p:cSld>
-  <p:clrMapOvr>
-    <a:masterClrMapping/>
-  </p:clrMapOvr>
-  <p:transition spd="slow">
-    <p:cut/>
-  </p:transition>
-  <p:timing>
-    <p:tnLst>
-      <p:par>
-        <p:cTn id="1" dur="indefinite" restart="never" nodeType="tmRoot"/>
-      </p:par>
-    </p:tnLst>
-  </p:timing>
-</p:sld>
-</file>
-
-<file path=ppt/slides/slide20.xml><?xml version="1.0" encoding="utf-8"?>
+<file path=ppt/slides/slide17.xml><?xml version="1.0" encoding="utf-8"?>
 <p:sld xmlns:a="http://schemas.openxmlformats.org/drawingml/2006/main" xmlns:r="http://schemas.openxmlformats.org/officeDocument/2006/relationships" xmlns:p="http://schemas.openxmlformats.org/presentationml/2006/main">
   <p:cSld>
     <p:spTree>
@@ -14281,7 +12833,7 @@
 </p:sld>
 </file>
 
-<file path=ppt/slides/slide21.xml><?xml version="1.0" encoding="utf-8"?>
+<file path=ppt/slides/slide18.xml><?xml version="1.0" encoding="utf-8"?>
 <p:sld xmlns:a="http://schemas.openxmlformats.org/drawingml/2006/main" xmlns:r="http://schemas.openxmlformats.org/officeDocument/2006/relationships" xmlns:p="http://schemas.openxmlformats.org/presentationml/2006/main">
   <p:cSld>
     <p:spTree>
@@ -14425,7 +12977,7 @@
 </p:sld>
 </file>
 
-<file path=ppt/slides/slide22.xml><?xml version="1.0" encoding="utf-8"?>
+<file path=ppt/slides/slide19.xml><?xml version="1.0" encoding="utf-8"?>
 <p:sld xmlns:a="http://schemas.openxmlformats.org/drawingml/2006/main" xmlns:r="http://schemas.openxmlformats.org/officeDocument/2006/relationships" xmlns:p="http://schemas.openxmlformats.org/presentationml/2006/main">
   <p:cSld>
     <p:spTree>
@@ -14512,7 +13064,84 @@
 </p:sld>
 </file>
 
-<file path=ppt/slides/slide23.xml><?xml version="1.0" encoding="utf-8"?>
+<file path=ppt/slides/slide2.xml><?xml version="1.0" encoding="utf-8"?>
+<p:sld xmlns:a="http://schemas.openxmlformats.org/drawingml/2006/main" xmlns:r="http://schemas.openxmlformats.org/officeDocument/2006/relationships" xmlns:p="http://schemas.openxmlformats.org/presentationml/2006/main">
+  <p:cSld>
+    <p:spTree>
+      <p:nvGrpSpPr>
+        <p:cNvPr id="1" name="Shape 54"/>
+        <p:cNvGrpSpPr/>
+        <p:nvPr/>
+      </p:nvGrpSpPr>
+      <p:grpSpPr>
+        <a:xfrm>
+          <a:off x="0" y="0"/>
+          <a:ext cx="0" cy="0"/>
+          <a:chOff x="0" y="0"/>
+          <a:chExt cx="0" cy="0"/>
+        </a:xfrm>
+      </p:grpSpPr>
+      <p:sp>
+        <p:nvSpPr>
+          <p:cNvPr id="55" name="Shape 55"/>
+          <p:cNvSpPr txBox="1"/>
+          <p:nvPr/>
+        </p:nvSpPr>
+        <p:spPr>
+          <a:xfrm>
+            <a:off x="2128150" y="1903200"/>
+            <a:ext cx="5203500" cy="809400"/>
+          </a:xfrm>
+          <a:prstGeom prst="rect">
+            <a:avLst/>
+          </a:prstGeom>
+          <a:noFill/>
+          <a:ln>
+            <a:noFill/>
+          </a:ln>
+        </p:spPr>
+        <p:txBody>
+          <a:bodyPr lIns="91425" tIns="91425" rIns="91425" bIns="91425" anchor="t" anchorCtr="0">
+            <a:noAutofit/>
+          </a:bodyPr>
+          <a:lstStyle/>
+          <a:p>
+            <a:pPr>
+              <a:spcBef>
+                <a:spcPts val="0"/>
+              </a:spcBef>
+              <a:buNone/>
+            </a:pPr>
+            <a:r>
+              <a:rPr lang="id" sz="6000">
+                <a:solidFill>
+                  <a:srgbClr val="FFFFFF"/>
+                </a:solidFill>
+              </a:rPr>
+              <a:t>Pendahuluan</a:t>
+            </a:r>
+          </a:p>
+        </p:txBody>
+      </p:sp>
+    </p:spTree>
+  </p:cSld>
+  <p:clrMapOvr>
+    <a:masterClrMapping/>
+  </p:clrMapOvr>
+  <p:transition spd="slow">
+    <p:cut/>
+  </p:transition>
+  <p:timing>
+    <p:tnLst>
+      <p:par>
+        <p:cTn id="1" dur="indefinite" restart="never" nodeType="tmRoot"/>
+      </p:par>
+    </p:tnLst>
+  </p:timing>
+</p:sld>
+</file>
+
+<file path=ppt/slides/slide20.xml><?xml version="1.0" encoding="utf-8"?>
 <p:sld xmlns:a="http://schemas.openxmlformats.org/drawingml/2006/main" xmlns:r="http://schemas.openxmlformats.org/officeDocument/2006/relationships" xmlns:p="http://schemas.openxmlformats.org/presentationml/2006/main">
   <p:cSld>
     <p:spTree>
@@ -15442,7 +14071,7 @@
 </p:sld>
 </file>
 
-<file path=ppt/slides/slide24.xml><?xml version="1.0" encoding="utf-8"?>
+<file path=ppt/slides/slide21.xml><?xml version="1.0" encoding="utf-8"?>
 <p:sld xmlns:a="http://schemas.openxmlformats.org/drawingml/2006/main" xmlns:r="http://schemas.openxmlformats.org/officeDocument/2006/relationships" xmlns:p="http://schemas.openxmlformats.org/presentationml/2006/main">
   <p:cSld>
     <p:spTree>
@@ -16342,7 +14971,7 @@
 </p:sld>
 </file>
 
-<file path=ppt/slides/slide25.xml><?xml version="1.0" encoding="utf-8"?>
+<file path=ppt/slides/slide22.xml><?xml version="1.0" encoding="utf-8"?>
 <p:sld xmlns:a="http://schemas.openxmlformats.org/drawingml/2006/main" xmlns:r="http://schemas.openxmlformats.org/officeDocument/2006/relationships" xmlns:p="http://schemas.openxmlformats.org/presentationml/2006/main">
   <p:cSld>
     <p:spTree>
@@ -16842,7 +15471,7 @@
 </p:sld>
 </file>
 
-<file path=ppt/slides/slide26.xml><?xml version="1.0" encoding="utf-8"?>
+<file path=ppt/slides/slide23.xml><?xml version="1.0" encoding="utf-8"?>
 <p:sld xmlns:a="http://schemas.openxmlformats.org/drawingml/2006/main" xmlns:r="http://schemas.openxmlformats.org/officeDocument/2006/relationships" xmlns:p="http://schemas.openxmlformats.org/presentationml/2006/main">
   <p:cSld>
     <p:spTree>
@@ -18303,7 +16932,7 @@
 </p:sld>
 </file>
 
-<file path=ppt/slides/slide27.xml><?xml version="1.0" encoding="utf-8"?>
+<file path=ppt/slides/slide24.xml><?xml version="1.0" encoding="utf-8"?>
 <p:sld xmlns:a="http://schemas.openxmlformats.org/drawingml/2006/main" xmlns:r="http://schemas.openxmlformats.org/officeDocument/2006/relationships" xmlns:p="http://schemas.openxmlformats.org/presentationml/2006/main">
   <p:cSld>
     <p:spTree>
@@ -19046,7 +17675,7 @@
 </p:sld>
 </file>
 
-<file path=ppt/slides/slide28.xml><?xml version="1.0" encoding="utf-8"?>
+<file path=ppt/slides/slide25.xml><?xml version="1.0" encoding="utf-8"?>
 <p:sld xmlns:a="http://schemas.openxmlformats.org/drawingml/2006/main" xmlns:r="http://schemas.openxmlformats.org/officeDocument/2006/relationships" xmlns:p="http://schemas.openxmlformats.org/presentationml/2006/main">
   <p:cSld>
     <p:spTree>
@@ -19115,7 +17744,7 @@
 </p:sld>
 </file>
 
-<file path=ppt/slides/slide29.xml><?xml version="1.0" encoding="utf-8"?>
+<file path=ppt/slides/slide26.xml><?xml version="1.0" encoding="utf-8"?>
 <p:sld xmlns:a="http://schemas.openxmlformats.org/drawingml/2006/main" xmlns:r="http://schemas.openxmlformats.org/officeDocument/2006/relationships" xmlns:p="http://schemas.openxmlformats.org/presentationml/2006/main">
   <p:cSld>
     <p:spTree>
@@ -19202,173 +17831,7 @@
 </p:sld>
 </file>
 
-<file path=ppt/slides/slide3.xml><?xml version="1.0" encoding="utf-8"?>
-<p:sld xmlns:a="http://schemas.openxmlformats.org/drawingml/2006/main" xmlns:r="http://schemas.openxmlformats.org/officeDocument/2006/relationships" xmlns:p="http://schemas.openxmlformats.org/presentationml/2006/main">
-  <p:cSld>
-    <p:spTree>
-      <p:nvGrpSpPr>
-        <p:cNvPr id="1" name="Shape 59"/>
-        <p:cNvGrpSpPr/>
-        <p:nvPr/>
-      </p:nvGrpSpPr>
-      <p:grpSpPr>
-        <a:xfrm>
-          <a:off x="0" y="0"/>
-          <a:ext cx="0" cy="0"/>
-          <a:chOff x="0" y="0"/>
-          <a:chExt cx="0" cy="0"/>
-        </a:xfrm>
-      </p:grpSpPr>
-      <p:sp>
-        <p:nvSpPr>
-          <p:cNvPr id="60" name="Shape 60"/>
-          <p:cNvSpPr txBox="1">
-            <a:spLocks noGrp="1"/>
-          </p:cNvSpPr>
-          <p:nvPr>
-            <p:ph type="title"/>
-          </p:nvPr>
-        </p:nvSpPr>
-        <p:spPr>
-          <a:xfrm>
-            <a:off x="457200" y="205978"/>
-            <a:ext cx="8229600" cy="857400"/>
-          </a:xfrm>
-          <a:prstGeom prst="rect">
-            <a:avLst/>
-          </a:prstGeom>
-          <a:noFill/>
-          <a:ln>
-            <a:noFill/>
-          </a:ln>
-        </p:spPr>
-        <p:txBody>
-          <a:bodyPr lIns="68575" tIns="34275" rIns="68575" bIns="34275" anchor="ctr" anchorCtr="0">
-            <a:noAutofit/>
-          </a:bodyPr>
-          <a:lstStyle/>
-          <a:p>
-            <a:pPr marL="0" marR="0" lvl="0" indent="0" algn="l" rtl="0">
-              <a:lnSpc>
-                <a:spcPct val="90000"/>
-              </a:lnSpc>
-              <a:spcBef>
-                <a:spcPts val="0"/>
-              </a:spcBef>
-              <a:buClr>
-                <a:schemeClr val="dk1"/>
-              </a:buClr>
-              <a:buSzPct val="25000"/>
-              <a:buFont typeface="Calibri"/>
-              <a:buNone/>
-            </a:pPr>
-            <a:r>
-              <a:rPr lang="id" sz="3300" b="0" i="0" u="none" strike="noStrike" cap="none" baseline="0">
-                <a:solidFill>
-                  <a:srgbClr val="FFFFFF"/>
-                </a:solidFill>
-              </a:rPr>
-              <a:t>Latar Belakang</a:t>
-            </a:r>
-          </a:p>
-        </p:txBody>
-      </p:sp>
-      <p:sp>
-        <p:nvSpPr>
-          <p:cNvPr id="61" name="Shape 61"/>
-          <p:cNvSpPr txBox="1">
-            <a:spLocks noGrp="1"/>
-          </p:cNvSpPr>
-          <p:nvPr>
-            <p:ph type="body" idx="1"/>
-          </p:nvPr>
-        </p:nvSpPr>
-        <p:spPr>
-          <a:xfrm>
-            <a:off x="457200" y="4180800"/>
-            <a:ext cx="8316900" cy="962699"/>
-          </a:xfrm>
-          <a:prstGeom prst="rect">
-            <a:avLst/>
-          </a:prstGeom>
-          <a:noFill/>
-          <a:ln>
-            <a:noFill/>
-          </a:ln>
-        </p:spPr>
-        <p:txBody>
-          <a:bodyPr lIns="68575" tIns="34275" rIns="68575" bIns="34275" anchor="t" anchorCtr="0">
-            <a:noAutofit/>
-          </a:bodyPr>
-          <a:lstStyle/>
-          <a:p>
-            <a:pPr marR="0" lvl="0" algn="ctr" rtl="0">
-              <a:lnSpc>
-                <a:spcPct val="90000"/>
-              </a:lnSpc>
-              <a:spcBef>
-                <a:spcPts val="0"/>
-              </a:spcBef>
-              <a:buNone/>
-            </a:pPr>
-            <a:r>
-              <a:rPr lang="id" sz="2100" b="0" i="0" u="none" strike="noStrike" cap="none" baseline="0">
-                <a:solidFill>
-                  <a:schemeClr val="dk1"/>
-                </a:solidFill>
-              </a:rPr>
-              <a:t>E-commerce mempermudah dan mempercepat proses membeli dan membandingkan produk</a:t>
-            </a:r>
-          </a:p>
-        </p:txBody>
-      </p:sp>
-      <p:pic>
-        <p:nvPicPr>
-          <p:cNvPr id="62" name="Shape 62"/>
-          <p:cNvPicPr preferRelativeResize="0"/>
-          <p:nvPr/>
-        </p:nvPicPr>
-        <p:blipFill>
-          <a:blip r:embed="rId3">
-            <a:alphaModFix/>
-          </a:blip>
-          <a:stretch>
-            <a:fillRect/>
-          </a:stretch>
-        </p:blipFill>
-        <p:spPr>
-          <a:xfrm>
-            <a:off x="1714500" y="1208562"/>
-            <a:ext cx="5715000" cy="2943225"/>
-          </a:xfrm>
-          <a:prstGeom prst="rect">
-            <a:avLst/>
-          </a:prstGeom>
-          <a:noFill/>
-          <a:ln>
-            <a:noFill/>
-          </a:ln>
-        </p:spPr>
-      </p:pic>
-    </p:spTree>
-  </p:cSld>
-  <p:clrMapOvr>
-    <a:masterClrMapping/>
-  </p:clrMapOvr>
-  <p:transition spd="slow">
-    <p:cut/>
-  </p:transition>
-  <p:timing>
-    <p:tnLst>
-      <p:par>
-        <p:cTn id="1" dur="indefinite" restart="never" nodeType="tmRoot"/>
-      </p:par>
-    </p:tnLst>
-  </p:timing>
-</p:sld>
-</file>
-
-<file path=ppt/slides/slide30.xml><?xml version="1.0" encoding="utf-8"?>
+<file path=ppt/slides/slide27.xml><?xml version="1.0" encoding="utf-8"?>
 <p:sld xmlns:a="http://schemas.openxmlformats.org/drawingml/2006/main" xmlns:r="http://schemas.openxmlformats.org/officeDocument/2006/relationships" xmlns:p="http://schemas.openxmlformats.org/presentationml/2006/main">
   <p:cSld>
     <p:spTree>
@@ -20417,21 +18880,7 @@
                 <a:ea typeface="Times New Roman" panose="02020603050405020304" pitchFamily="18" charset="0"/>
                 <a:cs typeface="Browallia New" panose="020B0604020202020204" pitchFamily="34" charset="-34"/>
               </a:rPr>
-              <a:t>20</a:t>
-            </a:r>
-            <a:r>
-              <a:rPr lang="en-GB" sz="1400" kern="1200" dirty="0" smtClean="0">
-                <a:solidFill>
-                  <a:srgbClr val="000000">
-                    <a:lumMod val="75000"/>
-                    <a:lumOff val="25000"/>
-                  </a:srgbClr>
-                </a:solidFill>
-                <a:latin typeface="+mj-lt"/>
-                <a:ea typeface="Times New Roman" panose="02020603050405020304" pitchFamily="18" charset="0"/>
-                <a:cs typeface="Browallia New" panose="020B0604020202020204" pitchFamily="34" charset="-34"/>
-              </a:rPr>
-              <a:t> </a:t>
+              <a:t>20 </a:t>
             </a:r>
             <a:r>
               <a:rPr lang="en-GB" sz="1400" kern="1200" dirty="0" err="1">
@@ -21120,7 +19569,7 @@
 </p:sld>
 </file>
 
-<file path=ppt/slides/slide31.xml><?xml version="1.0" encoding="utf-8"?>
+<file path=ppt/slides/slide28.xml><?xml version="1.0" encoding="utf-8"?>
 <p:sld xmlns:a="http://schemas.openxmlformats.org/drawingml/2006/main" xmlns:r="http://schemas.openxmlformats.org/officeDocument/2006/relationships" xmlns:p="http://schemas.openxmlformats.org/presentationml/2006/main">
   <p:cSld>
     <p:spTree>
@@ -22265,35 +20714,7 @@
                 <a:ea typeface="Times New Roman" panose="02020603050405020304" pitchFamily="18" charset="0"/>
                 <a:cs typeface="Browallia New" panose="020B0604020202020204" pitchFamily="34" charset="-34"/>
               </a:rPr>
-              <a:t>, </a:t>
-            </a:r>
-            <a:r>
-              <a:rPr lang="en-GB" sz="1400" kern="1200" dirty="0" smtClean="0">
-                <a:solidFill>
-                  <a:srgbClr val="000000">
-                    <a:lumMod val="75000"/>
-                    <a:lumOff val="25000"/>
-                  </a:srgbClr>
-                </a:solidFill>
-                <a:latin typeface="+mj-lt"/>
-                <a:ea typeface="Times New Roman" panose="02020603050405020304" pitchFamily="18" charset="0"/>
-                <a:cs typeface="Browallia New" panose="020B0604020202020204" pitchFamily="34" charset="-34"/>
-              </a:rPr>
-              <a:t>20</a:t>
-            </a:r>
-            <a:r>
-              <a:rPr lang="en-GB" sz="1400" kern="1200" dirty="0" smtClean="0">
-                <a:solidFill>
-                  <a:srgbClr val="000000">
-                    <a:lumMod val="75000"/>
-                    <a:lumOff val="25000"/>
-                  </a:srgbClr>
-                </a:solidFill>
-                <a:latin typeface="+mj-lt"/>
-                <a:ea typeface="Times New Roman" panose="02020603050405020304" pitchFamily="18" charset="0"/>
-                <a:cs typeface="Browallia New" panose="020B0604020202020204" pitchFamily="34" charset="-34"/>
-              </a:rPr>
-              <a:t> </a:t>
+              <a:t>, 20 </a:t>
             </a:r>
             <a:r>
               <a:rPr lang="en-GB" sz="1400" kern="1200" dirty="0" err="1">
@@ -23190,7 +21611,7 @@
 </p:sld>
 </file>
 
-<file path=ppt/slides/slide32.xml><?xml version="1.0" encoding="utf-8"?>
+<file path=ppt/slides/slide29.xml><?xml version="1.0" encoding="utf-8"?>
 <p:sld xmlns:a="http://schemas.openxmlformats.org/drawingml/2006/main" xmlns:r="http://schemas.openxmlformats.org/officeDocument/2006/relationships" xmlns:p="http://schemas.openxmlformats.org/presentationml/2006/main">
   <p:cSld>
     <p:spTree>
@@ -23286,14 +21707,14 @@
           <p:nvPr>
             <p:extLst>
               <p:ext uri="{D42A27DB-BD31-4B8C-83A1-F6EECF244321}">
-                <p14:modId xmlns:p14="http://schemas.microsoft.com/office/powerpoint/2010/main" val="3809356145"/>
+                <p14:modId xmlns:p14="http://schemas.microsoft.com/office/powerpoint/2010/main" val="1840659637"/>
               </p:ext>
             </p:extLst>
           </p:nvPr>
         </p:nvGraphicFramePr>
         <p:xfrm>
           <a:off x="0" y="1331407"/>
-          <a:ext cx="9023251" cy="3647320"/>
+          <a:ext cx="9023251" cy="3547870"/>
         </p:xfrm>
         <a:graphic>
           <a:graphicData uri="http://schemas.openxmlformats.org/drawingml/2006/table">
@@ -23817,88 +22238,10 @@
                         <a:t> </a:t>
                       </a:r>
                       <a:r>
-                        <a:rPr lang="en-GB" sz="1400" dirty="0" err="1">
+                        <a:rPr lang="en-GB" sz="1400" dirty="0" err="1" smtClean="0">
                           <a:effectLst/>
                         </a:rPr>
                         <a:t>pengguna</a:t>
-                      </a:r>
-                      <a:r>
-                        <a:rPr lang="en-GB" sz="1400" dirty="0">
-                          <a:effectLst/>
-                        </a:rPr>
-                        <a:t> </a:t>
-                      </a:r>
-                      <a:r>
-                        <a:rPr lang="en-GB" sz="1400" dirty="0" err="1">
-                          <a:effectLst/>
-                        </a:rPr>
-                        <a:t>berdasarkan</a:t>
-                      </a:r>
-                      <a:r>
-                        <a:rPr lang="en-GB" sz="1400" dirty="0">
-                          <a:effectLst/>
-                        </a:rPr>
-                        <a:t> </a:t>
-                      </a:r>
-                      <a:r>
-                        <a:rPr lang="en-GB" sz="1400" dirty="0" err="1">
-                          <a:effectLst/>
-                        </a:rPr>
-                        <a:t>komposisi</a:t>
-                      </a:r>
-                      <a:r>
-                        <a:rPr lang="en-GB" sz="1400" dirty="0">
-                          <a:effectLst/>
-                        </a:rPr>
-                        <a:t> </a:t>
-                      </a:r>
-                      <a:r>
-                        <a:rPr lang="en-GB" sz="1400" dirty="0" err="1">
-                          <a:effectLst/>
-                        </a:rPr>
-                        <a:t>makanan</a:t>
-                      </a:r>
-                      <a:r>
-                        <a:rPr lang="en-GB" sz="1400" dirty="0">
-                          <a:effectLst/>
-                        </a:rPr>
-                        <a:t> </a:t>
-                      </a:r>
-                      <a:r>
-                        <a:rPr lang="en-GB" sz="1400" dirty="0" err="1">
-                          <a:effectLst/>
-                        </a:rPr>
-                        <a:t>dari</a:t>
-                      </a:r>
-                      <a:r>
-                        <a:rPr lang="en-GB" sz="1400" dirty="0">
-                          <a:effectLst/>
-                        </a:rPr>
-                        <a:t> </a:t>
-                      </a:r>
-                      <a:r>
-                        <a:rPr lang="en-GB" sz="1400" dirty="0" err="1">
-                          <a:effectLst/>
-                        </a:rPr>
-                        <a:t>resep</a:t>
-                      </a:r>
-                      <a:r>
-                        <a:rPr lang="en-GB" sz="1400" dirty="0">
-                          <a:effectLst/>
-                        </a:rPr>
-                        <a:t> </a:t>
-                      </a:r>
-                      <a:r>
-                        <a:rPr lang="en-GB" sz="1400" dirty="0" err="1">
-                          <a:effectLst/>
-                        </a:rPr>
-                        <a:t>tersebut</a:t>
-                      </a:r>
-                      <a:r>
-                        <a:rPr lang="en-GB" sz="1400" dirty="0">
-                          <a:effectLst/>
-                        </a:rPr>
-                        <a:t>.</a:t>
                       </a:r>
                       <a:endParaRPr lang="en-US" sz="1100" dirty="0">
                         <a:effectLst/>
@@ -24609,7 +22952,173 @@
 </p:sld>
 </file>
 
-<file path=ppt/slides/slide33.xml><?xml version="1.0" encoding="utf-8"?>
+<file path=ppt/slides/slide3.xml><?xml version="1.0" encoding="utf-8"?>
+<p:sld xmlns:a="http://schemas.openxmlformats.org/drawingml/2006/main" xmlns:r="http://schemas.openxmlformats.org/officeDocument/2006/relationships" xmlns:p="http://schemas.openxmlformats.org/presentationml/2006/main">
+  <p:cSld>
+    <p:spTree>
+      <p:nvGrpSpPr>
+        <p:cNvPr id="1" name="Shape 59"/>
+        <p:cNvGrpSpPr/>
+        <p:nvPr/>
+      </p:nvGrpSpPr>
+      <p:grpSpPr>
+        <a:xfrm>
+          <a:off x="0" y="0"/>
+          <a:ext cx="0" cy="0"/>
+          <a:chOff x="0" y="0"/>
+          <a:chExt cx="0" cy="0"/>
+        </a:xfrm>
+      </p:grpSpPr>
+      <p:sp>
+        <p:nvSpPr>
+          <p:cNvPr id="60" name="Shape 60"/>
+          <p:cNvSpPr txBox="1">
+            <a:spLocks noGrp="1"/>
+          </p:cNvSpPr>
+          <p:nvPr>
+            <p:ph type="title"/>
+          </p:nvPr>
+        </p:nvSpPr>
+        <p:spPr>
+          <a:xfrm>
+            <a:off x="457200" y="205978"/>
+            <a:ext cx="8229600" cy="857400"/>
+          </a:xfrm>
+          <a:prstGeom prst="rect">
+            <a:avLst/>
+          </a:prstGeom>
+          <a:noFill/>
+          <a:ln>
+            <a:noFill/>
+          </a:ln>
+        </p:spPr>
+        <p:txBody>
+          <a:bodyPr lIns="68575" tIns="34275" rIns="68575" bIns="34275" anchor="ctr" anchorCtr="0">
+            <a:noAutofit/>
+          </a:bodyPr>
+          <a:lstStyle/>
+          <a:p>
+            <a:pPr marL="0" marR="0" lvl="0" indent="0" algn="l" rtl="0">
+              <a:lnSpc>
+                <a:spcPct val="90000"/>
+              </a:lnSpc>
+              <a:spcBef>
+                <a:spcPts val="0"/>
+              </a:spcBef>
+              <a:buClr>
+                <a:schemeClr val="dk1"/>
+              </a:buClr>
+              <a:buSzPct val="25000"/>
+              <a:buFont typeface="Calibri"/>
+              <a:buNone/>
+            </a:pPr>
+            <a:r>
+              <a:rPr lang="id" sz="3300" b="0" i="0" u="none" strike="noStrike" cap="none" baseline="0">
+                <a:solidFill>
+                  <a:srgbClr val="FFFFFF"/>
+                </a:solidFill>
+              </a:rPr>
+              <a:t>Latar Belakang</a:t>
+            </a:r>
+          </a:p>
+        </p:txBody>
+      </p:sp>
+      <p:sp>
+        <p:nvSpPr>
+          <p:cNvPr id="61" name="Shape 61"/>
+          <p:cNvSpPr txBox="1">
+            <a:spLocks noGrp="1"/>
+          </p:cNvSpPr>
+          <p:nvPr>
+            <p:ph type="body" idx="1"/>
+          </p:nvPr>
+        </p:nvSpPr>
+        <p:spPr>
+          <a:xfrm>
+            <a:off x="457200" y="4180800"/>
+            <a:ext cx="8316900" cy="962699"/>
+          </a:xfrm>
+          <a:prstGeom prst="rect">
+            <a:avLst/>
+          </a:prstGeom>
+          <a:noFill/>
+          <a:ln>
+            <a:noFill/>
+          </a:ln>
+        </p:spPr>
+        <p:txBody>
+          <a:bodyPr lIns="68575" tIns="34275" rIns="68575" bIns="34275" anchor="t" anchorCtr="0">
+            <a:noAutofit/>
+          </a:bodyPr>
+          <a:lstStyle/>
+          <a:p>
+            <a:pPr marR="0" lvl="0" algn="ctr" rtl="0">
+              <a:lnSpc>
+                <a:spcPct val="90000"/>
+              </a:lnSpc>
+              <a:spcBef>
+                <a:spcPts val="0"/>
+              </a:spcBef>
+              <a:buNone/>
+            </a:pPr>
+            <a:r>
+              <a:rPr lang="id" sz="2100" b="0" i="0" u="none" strike="noStrike" cap="none" baseline="0">
+                <a:solidFill>
+                  <a:schemeClr val="dk1"/>
+                </a:solidFill>
+              </a:rPr>
+              <a:t>E-commerce mempermudah dan mempercepat proses membeli dan membandingkan produk</a:t>
+            </a:r>
+          </a:p>
+        </p:txBody>
+      </p:sp>
+      <p:pic>
+        <p:nvPicPr>
+          <p:cNvPr id="62" name="Shape 62"/>
+          <p:cNvPicPr preferRelativeResize="0"/>
+          <p:nvPr/>
+        </p:nvPicPr>
+        <p:blipFill>
+          <a:blip r:embed="rId3">
+            <a:alphaModFix/>
+          </a:blip>
+          <a:stretch>
+            <a:fillRect/>
+          </a:stretch>
+        </p:blipFill>
+        <p:spPr>
+          <a:xfrm>
+            <a:off x="1714500" y="1208562"/>
+            <a:ext cx="5715000" cy="2943225"/>
+          </a:xfrm>
+          <a:prstGeom prst="rect">
+            <a:avLst/>
+          </a:prstGeom>
+          <a:noFill/>
+          <a:ln>
+            <a:noFill/>
+          </a:ln>
+        </p:spPr>
+      </p:pic>
+    </p:spTree>
+  </p:cSld>
+  <p:clrMapOvr>
+    <a:masterClrMapping/>
+  </p:clrMapOvr>
+  <p:transition spd="slow">
+    <p:cut/>
+  </p:transition>
+  <p:timing>
+    <p:tnLst>
+      <p:par>
+        <p:cTn id="1" dur="indefinite" restart="never" nodeType="tmRoot"/>
+      </p:par>
+    </p:tnLst>
+  </p:timing>
+</p:sld>
+</file>
+
+<file path=ppt/slides/slide30.xml><?xml version="1.0" encoding="utf-8"?>
 <p:sld xmlns:a="http://schemas.openxmlformats.org/drawingml/2006/main" xmlns:r="http://schemas.openxmlformats.org/officeDocument/2006/relationships" xmlns:p="http://schemas.openxmlformats.org/presentationml/2006/main">
   <p:cSld>
     <p:spTree>
@@ -25845,7 +24354,7 @@
 </p:sld>
 </file>
 
-<file path=ppt/slides/slide34.xml><?xml version="1.0" encoding="utf-8"?>
+<file path=ppt/slides/slide31.xml><?xml version="1.0" encoding="utf-8"?>
 <p:sld xmlns:a="http://schemas.openxmlformats.org/drawingml/2006/main" xmlns:r="http://schemas.openxmlformats.org/officeDocument/2006/relationships" xmlns:p="http://schemas.openxmlformats.org/presentationml/2006/main">
   <p:cSld>
     <p:spTree>
@@ -26829,7 +25338,7 @@
 </p:sld>
 </file>
 
-<file path=ppt/slides/slide35.xml><?xml version="1.0" encoding="utf-8"?>
+<file path=ppt/slides/slide32.xml><?xml version="1.0" encoding="utf-8"?>
 <p:sld xmlns:a="http://schemas.openxmlformats.org/drawingml/2006/main" xmlns:r="http://schemas.openxmlformats.org/officeDocument/2006/relationships" xmlns:p="http://schemas.openxmlformats.org/presentationml/2006/main">
   <p:cSld>
     <p:spTree>
@@ -27583,7 +26092,7 @@
 </p:sld>
 </file>
 
-<file path=ppt/slides/slide36.xml><?xml version="1.0" encoding="utf-8"?>
+<file path=ppt/slides/slide33.xml><?xml version="1.0" encoding="utf-8"?>
 <p:sld xmlns:a="http://schemas.openxmlformats.org/drawingml/2006/main" xmlns:r="http://schemas.openxmlformats.org/officeDocument/2006/relationships" xmlns:p="http://schemas.openxmlformats.org/presentationml/2006/main">
   <p:cSld>
     <p:spTree>
@@ -28288,7 +26797,7 @@
 </p:sld>
 </file>
 
-<file path=ppt/slides/slide37.xml><?xml version="1.0" encoding="utf-8"?>
+<file path=ppt/slides/slide34.xml><?xml version="1.0" encoding="utf-8"?>
 <p:sld xmlns:a="http://schemas.openxmlformats.org/drawingml/2006/main" xmlns:r="http://schemas.openxmlformats.org/officeDocument/2006/relationships" xmlns:p="http://schemas.openxmlformats.org/presentationml/2006/main">
   <p:cSld>
     <p:spTree>
@@ -28715,7 +27224,7 @@
       </p:sp>
       <p:pic>
         <p:nvPicPr>
-          <p:cNvPr id="2" name="Picture 1"/>
+          <p:cNvPr id="3" name="Picture 2"/>
           <p:cNvPicPr>
             <a:picLocks noChangeAspect="1"/>
           </p:cNvPicPr>
@@ -28729,8 +27238,8 @@
         </p:blipFill>
         <p:spPr>
           <a:xfrm>
-            <a:off x="2328477" y="1920778"/>
-            <a:ext cx="4487045" cy="2755631"/>
+            <a:off x="2279705" y="2075677"/>
+            <a:ext cx="4584589" cy="2755631"/>
           </a:xfrm>
           <a:prstGeom prst="rect">
             <a:avLst/>
@@ -28833,7 +27342,7 @@
                                           </p:stCondLst>
                                         </p:cTn>
                                         <p:tgtEl>
-                                          <p:spTgt spid="2"/>
+                                          <p:spTgt spid="3"/>
                                         </p:tgtEl>
                                         <p:attrNameLst>
                                           <p:attrName>style.visibility</p:attrName>
@@ -28877,7 +27386,7 @@
 </p:sld>
 </file>
 
-<file path=ppt/slides/slide38.xml><?xml version="1.0" encoding="utf-8"?>
+<file path=ppt/slides/slide35.xml><?xml version="1.0" encoding="utf-8"?>
 <p:sld xmlns:a="http://schemas.openxmlformats.org/drawingml/2006/main" xmlns:r="http://schemas.openxmlformats.org/officeDocument/2006/relationships" xmlns:p="http://schemas.openxmlformats.org/presentationml/2006/main">
   <p:cSld>
     <p:spTree>
@@ -29480,7 +27989,7 @@
 </p:sld>
 </file>
 
-<file path=ppt/slides/slide39.xml><?xml version="1.0" encoding="utf-8"?>
+<file path=ppt/slides/slide36.xml><?xml version="1.0" encoding="utf-8"?>
 <p:sld xmlns:a="http://schemas.openxmlformats.org/drawingml/2006/main" xmlns:r="http://schemas.openxmlformats.org/officeDocument/2006/relationships" xmlns:p="http://schemas.openxmlformats.org/presentationml/2006/main">
   <p:cSld>
     <p:spTree>
@@ -29567,313 +28076,7 @@
 </p:sld>
 </file>
 
-<file path=ppt/slides/slide4.xml><?xml version="1.0" encoding="utf-8"?>
-<p:sld xmlns:a="http://schemas.openxmlformats.org/drawingml/2006/main" xmlns:r="http://schemas.openxmlformats.org/officeDocument/2006/relationships" xmlns:p="http://schemas.openxmlformats.org/presentationml/2006/main">
-  <p:cSld>
-    <p:spTree>
-      <p:nvGrpSpPr>
-        <p:cNvPr id="1" name="Shape 66"/>
-        <p:cNvGrpSpPr/>
-        <p:nvPr/>
-      </p:nvGrpSpPr>
-      <p:grpSpPr>
-        <a:xfrm>
-          <a:off x="0" y="0"/>
-          <a:ext cx="0" cy="0"/>
-          <a:chOff x="0" y="0"/>
-          <a:chExt cx="0" cy="0"/>
-        </a:xfrm>
-      </p:grpSpPr>
-      <p:sp>
-        <p:nvSpPr>
-          <p:cNvPr id="67" name="Shape 67"/>
-          <p:cNvSpPr txBox="1">
-            <a:spLocks noGrp="1"/>
-          </p:cNvSpPr>
-          <p:nvPr>
-            <p:ph type="title"/>
-          </p:nvPr>
-        </p:nvSpPr>
-        <p:spPr>
-          <a:xfrm>
-            <a:off x="457200" y="205978"/>
-            <a:ext cx="8229600" cy="857400"/>
-          </a:xfrm>
-          <a:prstGeom prst="rect">
-            <a:avLst/>
-          </a:prstGeom>
-          <a:noFill/>
-          <a:ln>
-            <a:noFill/>
-          </a:ln>
-        </p:spPr>
-        <p:txBody>
-          <a:bodyPr lIns="68575" tIns="34275" rIns="68575" bIns="34275" anchor="ctr" anchorCtr="0">
-            <a:noAutofit/>
-          </a:bodyPr>
-          <a:lstStyle/>
-          <a:p>
-            <a:pPr marL="0" marR="0" lvl="0" indent="0" algn="l" rtl="0">
-              <a:lnSpc>
-                <a:spcPct val="90000"/>
-              </a:lnSpc>
-              <a:spcBef>
-                <a:spcPts val="0"/>
-              </a:spcBef>
-              <a:buClr>
-                <a:schemeClr val="dk1"/>
-              </a:buClr>
-              <a:buSzPct val="25000"/>
-              <a:buFont typeface="Calibri"/>
-              <a:buNone/>
-            </a:pPr>
-            <a:r>
-              <a:rPr lang="id" sz="3300" b="0" i="0" u="none" strike="noStrike" cap="none" baseline="0">
-                <a:solidFill>
-                  <a:srgbClr val="FFFFFF"/>
-                </a:solidFill>
-              </a:rPr>
-              <a:t>Latar Belakang</a:t>
-            </a:r>
-          </a:p>
-        </p:txBody>
-      </p:sp>
-      <p:sp>
-        <p:nvSpPr>
-          <p:cNvPr id="68" name="Shape 68"/>
-          <p:cNvSpPr txBox="1">
-            <a:spLocks noGrp="1"/>
-          </p:cNvSpPr>
-          <p:nvPr>
-            <p:ph type="body" idx="1"/>
-          </p:nvPr>
-        </p:nvSpPr>
-        <p:spPr>
-          <a:xfrm>
-            <a:off x="505925" y="3979100"/>
-            <a:ext cx="8528100" cy="936000"/>
-          </a:xfrm>
-          <a:prstGeom prst="rect">
-            <a:avLst/>
-          </a:prstGeom>
-          <a:noFill/>
-          <a:ln>
-            <a:noFill/>
-          </a:ln>
-        </p:spPr>
-        <p:txBody>
-          <a:bodyPr lIns="68575" tIns="34275" rIns="68575" bIns="34275" anchor="t" anchorCtr="0">
-            <a:noAutofit/>
-          </a:bodyPr>
-          <a:lstStyle/>
-          <a:p>
-            <a:pPr marR="0" lvl="0" algn="ctr" rtl="0">
-              <a:lnSpc>
-                <a:spcPct val="90000"/>
-              </a:lnSpc>
-              <a:spcBef>
-                <a:spcPts val="800"/>
-              </a:spcBef>
-              <a:buNone/>
-            </a:pPr>
-            <a:r>
-              <a:rPr lang="id" sz="2100" b="0" i="0" u="none" strike="noStrike" cap="none" baseline="0">
-                <a:solidFill>
-                  <a:schemeClr val="dk1"/>
-                </a:solidFill>
-              </a:rPr>
-              <a:t>E-commerce yang menjual produk kebutuhan harian berkembang di beberapa negara </a:t>
-            </a:r>
-          </a:p>
-        </p:txBody>
-      </p:sp>
-      <p:pic>
-        <p:nvPicPr>
-          <p:cNvPr id="69" name="Shape 69"/>
-          <p:cNvPicPr preferRelativeResize="0"/>
-          <p:nvPr/>
-        </p:nvPicPr>
-        <p:blipFill>
-          <a:blip r:embed="rId3">
-            <a:alphaModFix/>
-          </a:blip>
-          <a:stretch>
-            <a:fillRect/>
-          </a:stretch>
-        </p:blipFill>
-        <p:spPr>
-          <a:xfrm>
-            <a:off x="1264800" y="1187300"/>
-            <a:ext cx="1987550" cy="1331425"/>
-          </a:xfrm>
-          <a:prstGeom prst="rect">
-            <a:avLst/>
-          </a:prstGeom>
-          <a:noFill/>
-          <a:ln>
-            <a:noFill/>
-          </a:ln>
-        </p:spPr>
-      </p:pic>
-      <p:pic>
-        <p:nvPicPr>
-          <p:cNvPr id="70" name="Shape 70"/>
-          <p:cNvPicPr preferRelativeResize="0"/>
-          <p:nvPr/>
-        </p:nvPicPr>
-        <p:blipFill>
-          <a:blip r:embed="rId4">
-            <a:alphaModFix/>
-          </a:blip>
-          <a:stretch>
-            <a:fillRect/>
-          </a:stretch>
-        </p:blipFill>
-        <p:spPr>
-          <a:xfrm>
-            <a:off x="3558812" y="1173575"/>
-            <a:ext cx="2203650" cy="1398774"/>
-          </a:xfrm>
-          <a:prstGeom prst="rect">
-            <a:avLst/>
-          </a:prstGeom>
-          <a:noFill/>
-          <a:ln>
-            <a:noFill/>
-          </a:ln>
-        </p:spPr>
-      </p:pic>
-      <p:pic>
-        <p:nvPicPr>
-          <p:cNvPr id="71" name="Shape 71"/>
-          <p:cNvPicPr preferRelativeResize="0"/>
-          <p:nvPr/>
-        </p:nvPicPr>
-        <p:blipFill>
-          <a:blip r:embed="rId5">
-            <a:alphaModFix/>
-          </a:blip>
-          <a:stretch>
-            <a:fillRect/>
-          </a:stretch>
-        </p:blipFill>
-        <p:spPr>
-          <a:xfrm>
-            <a:off x="6068950" y="1272687"/>
-            <a:ext cx="2079025" cy="1186349"/>
-          </a:xfrm>
-          <a:prstGeom prst="rect">
-            <a:avLst/>
-          </a:prstGeom>
-          <a:noFill/>
-          <a:ln>
-            <a:noFill/>
-          </a:ln>
-        </p:spPr>
-      </p:pic>
-      <p:pic>
-        <p:nvPicPr>
-          <p:cNvPr id="72" name="Shape 72"/>
-          <p:cNvPicPr preferRelativeResize="0"/>
-          <p:nvPr/>
-        </p:nvPicPr>
-        <p:blipFill>
-          <a:blip r:embed="rId6">
-            <a:alphaModFix/>
-          </a:blip>
-          <a:stretch>
-            <a:fillRect/>
-          </a:stretch>
-        </p:blipFill>
-        <p:spPr>
-          <a:xfrm>
-            <a:off x="3474275" y="2682552"/>
-            <a:ext cx="2372730" cy="1186349"/>
-          </a:xfrm>
-          <a:prstGeom prst="rect">
-            <a:avLst/>
-          </a:prstGeom>
-          <a:noFill/>
-          <a:ln>
-            <a:noFill/>
-          </a:ln>
-        </p:spPr>
-      </p:pic>
-      <p:pic>
-        <p:nvPicPr>
-          <p:cNvPr id="73" name="Shape 73"/>
-          <p:cNvPicPr preferRelativeResize="0"/>
-          <p:nvPr/>
-        </p:nvPicPr>
-        <p:blipFill>
-          <a:blip r:embed="rId7">
-            <a:alphaModFix/>
-          </a:blip>
-          <a:stretch>
-            <a:fillRect/>
-          </a:stretch>
-        </p:blipFill>
-        <p:spPr>
-          <a:xfrm>
-            <a:off x="6068950" y="2668337"/>
-            <a:ext cx="2079024" cy="1186349"/>
-          </a:xfrm>
-          <a:prstGeom prst="rect">
-            <a:avLst/>
-          </a:prstGeom>
-          <a:noFill/>
-          <a:ln>
-            <a:noFill/>
-          </a:ln>
-        </p:spPr>
-      </p:pic>
-      <p:pic>
-        <p:nvPicPr>
-          <p:cNvPr id="74" name="Shape 74"/>
-          <p:cNvPicPr preferRelativeResize="0"/>
-          <p:nvPr/>
-        </p:nvPicPr>
-        <p:blipFill>
-          <a:blip r:embed="rId8">
-            <a:alphaModFix/>
-          </a:blip>
-          <a:stretch>
-            <a:fillRect/>
-          </a:stretch>
-        </p:blipFill>
-        <p:spPr>
-          <a:xfrm>
-            <a:off x="1320224" y="2642675"/>
-            <a:ext cx="1987550" cy="1186349"/>
-          </a:xfrm>
-          <a:prstGeom prst="rect">
-            <a:avLst/>
-          </a:prstGeom>
-          <a:noFill/>
-          <a:ln>
-            <a:noFill/>
-          </a:ln>
-        </p:spPr>
-      </p:pic>
-    </p:spTree>
-  </p:cSld>
-  <p:clrMapOvr>
-    <a:masterClrMapping/>
-  </p:clrMapOvr>
-  <p:transition spd="slow">
-    <p:cut/>
-  </p:transition>
-  <p:timing>
-    <p:tnLst>
-      <p:par>
-        <p:cTn id="1" dur="indefinite" restart="never" nodeType="tmRoot"/>
-      </p:par>
-    </p:tnLst>
-  </p:timing>
-</p:sld>
-</file>
-
-<file path=ppt/slides/slide40.xml><?xml version="1.0" encoding="utf-8"?>
+<file path=ppt/slides/slide37.xml><?xml version="1.0" encoding="utf-8"?>
 <p:sld xmlns:a="http://schemas.openxmlformats.org/drawingml/2006/main" xmlns:r="http://schemas.openxmlformats.org/officeDocument/2006/relationships" xmlns:p="http://schemas.openxmlformats.org/presentationml/2006/main">
   <p:cSld>
     <p:spTree>
@@ -29954,7 +28157,7 @@
         </p:nvSpPr>
         <p:spPr>
           <a:xfrm>
-            <a:off x="628650" y="1063378"/>
+            <a:off x="628650" y="1237549"/>
             <a:ext cx="7886700" cy="3563390"/>
           </a:xfrm>
           <a:prstGeom prst="rect">
@@ -30480,7 +28683,7 @@
 </p:sld>
 </file>
 
-<file path=ppt/slides/slide41.xml><?xml version="1.0" encoding="utf-8"?>
+<file path=ppt/slides/slide38.xml><?xml version="1.0" encoding="utf-8"?>
 <p:sld xmlns:a="http://schemas.openxmlformats.org/drawingml/2006/main" xmlns:r="http://schemas.openxmlformats.org/officeDocument/2006/relationships" xmlns:p="http://schemas.openxmlformats.org/presentationml/2006/main">
   <p:cSld>
     <p:spTree>
@@ -30561,7 +28764,7 @@
         </p:nvSpPr>
         <p:spPr>
           <a:xfrm>
-            <a:off x="628650" y="1127773"/>
+            <a:off x="628650" y="1214859"/>
             <a:ext cx="7886700" cy="3563390"/>
           </a:xfrm>
           <a:prstGeom prst="rect">
@@ -31108,7 +29311,7 @@
 </p:sld>
 </file>
 
-<file path=ppt/slides/slide42.xml><?xml version="1.0" encoding="utf-8"?>
+<file path=ppt/slides/slide39.xml><?xml version="1.0" encoding="utf-8"?>
 <p:sld xmlns:a="http://schemas.openxmlformats.org/drawingml/2006/main" xmlns:r="http://schemas.openxmlformats.org/officeDocument/2006/relationships" xmlns:p="http://schemas.openxmlformats.org/presentationml/2006/main">
   <p:cSld>
     <p:spTree>
@@ -31547,7 +29750,313 @@
 </p:sld>
 </file>
 
-<file path=ppt/slides/slide43.xml><?xml version="1.0" encoding="utf-8"?>
+<file path=ppt/slides/slide4.xml><?xml version="1.0" encoding="utf-8"?>
+<p:sld xmlns:a="http://schemas.openxmlformats.org/drawingml/2006/main" xmlns:r="http://schemas.openxmlformats.org/officeDocument/2006/relationships" xmlns:p="http://schemas.openxmlformats.org/presentationml/2006/main">
+  <p:cSld>
+    <p:spTree>
+      <p:nvGrpSpPr>
+        <p:cNvPr id="1" name="Shape 66"/>
+        <p:cNvGrpSpPr/>
+        <p:nvPr/>
+      </p:nvGrpSpPr>
+      <p:grpSpPr>
+        <a:xfrm>
+          <a:off x="0" y="0"/>
+          <a:ext cx="0" cy="0"/>
+          <a:chOff x="0" y="0"/>
+          <a:chExt cx="0" cy="0"/>
+        </a:xfrm>
+      </p:grpSpPr>
+      <p:sp>
+        <p:nvSpPr>
+          <p:cNvPr id="67" name="Shape 67"/>
+          <p:cNvSpPr txBox="1">
+            <a:spLocks noGrp="1"/>
+          </p:cNvSpPr>
+          <p:nvPr>
+            <p:ph type="title"/>
+          </p:nvPr>
+        </p:nvSpPr>
+        <p:spPr>
+          <a:xfrm>
+            <a:off x="457200" y="205978"/>
+            <a:ext cx="8229600" cy="857400"/>
+          </a:xfrm>
+          <a:prstGeom prst="rect">
+            <a:avLst/>
+          </a:prstGeom>
+          <a:noFill/>
+          <a:ln>
+            <a:noFill/>
+          </a:ln>
+        </p:spPr>
+        <p:txBody>
+          <a:bodyPr lIns="68575" tIns="34275" rIns="68575" bIns="34275" anchor="ctr" anchorCtr="0">
+            <a:noAutofit/>
+          </a:bodyPr>
+          <a:lstStyle/>
+          <a:p>
+            <a:pPr marL="0" marR="0" lvl="0" indent="0" algn="l" rtl="0">
+              <a:lnSpc>
+                <a:spcPct val="90000"/>
+              </a:lnSpc>
+              <a:spcBef>
+                <a:spcPts val="0"/>
+              </a:spcBef>
+              <a:buClr>
+                <a:schemeClr val="dk1"/>
+              </a:buClr>
+              <a:buSzPct val="25000"/>
+              <a:buFont typeface="Calibri"/>
+              <a:buNone/>
+            </a:pPr>
+            <a:r>
+              <a:rPr lang="id" sz="3300" b="0" i="0" u="none" strike="noStrike" cap="none" baseline="0">
+                <a:solidFill>
+                  <a:srgbClr val="FFFFFF"/>
+                </a:solidFill>
+              </a:rPr>
+              <a:t>Latar Belakang</a:t>
+            </a:r>
+          </a:p>
+        </p:txBody>
+      </p:sp>
+      <p:sp>
+        <p:nvSpPr>
+          <p:cNvPr id="68" name="Shape 68"/>
+          <p:cNvSpPr txBox="1">
+            <a:spLocks noGrp="1"/>
+          </p:cNvSpPr>
+          <p:nvPr>
+            <p:ph type="body" idx="1"/>
+          </p:nvPr>
+        </p:nvSpPr>
+        <p:spPr>
+          <a:xfrm>
+            <a:off x="505925" y="3979100"/>
+            <a:ext cx="8528100" cy="936000"/>
+          </a:xfrm>
+          <a:prstGeom prst="rect">
+            <a:avLst/>
+          </a:prstGeom>
+          <a:noFill/>
+          <a:ln>
+            <a:noFill/>
+          </a:ln>
+        </p:spPr>
+        <p:txBody>
+          <a:bodyPr lIns="68575" tIns="34275" rIns="68575" bIns="34275" anchor="t" anchorCtr="0">
+            <a:noAutofit/>
+          </a:bodyPr>
+          <a:lstStyle/>
+          <a:p>
+            <a:pPr marR="0" lvl="0" algn="ctr" rtl="0">
+              <a:lnSpc>
+                <a:spcPct val="90000"/>
+              </a:lnSpc>
+              <a:spcBef>
+                <a:spcPts val="800"/>
+              </a:spcBef>
+              <a:buNone/>
+            </a:pPr>
+            <a:r>
+              <a:rPr lang="id" sz="2100" b="0" i="0" u="none" strike="noStrike" cap="none" baseline="0">
+                <a:solidFill>
+                  <a:schemeClr val="dk1"/>
+                </a:solidFill>
+              </a:rPr>
+              <a:t>E-commerce yang menjual produk kebutuhan harian berkembang di beberapa negara </a:t>
+            </a:r>
+          </a:p>
+        </p:txBody>
+      </p:sp>
+      <p:pic>
+        <p:nvPicPr>
+          <p:cNvPr id="69" name="Shape 69"/>
+          <p:cNvPicPr preferRelativeResize="0"/>
+          <p:nvPr/>
+        </p:nvPicPr>
+        <p:blipFill>
+          <a:blip r:embed="rId3">
+            <a:alphaModFix/>
+          </a:blip>
+          <a:stretch>
+            <a:fillRect/>
+          </a:stretch>
+        </p:blipFill>
+        <p:spPr>
+          <a:xfrm>
+            <a:off x="1264800" y="1187300"/>
+            <a:ext cx="1987550" cy="1331425"/>
+          </a:xfrm>
+          <a:prstGeom prst="rect">
+            <a:avLst/>
+          </a:prstGeom>
+          <a:noFill/>
+          <a:ln>
+            <a:noFill/>
+          </a:ln>
+        </p:spPr>
+      </p:pic>
+      <p:pic>
+        <p:nvPicPr>
+          <p:cNvPr id="70" name="Shape 70"/>
+          <p:cNvPicPr preferRelativeResize="0"/>
+          <p:nvPr/>
+        </p:nvPicPr>
+        <p:blipFill>
+          <a:blip r:embed="rId4">
+            <a:alphaModFix/>
+          </a:blip>
+          <a:stretch>
+            <a:fillRect/>
+          </a:stretch>
+        </p:blipFill>
+        <p:spPr>
+          <a:xfrm>
+            <a:off x="3558812" y="1173575"/>
+            <a:ext cx="2203650" cy="1398774"/>
+          </a:xfrm>
+          <a:prstGeom prst="rect">
+            <a:avLst/>
+          </a:prstGeom>
+          <a:noFill/>
+          <a:ln>
+            <a:noFill/>
+          </a:ln>
+        </p:spPr>
+      </p:pic>
+      <p:pic>
+        <p:nvPicPr>
+          <p:cNvPr id="71" name="Shape 71"/>
+          <p:cNvPicPr preferRelativeResize="0"/>
+          <p:nvPr/>
+        </p:nvPicPr>
+        <p:blipFill>
+          <a:blip r:embed="rId5">
+            <a:alphaModFix/>
+          </a:blip>
+          <a:stretch>
+            <a:fillRect/>
+          </a:stretch>
+        </p:blipFill>
+        <p:spPr>
+          <a:xfrm>
+            <a:off x="6068950" y="1272687"/>
+            <a:ext cx="2079025" cy="1186349"/>
+          </a:xfrm>
+          <a:prstGeom prst="rect">
+            <a:avLst/>
+          </a:prstGeom>
+          <a:noFill/>
+          <a:ln>
+            <a:noFill/>
+          </a:ln>
+        </p:spPr>
+      </p:pic>
+      <p:pic>
+        <p:nvPicPr>
+          <p:cNvPr id="72" name="Shape 72"/>
+          <p:cNvPicPr preferRelativeResize="0"/>
+          <p:nvPr/>
+        </p:nvPicPr>
+        <p:blipFill>
+          <a:blip r:embed="rId6">
+            <a:alphaModFix/>
+          </a:blip>
+          <a:stretch>
+            <a:fillRect/>
+          </a:stretch>
+        </p:blipFill>
+        <p:spPr>
+          <a:xfrm>
+            <a:off x="3474275" y="2682552"/>
+            <a:ext cx="2372730" cy="1186349"/>
+          </a:xfrm>
+          <a:prstGeom prst="rect">
+            <a:avLst/>
+          </a:prstGeom>
+          <a:noFill/>
+          <a:ln>
+            <a:noFill/>
+          </a:ln>
+        </p:spPr>
+      </p:pic>
+      <p:pic>
+        <p:nvPicPr>
+          <p:cNvPr id="73" name="Shape 73"/>
+          <p:cNvPicPr preferRelativeResize="0"/>
+          <p:nvPr/>
+        </p:nvPicPr>
+        <p:blipFill>
+          <a:blip r:embed="rId7">
+            <a:alphaModFix/>
+          </a:blip>
+          <a:stretch>
+            <a:fillRect/>
+          </a:stretch>
+        </p:blipFill>
+        <p:spPr>
+          <a:xfrm>
+            <a:off x="6068950" y="2668337"/>
+            <a:ext cx="2079024" cy="1186349"/>
+          </a:xfrm>
+          <a:prstGeom prst="rect">
+            <a:avLst/>
+          </a:prstGeom>
+          <a:noFill/>
+          <a:ln>
+            <a:noFill/>
+          </a:ln>
+        </p:spPr>
+      </p:pic>
+      <p:pic>
+        <p:nvPicPr>
+          <p:cNvPr id="74" name="Shape 74"/>
+          <p:cNvPicPr preferRelativeResize="0"/>
+          <p:nvPr/>
+        </p:nvPicPr>
+        <p:blipFill>
+          <a:blip r:embed="rId8">
+            <a:alphaModFix/>
+          </a:blip>
+          <a:stretch>
+            <a:fillRect/>
+          </a:stretch>
+        </p:blipFill>
+        <p:spPr>
+          <a:xfrm>
+            <a:off x="1320224" y="2642675"/>
+            <a:ext cx="1987550" cy="1186349"/>
+          </a:xfrm>
+          <a:prstGeom prst="rect">
+            <a:avLst/>
+          </a:prstGeom>
+          <a:noFill/>
+          <a:ln>
+            <a:noFill/>
+          </a:ln>
+        </p:spPr>
+      </p:pic>
+    </p:spTree>
+  </p:cSld>
+  <p:clrMapOvr>
+    <a:masterClrMapping/>
+  </p:clrMapOvr>
+  <p:transition spd="slow">
+    <p:cut/>
+  </p:transition>
+  <p:timing>
+    <p:tnLst>
+      <p:par>
+        <p:cTn id="1" dur="indefinite" restart="never" nodeType="tmRoot"/>
+      </p:par>
+    </p:tnLst>
+  </p:timing>
+</p:sld>
+</file>
+
+<file path=ppt/slides/slide40.xml><?xml version="1.0" encoding="utf-8"?>
 <p:sld xmlns:a="http://schemas.openxmlformats.org/drawingml/2006/main" xmlns:r="http://schemas.openxmlformats.org/officeDocument/2006/relationships" xmlns:p="http://schemas.openxmlformats.org/presentationml/2006/main">
   <p:cSld>
     <p:spTree>
@@ -31786,7 +30295,7 @@
 </p:sld>
 </file>
 
-<file path=ppt/slides/slide44.xml><?xml version="1.0" encoding="utf-8"?>
+<file path=ppt/slides/slide41.xml><?xml version="1.0" encoding="utf-8"?>
 <p:sld xmlns:a="http://schemas.openxmlformats.org/drawingml/2006/main" xmlns:r="http://schemas.openxmlformats.org/officeDocument/2006/relationships" xmlns:p="http://schemas.openxmlformats.org/presentationml/2006/main">
   <p:cSld>
     <p:spTree>
@@ -31875,7 +30384,7 @@
 </p:sld>
 </file>
 
-<file path=ppt/slides/slide45.xml><?xml version="1.0" encoding="utf-8"?>
+<file path=ppt/slides/slide42.xml><?xml version="1.0" encoding="utf-8"?>
 <p:sld xmlns:a="http://schemas.openxmlformats.org/drawingml/2006/main" xmlns:r="http://schemas.openxmlformats.org/officeDocument/2006/relationships" xmlns:p="http://schemas.openxmlformats.org/presentationml/2006/main">
   <p:cSld>
     <p:spTree>
@@ -31958,7 +30467,7 @@
         </p:nvSpPr>
         <p:spPr>
           <a:xfrm>
-            <a:off x="457200" y="1200150"/>
+            <a:off x="457200" y="1145720"/>
             <a:ext cx="8229600" cy="3725699"/>
           </a:xfrm>
           <a:prstGeom prst="rect">
@@ -31990,7 +30499,7 @@
               <a:buChar char="•"/>
             </a:pPr>
             <a:r>
-              <a:rPr lang="id" sz="1200" b="0" i="0" u="none" strike="noStrike" cap="none" baseline="0">
+              <a:rPr lang="id" sz="1050" b="0" i="0" u="none" strike="noStrike" cap="none" baseline="0" dirty="0">
                 <a:solidFill>
                   <a:schemeClr val="dk1"/>
                 </a:solidFill>
@@ -32014,7 +30523,7 @@
               <a:buChar char="•"/>
             </a:pPr>
             <a:r>
-              <a:rPr lang="id" sz="1200" b="0" i="0" u="none" strike="noStrike" cap="none" baseline="0">
+              <a:rPr lang="id" sz="1050" b="0" i="0" u="none" strike="noStrike" cap="none" baseline="0" dirty="0">
                 <a:solidFill>
                   <a:schemeClr val="dk1"/>
                 </a:solidFill>
@@ -32038,7 +30547,7 @@
               <a:buChar char="o"/>
             </a:pPr>
             <a:r>
-              <a:rPr lang="id" sz="1200" b="0" i="0" u="none" strike="noStrike" cap="none" baseline="0">
+              <a:rPr lang="id" sz="1050" b="0" i="0" u="none" strike="noStrike" cap="none" baseline="0" dirty="0">
                 <a:solidFill>
                   <a:schemeClr val="dk1"/>
                 </a:solidFill>
@@ -32062,7 +30571,7 @@
               <a:buChar char="•"/>
             </a:pPr>
             <a:r>
-              <a:rPr lang="id" sz="1200" b="0" i="0" u="none" strike="noStrike" cap="none" baseline="0">
+              <a:rPr lang="id" sz="1050" b="0" i="0" u="none" strike="noStrike" cap="none" baseline="0" dirty="0">
                 <a:solidFill>
                   <a:schemeClr val="dk1"/>
                 </a:solidFill>
@@ -32086,7 +30595,7 @@
               <a:buChar char="o"/>
             </a:pPr>
             <a:r>
-              <a:rPr lang="id" sz="1200" b="0" i="0" u="none" strike="noStrike" cap="none" baseline="0">
+              <a:rPr lang="id" sz="1050" b="0" i="0" u="none" strike="noStrike" cap="none" baseline="0" dirty="0">
                 <a:solidFill>
                   <a:schemeClr val="dk1"/>
                 </a:solidFill>
@@ -32110,7 +30619,7 @@
               <a:buChar char="o"/>
             </a:pPr>
             <a:r>
-              <a:rPr lang="id" sz="1200" b="0" i="0" u="none" strike="noStrike" cap="none" baseline="0">
+              <a:rPr lang="id" sz="1050" b="0" i="0" u="none" strike="noStrike" cap="none" baseline="0" dirty="0">
                 <a:solidFill>
                   <a:schemeClr val="dk1"/>
                 </a:solidFill>
@@ -32134,7 +30643,7 @@
               <a:buChar char="•"/>
             </a:pPr>
             <a:r>
-              <a:rPr lang="id" sz="1200" b="0" i="0" u="none" strike="noStrike" cap="none" baseline="0">
+              <a:rPr lang="id" sz="1050" b="0" i="0" u="none" strike="noStrike" cap="none" baseline="0" dirty="0">
                 <a:solidFill>
                   <a:schemeClr val="dk1"/>
                 </a:solidFill>
@@ -32158,7 +30667,7 @@
               <a:buChar char="o"/>
             </a:pPr>
             <a:r>
-              <a:rPr lang="id" sz="1200" b="0" i="0" u="none" strike="noStrike" cap="none" baseline="0">
+              <a:rPr lang="id" sz="1050" b="0" i="0" u="none" strike="noStrike" cap="none" baseline="0" dirty="0">
                 <a:solidFill>
                   <a:schemeClr val="dk1"/>
                 </a:solidFill>
@@ -32182,7 +30691,7 @@
               <a:buChar char="o"/>
             </a:pPr>
             <a:r>
-              <a:rPr lang="id" sz="1200" b="0" i="0" u="none" strike="noStrike" cap="none" baseline="0">
+              <a:rPr lang="id" sz="1050" b="0" i="0" u="none" strike="noStrike" cap="none" baseline="0" dirty="0">
                 <a:solidFill>
                   <a:schemeClr val="dk1"/>
                 </a:solidFill>
@@ -32206,7 +30715,7 @@
               <a:buChar char="o"/>
             </a:pPr>
             <a:r>
-              <a:rPr lang="id" sz="1200" b="0" i="0" u="none" strike="noStrike" cap="none" baseline="0">
+              <a:rPr lang="id" sz="1050" b="0" i="0" u="none" strike="noStrike" cap="none" baseline="0" dirty="0">
                 <a:solidFill>
                   <a:schemeClr val="dk1"/>
                 </a:solidFill>
@@ -32234,7 +30743,7 @@
 </p:sld>
 </file>
 
-<file path=ppt/slides/slide46.xml><?xml version="1.0" encoding="utf-8"?>
+<file path=ppt/slides/slide43.xml><?xml version="1.0" encoding="utf-8"?>
 <p:sld xmlns:a="http://schemas.openxmlformats.org/drawingml/2006/main" xmlns:r="http://schemas.openxmlformats.org/officeDocument/2006/relationships" xmlns:p="http://schemas.openxmlformats.org/presentationml/2006/main">
   <p:cSld>
     <p:spTree>
@@ -32350,7 +30859,323 @@
 </p:sld>
 </file>
 
+<file path=ppt/slides/slide44.xml><?xml version="1.0" encoding="utf-8"?>
+<p:sld xmlns:a="http://schemas.openxmlformats.org/drawingml/2006/main" xmlns:r="http://schemas.openxmlformats.org/officeDocument/2006/relationships" xmlns:p="http://schemas.openxmlformats.org/presentationml/2006/main">
+  <p:cSld>
+    <p:spTree>
+      <p:nvGrpSpPr>
+        <p:cNvPr id="1" name=""/>
+        <p:cNvGrpSpPr/>
+        <p:nvPr/>
+      </p:nvGrpSpPr>
+      <p:grpSpPr>
+        <a:xfrm>
+          <a:off x="0" y="0"/>
+          <a:ext cx="0" cy="0"/>
+          <a:chOff x="0" y="0"/>
+          <a:chExt cx="0" cy="0"/>
+        </a:xfrm>
+      </p:grpSpPr>
+      <p:pic>
+        <p:nvPicPr>
+          <p:cNvPr id="5" name="Picture 4"/>
+          <p:cNvPicPr>
+            <a:picLocks noChangeAspect="1"/>
+          </p:cNvPicPr>
+          <p:nvPr/>
+        </p:nvPicPr>
+        <p:blipFill>
+          <a:blip r:embed="rId2"/>
+          <a:stretch>
+            <a:fillRect/>
+          </a:stretch>
+        </p:blipFill>
+        <p:spPr>
+          <a:xfrm>
+            <a:off x="762000" y="351683"/>
+            <a:ext cx="3429000" cy="2058311"/>
+          </a:xfrm>
+          <a:prstGeom prst="rect">
+            <a:avLst/>
+          </a:prstGeom>
+        </p:spPr>
+      </p:pic>
+      <p:pic>
+        <p:nvPicPr>
+          <p:cNvPr id="6" name="Picture 5"/>
+          <p:cNvPicPr>
+            <a:picLocks noChangeAspect="1"/>
+          </p:cNvPicPr>
+          <p:nvPr/>
+        </p:nvPicPr>
+        <p:blipFill>
+          <a:blip r:embed="rId3"/>
+          <a:stretch>
+            <a:fillRect/>
+          </a:stretch>
+        </p:blipFill>
+        <p:spPr>
+          <a:xfrm>
+            <a:off x="4781550" y="351683"/>
+            <a:ext cx="3486150" cy="2076074"/>
+          </a:xfrm>
+          <a:prstGeom prst="rect">
+            <a:avLst/>
+          </a:prstGeom>
+        </p:spPr>
+      </p:pic>
+      <p:pic>
+        <p:nvPicPr>
+          <p:cNvPr id="7" name="Picture 6"/>
+          <p:cNvPicPr>
+            <a:picLocks noChangeAspect="1"/>
+          </p:cNvPicPr>
+          <p:nvPr/>
+        </p:nvPicPr>
+        <p:blipFill>
+          <a:blip r:embed="rId4"/>
+          <a:stretch>
+            <a:fillRect/>
+          </a:stretch>
+        </p:blipFill>
+        <p:spPr>
+          <a:xfrm>
+            <a:off x="527188" y="2776797"/>
+            <a:ext cx="3898624" cy="2004753"/>
+          </a:xfrm>
+          <a:prstGeom prst="rect">
+            <a:avLst/>
+          </a:prstGeom>
+        </p:spPr>
+      </p:pic>
+      <p:pic>
+        <p:nvPicPr>
+          <p:cNvPr id="10" name="Picture 9"/>
+          <p:cNvPicPr>
+            <a:picLocks noChangeAspect="1"/>
+          </p:cNvPicPr>
+          <p:nvPr/>
+        </p:nvPicPr>
+        <p:blipFill>
+          <a:blip r:embed="rId5"/>
+          <a:stretch>
+            <a:fillRect/>
+          </a:stretch>
+        </p:blipFill>
+        <p:spPr>
+          <a:xfrm>
+            <a:off x="5000625" y="2737102"/>
+            <a:ext cx="3419475" cy="2044448"/>
+          </a:xfrm>
+          <a:prstGeom prst="rect">
+            <a:avLst/>
+          </a:prstGeom>
+        </p:spPr>
+      </p:pic>
+    </p:spTree>
+    <p:extLst>
+      <p:ext uri="{BB962C8B-B14F-4D97-AF65-F5344CB8AC3E}">
+        <p14:creationId xmlns:p14="http://schemas.microsoft.com/office/powerpoint/2010/main" val="2177141973"/>
+      </p:ext>
+    </p:extLst>
+  </p:cSld>
+  <p:clrMapOvr>
+    <a:masterClrMapping/>
+  </p:clrMapOvr>
+  <p:timing>
+    <p:tnLst>
+      <p:par>
+        <p:cTn id="1" dur="indefinite" restart="never" nodeType="tmRoot"/>
+      </p:par>
+    </p:tnLst>
+  </p:timing>
+</p:sld>
+</file>
+
+<file path=ppt/slides/slide45.xml><?xml version="1.0" encoding="utf-8"?>
+<p:sld xmlns:a="http://schemas.openxmlformats.org/drawingml/2006/main" xmlns:r="http://schemas.openxmlformats.org/officeDocument/2006/relationships" xmlns:p="http://schemas.openxmlformats.org/presentationml/2006/main">
+  <p:cSld>
+    <p:spTree>
+      <p:nvGrpSpPr>
+        <p:cNvPr id="1" name=""/>
+        <p:cNvGrpSpPr/>
+        <p:nvPr/>
+      </p:nvGrpSpPr>
+      <p:grpSpPr>
+        <a:xfrm>
+          <a:off x="0" y="0"/>
+          <a:ext cx="0" cy="0"/>
+          <a:chOff x="0" y="0"/>
+          <a:chExt cx="0" cy="0"/>
+        </a:xfrm>
+      </p:grpSpPr>
+      <p:pic>
+        <p:nvPicPr>
+          <p:cNvPr id="2" name="Picture 1"/>
+          <p:cNvPicPr>
+            <a:picLocks noChangeAspect="1"/>
+          </p:cNvPicPr>
+          <p:nvPr/>
+        </p:nvPicPr>
+        <p:blipFill>
+          <a:blip r:embed="rId2"/>
+          <a:stretch>
+            <a:fillRect/>
+          </a:stretch>
+        </p:blipFill>
+        <p:spPr>
+          <a:xfrm>
+            <a:off x="345573" y="244019"/>
+            <a:ext cx="8537170" cy="4731687"/>
+          </a:xfrm>
+          <a:prstGeom prst="rect">
+            <a:avLst/>
+          </a:prstGeom>
+        </p:spPr>
+      </p:pic>
+    </p:spTree>
+    <p:extLst>
+      <p:ext uri="{BB962C8B-B14F-4D97-AF65-F5344CB8AC3E}">
+        <p14:creationId xmlns:p14="http://schemas.microsoft.com/office/powerpoint/2010/main" val="230101289"/>
+      </p:ext>
+    </p:extLst>
+  </p:cSld>
+  <p:clrMapOvr>
+    <a:masterClrMapping/>
+  </p:clrMapOvr>
+  <p:timing>
+    <p:tnLst>
+      <p:par>
+        <p:cTn id="1" dur="indefinite" restart="never" nodeType="tmRoot"/>
+      </p:par>
+    </p:tnLst>
+  </p:timing>
+</p:sld>
+</file>
+
+<file path=ppt/slides/slide46.xml><?xml version="1.0" encoding="utf-8"?>
+<p:sld xmlns:a="http://schemas.openxmlformats.org/drawingml/2006/main" xmlns:r="http://schemas.openxmlformats.org/officeDocument/2006/relationships" xmlns:p="http://schemas.openxmlformats.org/presentationml/2006/main">
+  <p:cSld>
+    <p:spTree>
+      <p:nvGrpSpPr>
+        <p:cNvPr id="1" name=""/>
+        <p:cNvGrpSpPr/>
+        <p:nvPr/>
+      </p:nvGrpSpPr>
+      <p:grpSpPr>
+        <a:xfrm>
+          <a:off x="0" y="0"/>
+          <a:ext cx="0" cy="0"/>
+          <a:chOff x="0" y="0"/>
+          <a:chExt cx="0" cy="0"/>
+        </a:xfrm>
+      </p:grpSpPr>
+      <p:pic>
+        <p:nvPicPr>
+          <p:cNvPr id="7" name="Picture 6"/>
+          <p:cNvPicPr>
+            <a:picLocks noChangeAspect="1"/>
+          </p:cNvPicPr>
+          <p:nvPr/>
+        </p:nvPicPr>
+        <p:blipFill>
+          <a:blip r:embed="rId2"/>
+          <a:stretch>
+            <a:fillRect/>
+          </a:stretch>
+        </p:blipFill>
+        <p:spPr>
+          <a:xfrm>
+            <a:off x="583520" y="125441"/>
+            <a:ext cx="8110538" cy="4887431"/>
+          </a:xfrm>
+          <a:prstGeom prst="rect">
+            <a:avLst/>
+          </a:prstGeom>
+        </p:spPr>
+      </p:pic>
+    </p:spTree>
+    <p:extLst>
+      <p:ext uri="{BB962C8B-B14F-4D97-AF65-F5344CB8AC3E}">
+        <p14:creationId xmlns:p14="http://schemas.microsoft.com/office/powerpoint/2010/main" val="2694753553"/>
+      </p:ext>
+    </p:extLst>
+  </p:cSld>
+  <p:clrMapOvr>
+    <a:masterClrMapping/>
+  </p:clrMapOvr>
+  <p:timing>
+    <p:tnLst>
+      <p:par>
+        <p:cTn id="1" dur="indefinite" restart="never" nodeType="tmRoot"/>
+      </p:par>
+    </p:tnLst>
+  </p:timing>
+</p:sld>
+</file>
+
 <file path=ppt/slides/slide47.xml><?xml version="1.0" encoding="utf-8"?>
+<p:sld xmlns:a="http://schemas.openxmlformats.org/drawingml/2006/main" xmlns:r="http://schemas.openxmlformats.org/officeDocument/2006/relationships" xmlns:p="http://schemas.openxmlformats.org/presentationml/2006/main">
+  <p:cSld>
+    <p:spTree>
+      <p:nvGrpSpPr>
+        <p:cNvPr id="1" name=""/>
+        <p:cNvGrpSpPr/>
+        <p:nvPr/>
+      </p:nvGrpSpPr>
+      <p:grpSpPr>
+        <a:xfrm>
+          <a:off x="0" y="0"/>
+          <a:ext cx="0" cy="0"/>
+          <a:chOff x="0" y="0"/>
+          <a:chExt cx="0" cy="0"/>
+        </a:xfrm>
+      </p:grpSpPr>
+      <p:pic>
+        <p:nvPicPr>
+          <p:cNvPr id="2" name="Picture 1"/>
+          <p:cNvPicPr>
+            <a:picLocks noChangeAspect="1"/>
+          </p:cNvPicPr>
+          <p:nvPr/>
+        </p:nvPicPr>
+        <p:blipFill>
+          <a:blip r:embed="rId2"/>
+          <a:stretch>
+            <a:fillRect/>
+          </a:stretch>
+        </p:blipFill>
+        <p:spPr>
+          <a:xfrm>
+            <a:off x="678867" y="193536"/>
+            <a:ext cx="7710390" cy="4808848"/>
+          </a:xfrm>
+          <a:prstGeom prst="rect">
+            <a:avLst/>
+          </a:prstGeom>
+        </p:spPr>
+      </p:pic>
+    </p:spTree>
+    <p:extLst>
+      <p:ext uri="{BB962C8B-B14F-4D97-AF65-F5344CB8AC3E}">
+        <p14:creationId xmlns:p14="http://schemas.microsoft.com/office/powerpoint/2010/main" val="1906479280"/>
+      </p:ext>
+    </p:extLst>
+  </p:cSld>
+  <p:clrMapOvr>
+    <a:masterClrMapping/>
+  </p:clrMapOvr>
+  <p:timing>
+    <p:tnLst>
+      <p:par>
+        <p:cTn id="1" dur="indefinite" restart="never" nodeType="tmRoot"/>
+      </p:par>
+    </p:tnLst>
+  </p:timing>
+</p:sld>
+</file>
+
+<file path=ppt/slides/slide48.xml><?xml version="1.0" encoding="utf-8"?>
 <p:sld xmlns:a="http://schemas.openxmlformats.org/drawingml/2006/main" xmlns:r="http://schemas.openxmlformats.org/officeDocument/2006/relationships" xmlns:p="http://schemas.openxmlformats.org/presentationml/2006/main">
   <p:cSld>
     <p:spTree>
@@ -32470,7 +31295,7 @@
 </p:sld>
 </file>
 
-<file path=ppt/slides/slide48.xml><?xml version="1.0" encoding="utf-8"?>
+<file path=ppt/slides/slide49.xml><?xml version="1.0" encoding="utf-8"?>
 <p:sld xmlns:a="http://schemas.openxmlformats.org/drawingml/2006/main" xmlns:r="http://schemas.openxmlformats.org/officeDocument/2006/relationships" xmlns:p="http://schemas.openxmlformats.org/presentationml/2006/main">
   <p:cSld>
     <p:spTree>
@@ -32544,126 +31369,6 @@
       <p:pic>
         <p:nvPicPr>
           <p:cNvPr id="251" name="Shape 251"/>
-          <p:cNvPicPr preferRelativeResize="0">
-            <a:picLocks noGrp="1"/>
-          </p:cNvPicPr>
-          <p:nvPr>
-            <p:ph type="body" idx="1"/>
-          </p:nvPr>
-        </p:nvPicPr>
-        <p:blipFill rotWithShape="1">
-          <a:blip r:embed="rId3">
-            <a:alphaModFix/>
-          </a:blip>
-          <a:srcRect/>
-          <a:stretch/>
-        </p:blipFill>
-        <p:spPr>
-          <a:xfrm>
-            <a:off x="457200" y="1200150"/>
-            <a:ext cx="8229600" cy="3725699"/>
-          </a:xfrm>
-          <a:prstGeom prst="rect">
-            <a:avLst/>
-          </a:prstGeom>
-          <a:noFill/>
-          <a:ln>
-            <a:noFill/>
-          </a:ln>
-        </p:spPr>
-      </p:pic>
-    </p:spTree>
-  </p:cSld>
-  <p:clrMapOvr>
-    <a:masterClrMapping/>
-  </p:clrMapOvr>
-  <p:transition spd="slow">
-    <p:cut/>
-  </p:transition>
-  <p:timing>
-    <p:tnLst>
-      <p:par>
-        <p:cTn id="1" dur="indefinite" restart="never" nodeType="tmRoot"/>
-      </p:par>
-    </p:tnLst>
-  </p:timing>
-</p:sld>
-</file>
-
-<file path=ppt/slides/slide49.xml><?xml version="1.0" encoding="utf-8"?>
-<p:sld xmlns:a="http://schemas.openxmlformats.org/drawingml/2006/main" xmlns:r="http://schemas.openxmlformats.org/officeDocument/2006/relationships" xmlns:p="http://schemas.openxmlformats.org/presentationml/2006/main">
-  <p:cSld>
-    <p:spTree>
-      <p:nvGrpSpPr>
-        <p:cNvPr id="1" name="Shape 255"/>
-        <p:cNvGrpSpPr/>
-        <p:nvPr/>
-      </p:nvGrpSpPr>
-      <p:grpSpPr>
-        <a:xfrm>
-          <a:off x="0" y="0"/>
-          <a:ext cx="0" cy="0"/>
-          <a:chOff x="0" y="0"/>
-          <a:chExt cx="0" cy="0"/>
-        </a:xfrm>
-      </p:grpSpPr>
-      <p:sp>
-        <p:nvSpPr>
-          <p:cNvPr id="256" name="Shape 256"/>
-          <p:cNvSpPr txBox="1">
-            <a:spLocks noGrp="1"/>
-          </p:cNvSpPr>
-          <p:nvPr>
-            <p:ph type="title"/>
-          </p:nvPr>
-        </p:nvSpPr>
-        <p:spPr>
-          <a:xfrm>
-            <a:off x="457200" y="205978"/>
-            <a:ext cx="8229600" cy="857400"/>
-          </a:xfrm>
-          <a:prstGeom prst="rect">
-            <a:avLst/>
-          </a:prstGeom>
-          <a:noFill/>
-          <a:ln>
-            <a:noFill/>
-          </a:ln>
-        </p:spPr>
-        <p:txBody>
-          <a:bodyPr lIns="68575" tIns="34275" rIns="68575" bIns="34275" anchor="ctr" anchorCtr="0">
-            <a:noAutofit/>
-          </a:bodyPr>
-          <a:lstStyle/>
-          <a:p>
-            <a:pPr marL="0" marR="0" lvl="0" indent="0" algn="l" rtl="0">
-              <a:lnSpc>
-                <a:spcPct val="90000"/>
-              </a:lnSpc>
-              <a:spcBef>
-                <a:spcPts val="0"/>
-              </a:spcBef>
-              <a:buClr>
-                <a:schemeClr val="dk1"/>
-              </a:buClr>
-              <a:buSzPct val="25000"/>
-              <a:buFont typeface="Calibri"/>
-              <a:buNone/>
-            </a:pPr>
-            <a:r>
-              <a:rPr lang="id" sz="3300" b="0" i="0" u="none" strike="noStrike" cap="none" baseline="0">
-                <a:solidFill>
-                  <a:srgbClr val="FFFFFF"/>
-                </a:solidFill>
-              </a:rPr>
-              <a:t>Survei</a:t>
-            </a:r>
-          </a:p>
-        </p:txBody>
-      </p:sp>
-      <p:pic>
-        <p:nvPicPr>
-          <p:cNvPr id="257" name="Shape 257"/>
           <p:cNvPicPr preferRelativeResize="0">
             <a:picLocks noGrp="1"/>
           </p:cNvPicPr>
@@ -33121,6 +31826,126 @@
   <p:cSld>
     <p:spTree>
       <p:nvGrpSpPr>
+        <p:cNvPr id="1" name="Shape 255"/>
+        <p:cNvGrpSpPr/>
+        <p:nvPr/>
+      </p:nvGrpSpPr>
+      <p:grpSpPr>
+        <a:xfrm>
+          <a:off x="0" y="0"/>
+          <a:ext cx="0" cy="0"/>
+          <a:chOff x="0" y="0"/>
+          <a:chExt cx="0" cy="0"/>
+        </a:xfrm>
+      </p:grpSpPr>
+      <p:sp>
+        <p:nvSpPr>
+          <p:cNvPr id="256" name="Shape 256"/>
+          <p:cNvSpPr txBox="1">
+            <a:spLocks noGrp="1"/>
+          </p:cNvSpPr>
+          <p:nvPr>
+            <p:ph type="title"/>
+          </p:nvPr>
+        </p:nvSpPr>
+        <p:spPr>
+          <a:xfrm>
+            <a:off x="457200" y="205978"/>
+            <a:ext cx="8229600" cy="857400"/>
+          </a:xfrm>
+          <a:prstGeom prst="rect">
+            <a:avLst/>
+          </a:prstGeom>
+          <a:noFill/>
+          <a:ln>
+            <a:noFill/>
+          </a:ln>
+        </p:spPr>
+        <p:txBody>
+          <a:bodyPr lIns="68575" tIns="34275" rIns="68575" bIns="34275" anchor="ctr" anchorCtr="0">
+            <a:noAutofit/>
+          </a:bodyPr>
+          <a:lstStyle/>
+          <a:p>
+            <a:pPr marL="0" marR="0" lvl="0" indent="0" algn="l" rtl="0">
+              <a:lnSpc>
+                <a:spcPct val="90000"/>
+              </a:lnSpc>
+              <a:spcBef>
+                <a:spcPts val="0"/>
+              </a:spcBef>
+              <a:buClr>
+                <a:schemeClr val="dk1"/>
+              </a:buClr>
+              <a:buSzPct val="25000"/>
+              <a:buFont typeface="Calibri"/>
+              <a:buNone/>
+            </a:pPr>
+            <a:r>
+              <a:rPr lang="id" sz="3300" b="0" i="0" u="none" strike="noStrike" cap="none" baseline="0">
+                <a:solidFill>
+                  <a:srgbClr val="FFFFFF"/>
+                </a:solidFill>
+              </a:rPr>
+              <a:t>Survei</a:t>
+            </a:r>
+          </a:p>
+        </p:txBody>
+      </p:sp>
+      <p:pic>
+        <p:nvPicPr>
+          <p:cNvPr id="257" name="Shape 257"/>
+          <p:cNvPicPr preferRelativeResize="0">
+            <a:picLocks noGrp="1"/>
+          </p:cNvPicPr>
+          <p:nvPr>
+            <p:ph type="body" idx="1"/>
+          </p:nvPr>
+        </p:nvPicPr>
+        <p:blipFill rotWithShape="1">
+          <a:blip r:embed="rId3">
+            <a:alphaModFix/>
+          </a:blip>
+          <a:srcRect/>
+          <a:stretch/>
+        </p:blipFill>
+        <p:spPr>
+          <a:xfrm>
+            <a:off x="457200" y="1200150"/>
+            <a:ext cx="8229600" cy="3725699"/>
+          </a:xfrm>
+          <a:prstGeom prst="rect">
+            <a:avLst/>
+          </a:prstGeom>
+          <a:noFill/>
+          <a:ln>
+            <a:noFill/>
+          </a:ln>
+        </p:spPr>
+      </p:pic>
+    </p:spTree>
+  </p:cSld>
+  <p:clrMapOvr>
+    <a:masterClrMapping/>
+  </p:clrMapOvr>
+  <p:transition spd="slow">
+    <p:cut/>
+  </p:transition>
+  <p:timing>
+    <p:tnLst>
+      <p:par>
+        <p:cTn id="1" dur="indefinite" restart="never" nodeType="tmRoot"/>
+      </p:par>
+    </p:tnLst>
+  </p:timing>
+</p:sld>
+</file>
+
+<file path=ppt/slides/slide51.xml><?xml version="1.0" encoding="utf-8"?>
+<p:sld xmlns:a="http://schemas.openxmlformats.org/drawingml/2006/main" xmlns:r="http://schemas.openxmlformats.org/officeDocument/2006/relationships" xmlns:p="http://schemas.openxmlformats.org/presentationml/2006/main">
+  <p:cSld>
+    <p:spTree>
+      <p:nvGrpSpPr>
         <p:cNvPr id="1" name="Shape 261"/>
         <p:cNvGrpSpPr/>
         <p:nvPr/>
@@ -33236,7 +32061,7 @@
 </p:sld>
 </file>
 
-<file path=ppt/slides/slide51.xml><?xml version="1.0" encoding="utf-8"?>
+<file path=ppt/slides/slide52.xml><?xml version="1.0" encoding="utf-8"?>
 <p:sld xmlns:a="http://schemas.openxmlformats.org/drawingml/2006/main" xmlns:r="http://schemas.openxmlformats.org/officeDocument/2006/relationships" xmlns:p="http://schemas.openxmlformats.org/presentationml/2006/main">
   <p:cSld>
     <p:spTree>
@@ -33319,107 +32144,6 @@
           <a:prstGeom prst="rect">
             <a:avLst/>
           </a:prstGeom>
-        </p:spPr>
-      </p:pic>
-    </p:spTree>
-  </p:cSld>
-  <p:clrMapOvr>
-    <a:masterClrMapping/>
-  </p:clrMapOvr>
-  <p:transition spd="slow">
-    <p:cut/>
-  </p:transition>
-  <p:timing>
-    <p:tnLst>
-      <p:par>
-        <p:cTn id="1" dur="indefinite" restart="never" nodeType="tmRoot"/>
-      </p:par>
-    </p:tnLst>
-  </p:timing>
-</p:sld>
-</file>
-
-<file path=ppt/slides/slide52.xml><?xml version="1.0" encoding="utf-8"?>
-<p:sld xmlns:a="http://schemas.openxmlformats.org/drawingml/2006/main" xmlns:r="http://schemas.openxmlformats.org/officeDocument/2006/relationships" xmlns:p="http://schemas.openxmlformats.org/presentationml/2006/main">
-  <p:cSld>
-    <p:spTree>
-      <p:nvGrpSpPr>
-        <p:cNvPr id="1" name="Shape 302"/>
-        <p:cNvGrpSpPr/>
-        <p:nvPr/>
-      </p:nvGrpSpPr>
-      <p:grpSpPr>
-        <a:xfrm>
-          <a:off x="0" y="0"/>
-          <a:ext cx="0" cy="0"/>
-          <a:chOff x="0" y="0"/>
-          <a:chExt cx="0" cy="0"/>
-        </a:xfrm>
-      </p:grpSpPr>
-      <p:sp>
-        <p:nvSpPr>
-          <p:cNvPr id="303" name="Shape 303"/>
-          <p:cNvSpPr txBox="1">
-            <a:spLocks noGrp="1"/>
-          </p:cNvSpPr>
-          <p:nvPr>
-            <p:ph type="title"/>
-          </p:nvPr>
-        </p:nvSpPr>
-        <p:spPr>
-          <a:xfrm>
-            <a:off x="457200" y="205978"/>
-            <a:ext cx="8229600" cy="857400"/>
-          </a:xfrm>
-          <a:prstGeom prst="rect">
-            <a:avLst/>
-          </a:prstGeom>
-        </p:spPr>
-        <p:txBody>
-          <a:bodyPr lIns="91425" tIns="91425" rIns="91425" bIns="91425" anchor="b" anchorCtr="0">
-            <a:noAutofit/>
-          </a:bodyPr>
-          <a:lstStyle/>
-          <a:p>
-            <a:pPr>
-              <a:spcBef>
-                <a:spcPts val="0"/>
-              </a:spcBef>
-              <a:buNone/>
-            </a:pPr>
-            <a:r>
-              <a:rPr lang="id"/>
-              <a:t>Mean Absolute Error</a:t>
-            </a:r>
-          </a:p>
-        </p:txBody>
-      </p:sp>
-      <p:pic>
-        <p:nvPicPr>
-          <p:cNvPr id="304" name="Shape 304"/>
-          <p:cNvPicPr preferRelativeResize="0"/>
-          <p:nvPr/>
-        </p:nvPicPr>
-        <p:blipFill>
-          <a:blip r:embed="rId3">
-            <a:alphaModFix/>
-          </a:blip>
-          <a:stretch>
-            <a:fillRect/>
-          </a:stretch>
-        </p:blipFill>
-        <p:spPr>
-          <a:xfrm>
-            <a:off x="648712" y="1310400"/>
-            <a:ext cx="7172325" cy="3505200"/>
-          </a:xfrm>
-          <a:prstGeom prst="rect">
-            <a:avLst/>
-          </a:prstGeom>
-          <a:noFill/>
-          <a:ln>
-            <a:noFill/>
-          </a:ln>
         </p:spPr>
       </p:pic>
     </p:spTree>
@@ -33489,6 +32213,107 @@
               <a:buNone/>
             </a:pPr>
             <a:r>
+              <a:rPr lang="id"/>
+              <a:t>Mean Absolute Error</a:t>
+            </a:r>
+          </a:p>
+        </p:txBody>
+      </p:sp>
+      <p:pic>
+        <p:nvPicPr>
+          <p:cNvPr id="304" name="Shape 304"/>
+          <p:cNvPicPr preferRelativeResize="0"/>
+          <p:nvPr/>
+        </p:nvPicPr>
+        <p:blipFill>
+          <a:blip r:embed="rId3">
+            <a:alphaModFix/>
+          </a:blip>
+          <a:stretch>
+            <a:fillRect/>
+          </a:stretch>
+        </p:blipFill>
+        <p:spPr>
+          <a:xfrm>
+            <a:off x="648712" y="1310400"/>
+            <a:ext cx="7172325" cy="3505200"/>
+          </a:xfrm>
+          <a:prstGeom prst="rect">
+            <a:avLst/>
+          </a:prstGeom>
+          <a:noFill/>
+          <a:ln>
+            <a:noFill/>
+          </a:ln>
+        </p:spPr>
+      </p:pic>
+    </p:spTree>
+  </p:cSld>
+  <p:clrMapOvr>
+    <a:masterClrMapping/>
+  </p:clrMapOvr>
+  <p:transition spd="slow">
+    <p:cut/>
+  </p:transition>
+  <p:timing>
+    <p:tnLst>
+      <p:par>
+        <p:cTn id="1" dur="indefinite" restart="never" nodeType="tmRoot"/>
+      </p:par>
+    </p:tnLst>
+  </p:timing>
+</p:sld>
+</file>
+
+<file path=ppt/slides/slide54.xml><?xml version="1.0" encoding="utf-8"?>
+<p:sld xmlns:a="http://schemas.openxmlformats.org/drawingml/2006/main" xmlns:r="http://schemas.openxmlformats.org/officeDocument/2006/relationships" xmlns:p="http://schemas.openxmlformats.org/presentationml/2006/main">
+  <p:cSld>
+    <p:spTree>
+      <p:nvGrpSpPr>
+        <p:cNvPr id="1" name="Shape 302"/>
+        <p:cNvGrpSpPr/>
+        <p:nvPr/>
+      </p:nvGrpSpPr>
+      <p:grpSpPr>
+        <a:xfrm>
+          <a:off x="0" y="0"/>
+          <a:ext cx="0" cy="0"/>
+          <a:chOff x="0" y="0"/>
+          <a:chExt cx="0" cy="0"/>
+        </a:xfrm>
+      </p:grpSpPr>
+      <p:sp>
+        <p:nvSpPr>
+          <p:cNvPr id="303" name="Shape 303"/>
+          <p:cNvSpPr txBox="1">
+            <a:spLocks noGrp="1"/>
+          </p:cNvSpPr>
+          <p:nvPr>
+            <p:ph type="title"/>
+          </p:nvPr>
+        </p:nvSpPr>
+        <p:spPr>
+          <a:xfrm>
+            <a:off x="457200" y="205978"/>
+            <a:ext cx="8229600" cy="857400"/>
+          </a:xfrm>
+          <a:prstGeom prst="rect">
+            <a:avLst/>
+          </a:prstGeom>
+        </p:spPr>
+        <p:txBody>
+          <a:bodyPr lIns="91425" tIns="91425" rIns="91425" bIns="91425" anchor="b" anchorCtr="0">
+            <a:noAutofit/>
+          </a:bodyPr>
+          <a:lstStyle/>
+          <a:p>
+            <a:pPr>
+              <a:spcBef>
+                <a:spcPts val="0"/>
+              </a:spcBef>
+              <a:buNone/>
+            </a:pPr>
+            <a:r>
               <a:rPr lang="id" dirty="0" smtClean="0"/>
               <a:t>Non Functional Requirement</a:t>
             </a:r>
@@ -33639,6 +32464,1272 @@
     <p:tnLst>
       <p:par>
         <p:cTn id="1" dur="indefinite" restart="never" nodeType="tmRoot"/>
+      </p:par>
+    </p:tnLst>
+  </p:timing>
+</p:sld>
+</file>
+
+<file path=ppt/slides/slide55.xml><?xml version="1.0" encoding="utf-8"?>
+<p:sld xmlns:a="http://schemas.openxmlformats.org/drawingml/2006/main" xmlns:r="http://schemas.openxmlformats.org/officeDocument/2006/relationships" xmlns:p="http://schemas.openxmlformats.org/presentationml/2006/main">
+  <p:cSld>
+    <p:spTree>
+      <p:nvGrpSpPr>
+        <p:cNvPr id="1" name="Shape 155"/>
+        <p:cNvGrpSpPr/>
+        <p:nvPr/>
+      </p:nvGrpSpPr>
+      <p:grpSpPr>
+        <a:xfrm>
+          <a:off x="0" y="0"/>
+          <a:ext cx="0" cy="0"/>
+          <a:chOff x="0" y="0"/>
+          <a:chExt cx="0" cy="0"/>
+        </a:xfrm>
+      </p:grpSpPr>
+      <p:sp>
+        <p:nvSpPr>
+          <p:cNvPr id="156" name="Shape 156"/>
+          <p:cNvSpPr txBox="1"/>
+          <p:nvPr/>
+        </p:nvSpPr>
+        <p:spPr>
+          <a:xfrm>
+            <a:off x="2377225" y="1875175"/>
+            <a:ext cx="4091699" cy="809400"/>
+          </a:xfrm>
+          <a:prstGeom prst="rect">
+            <a:avLst/>
+          </a:prstGeom>
+          <a:noFill/>
+          <a:ln>
+            <a:noFill/>
+          </a:ln>
+        </p:spPr>
+        <p:txBody>
+          <a:bodyPr lIns="91425" tIns="91425" rIns="91425" bIns="91425" anchor="t" anchorCtr="0">
+            <a:noAutofit/>
+          </a:bodyPr>
+          <a:lstStyle/>
+          <a:p>
+            <a:pPr lvl="0" rtl="0">
+              <a:spcBef>
+                <a:spcPts val="0"/>
+              </a:spcBef>
+              <a:buNone/>
+            </a:pPr>
+            <a:r>
+              <a:rPr lang="id" sz="6000">
+                <a:solidFill>
+                  <a:srgbClr val="FFFFFF"/>
+                </a:solidFill>
+              </a:rPr>
+              <a:t>Metodologi</a:t>
+            </a:r>
+          </a:p>
+        </p:txBody>
+      </p:sp>
+    </p:spTree>
+  </p:cSld>
+  <p:clrMapOvr>
+    <a:masterClrMapping/>
+  </p:clrMapOvr>
+  <p:transition spd="slow">
+    <p:cut/>
+  </p:transition>
+  <p:timing>
+    <p:tnLst>
+      <p:par>
+        <p:cTn id="1" dur="indefinite" restart="never" nodeType="tmRoot"/>
+      </p:par>
+    </p:tnLst>
+  </p:timing>
+</p:sld>
+</file>
+
+<file path=ppt/slides/slide56.xml><?xml version="1.0" encoding="utf-8"?>
+<p:sld xmlns:a="http://schemas.openxmlformats.org/drawingml/2006/main" xmlns:r="http://schemas.openxmlformats.org/officeDocument/2006/relationships" xmlns:p="http://schemas.openxmlformats.org/presentationml/2006/main">
+  <p:cSld>
+    <p:spTree>
+      <p:nvGrpSpPr>
+        <p:cNvPr id="1" name="Shape 160"/>
+        <p:cNvGrpSpPr/>
+        <p:nvPr/>
+      </p:nvGrpSpPr>
+      <p:grpSpPr>
+        <a:xfrm>
+          <a:off x="0" y="0"/>
+          <a:ext cx="0" cy="0"/>
+          <a:chOff x="0" y="0"/>
+          <a:chExt cx="0" cy="0"/>
+        </a:xfrm>
+      </p:grpSpPr>
+      <p:sp>
+        <p:nvSpPr>
+          <p:cNvPr id="161" name="Shape 161"/>
+          <p:cNvSpPr txBox="1">
+            <a:spLocks noGrp="1"/>
+          </p:cNvSpPr>
+          <p:nvPr>
+            <p:ph type="title"/>
+          </p:nvPr>
+        </p:nvSpPr>
+        <p:spPr>
+          <a:xfrm>
+            <a:off x="457200" y="205978"/>
+            <a:ext cx="8229600" cy="857400"/>
+          </a:xfrm>
+          <a:prstGeom prst="rect">
+            <a:avLst/>
+          </a:prstGeom>
+          <a:noFill/>
+          <a:ln>
+            <a:noFill/>
+          </a:ln>
+        </p:spPr>
+        <p:txBody>
+          <a:bodyPr lIns="68575" tIns="34275" rIns="68575" bIns="34275" anchor="ctr" anchorCtr="0">
+            <a:noAutofit/>
+          </a:bodyPr>
+          <a:lstStyle/>
+          <a:p>
+            <a:pPr marL="0" marR="0" lvl="0" indent="0" algn="l" rtl="0">
+              <a:lnSpc>
+                <a:spcPct val="90000"/>
+              </a:lnSpc>
+              <a:spcBef>
+                <a:spcPts val="0"/>
+              </a:spcBef>
+              <a:buClr>
+                <a:schemeClr val="dk1"/>
+              </a:buClr>
+              <a:buSzPct val="25000"/>
+              <a:buFont typeface="Calibri"/>
+              <a:buNone/>
+            </a:pPr>
+            <a:r>
+              <a:rPr lang="id" sz="3300" b="0" i="0" u="none" strike="noStrike" cap="none" baseline="0">
+                <a:solidFill>
+                  <a:srgbClr val="FFFFFF"/>
+                </a:solidFill>
+              </a:rPr>
+              <a:t>Metodologi</a:t>
+            </a:r>
+          </a:p>
+        </p:txBody>
+      </p:sp>
+      <p:sp>
+        <p:nvSpPr>
+          <p:cNvPr id="162" name="Shape 162"/>
+          <p:cNvSpPr txBox="1">
+            <a:spLocks noGrp="1"/>
+          </p:cNvSpPr>
+          <p:nvPr>
+            <p:ph type="body" idx="1"/>
+          </p:nvPr>
+        </p:nvSpPr>
+        <p:spPr>
+          <a:xfrm>
+            <a:off x="457200" y="1200151"/>
+            <a:ext cx="8229600" cy="1005360"/>
+          </a:xfrm>
+          <a:prstGeom prst="rect">
+            <a:avLst/>
+          </a:prstGeom>
+          <a:noFill/>
+          <a:ln>
+            <a:noFill/>
+          </a:ln>
+        </p:spPr>
+        <p:txBody>
+          <a:bodyPr lIns="68575" tIns="34275" rIns="68575" bIns="34275" anchor="t" anchorCtr="0">
+            <a:noAutofit/>
+          </a:bodyPr>
+          <a:lstStyle/>
+          <a:p>
+            <a:pPr marL="177800" marR="0" lvl="0" indent="-152400" algn="l" rtl="0">
+              <a:spcBef>
+                <a:spcPts val="0"/>
+              </a:spcBef>
+              <a:buClr>
+                <a:schemeClr val="dk1"/>
+              </a:buClr>
+              <a:buSzPct val="100000"/>
+              <a:buFont typeface="Arial"/>
+              <a:buChar char="•"/>
+            </a:pPr>
+            <a:r>
+              <a:rPr lang="id" sz="1800" b="0" i="0" u="none" strike="noStrike" cap="none" baseline="0" dirty="0">
+                <a:solidFill>
+                  <a:schemeClr val="dk1"/>
+                </a:solidFill>
+              </a:rPr>
+              <a:t>Studi </a:t>
+            </a:r>
+            <a:r>
+              <a:rPr lang="id" sz="1800" b="0" i="0" u="none" strike="noStrike" cap="none" baseline="0" dirty="0" smtClean="0">
+                <a:solidFill>
+                  <a:schemeClr val="dk1"/>
+                </a:solidFill>
+              </a:rPr>
+              <a:t>literatur</a:t>
+            </a:r>
+          </a:p>
+          <a:p>
+            <a:pPr marL="566738" marR="0" lvl="0" indent="-285750" algn="l" rtl="0">
+              <a:spcBef>
+                <a:spcPts val="0"/>
+              </a:spcBef>
+              <a:buClr>
+                <a:schemeClr val="dk1"/>
+              </a:buClr>
+              <a:buSzPct val="100000"/>
+              <a:buFont typeface="Courier New" panose="02070309020205020404" pitchFamily="49" charset="0"/>
+              <a:buChar char="o"/>
+            </a:pPr>
+            <a:r>
+              <a:rPr lang="id" sz="1800" dirty="0" smtClean="0"/>
+              <a:t>A</a:t>
+            </a:r>
+            <a:r>
+              <a:rPr lang="id" sz="1800" b="0" i="0" u="none" strike="noStrike" cap="none" baseline="0" dirty="0" smtClean="0">
+                <a:solidFill>
+                  <a:schemeClr val="dk1"/>
+                </a:solidFill>
+              </a:rPr>
+              <a:t>lgoritma</a:t>
+            </a:r>
+            <a:endParaRPr lang="id" sz="1800" dirty="0"/>
+          </a:p>
+          <a:p>
+            <a:pPr marL="566738" marR="0" lvl="0" indent="-285750" algn="l" rtl="0">
+              <a:spcBef>
+                <a:spcPts val="0"/>
+              </a:spcBef>
+              <a:buClr>
+                <a:schemeClr val="dk1"/>
+              </a:buClr>
+              <a:buSzPct val="100000"/>
+              <a:buFont typeface="Courier New" panose="02070309020205020404" pitchFamily="49" charset="0"/>
+              <a:buChar char="o"/>
+            </a:pPr>
+            <a:r>
+              <a:rPr lang="id" sz="1800" dirty="0" smtClean="0"/>
+              <a:t>I</a:t>
+            </a:r>
+            <a:r>
+              <a:rPr lang="id" sz="1800" b="0" i="0" u="none" strike="noStrike" cap="none" baseline="0" dirty="0" smtClean="0">
+                <a:solidFill>
+                  <a:schemeClr val="dk1"/>
+                </a:solidFill>
+              </a:rPr>
+              <a:t>nformasi kesehatan </a:t>
+            </a:r>
+            <a:r>
+              <a:rPr lang="id" sz="1800" b="0" i="0" u="none" strike="noStrike" cap="none" baseline="0" dirty="0">
+                <a:solidFill>
+                  <a:schemeClr val="dk1"/>
+                </a:solidFill>
+              </a:rPr>
+              <a:t>terkait penyakit tertentu.</a:t>
+            </a:r>
+          </a:p>
+        </p:txBody>
+      </p:sp>
+      <p:sp>
+        <p:nvSpPr>
+          <p:cNvPr id="163" name="Shape 163"/>
+          <p:cNvSpPr txBox="1"/>
+          <p:nvPr/>
+        </p:nvSpPr>
+        <p:spPr>
+          <a:xfrm>
+            <a:off x="400900" y="2205509"/>
+            <a:ext cx="6938399" cy="1262127"/>
+          </a:xfrm>
+          <a:prstGeom prst="rect">
+            <a:avLst/>
+          </a:prstGeom>
+          <a:noFill/>
+          <a:ln>
+            <a:noFill/>
+          </a:ln>
+        </p:spPr>
+        <p:txBody>
+          <a:bodyPr lIns="91425" tIns="91425" rIns="91425" bIns="91425" anchor="t" anchorCtr="0">
+            <a:noAutofit/>
+          </a:bodyPr>
+          <a:lstStyle/>
+          <a:p>
+            <a:pPr marL="177800" lvl="0" indent="-152400" rtl="0">
+              <a:spcBef>
+                <a:spcPts val="800"/>
+              </a:spcBef>
+              <a:buClr>
+                <a:schemeClr val="dk1"/>
+              </a:buClr>
+              <a:buSzPct val="100000"/>
+              <a:buFont typeface="Arial"/>
+              <a:buChar char="•"/>
+            </a:pPr>
+            <a:r>
+              <a:rPr lang="id" sz="1800" dirty="0">
+                <a:solidFill>
+                  <a:schemeClr val="dk1"/>
+                </a:solidFill>
+              </a:rPr>
+              <a:t>Survei</a:t>
+            </a:r>
+          </a:p>
+          <a:p>
+            <a:pPr marL="742950" lvl="1" indent="-247650" rtl="0">
+              <a:spcBef>
+                <a:spcPts val="800"/>
+              </a:spcBef>
+              <a:buClr>
+                <a:schemeClr val="dk1"/>
+              </a:buClr>
+              <a:buSzPct val="100000"/>
+              <a:buFont typeface="Courier New"/>
+              <a:buChar char="o"/>
+            </a:pPr>
+            <a:r>
+              <a:rPr lang="id" sz="1800" dirty="0">
+                <a:solidFill>
+                  <a:schemeClr val="dk1"/>
+                </a:solidFill>
+              </a:rPr>
+              <a:t>Pola konsumsi masyarakat</a:t>
+            </a:r>
+          </a:p>
+          <a:p>
+            <a:pPr marL="742950" lvl="1" indent="-247650" rtl="0">
+              <a:spcBef>
+                <a:spcPts val="800"/>
+              </a:spcBef>
+              <a:buClr>
+                <a:schemeClr val="dk1"/>
+              </a:buClr>
+              <a:buSzPct val="100000"/>
+              <a:buFont typeface="Courier New"/>
+              <a:buChar char="o"/>
+            </a:pPr>
+            <a:r>
+              <a:rPr lang="id" sz="1800" dirty="0">
+                <a:solidFill>
+                  <a:schemeClr val="dk1"/>
+                </a:solidFill>
+              </a:rPr>
+              <a:t>Keakuratan dari rekomendasi yang diberikan</a:t>
+            </a:r>
+          </a:p>
+        </p:txBody>
+      </p:sp>
+      <p:sp>
+        <p:nvSpPr>
+          <p:cNvPr id="164" name="Shape 164"/>
+          <p:cNvSpPr txBox="1"/>
+          <p:nvPr/>
+        </p:nvSpPr>
+        <p:spPr>
+          <a:xfrm>
+            <a:off x="457200" y="3467637"/>
+            <a:ext cx="6938399" cy="1600408"/>
+          </a:xfrm>
+          <a:prstGeom prst="rect">
+            <a:avLst/>
+          </a:prstGeom>
+          <a:noFill/>
+          <a:ln>
+            <a:noFill/>
+          </a:ln>
+        </p:spPr>
+        <p:txBody>
+          <a:bodyPr lIns="91425" tIns="91425" rIns="91425" bIns="91425" anchor="t" anchorCtr="0">
+            <a:spAutoFit/>
+          </a:bodyPr>
+          <a:lstStyle/>
+          <a:p>
+            <a:pPr marL="177800" lvl="0" indent="-152400" rtl="0">
+              <a:spcBef>
+                <a:spcPts val="800"/>
+              </a:spcBef>
+              <a:buClr>
+                <a:schemeClr val="dk1"/>
+              </a:buClr>
+              <a:buSzPct val="100000"/>
+              <a:buFont typeface="Arial"/>
+              <a:buChar char="•"/>
+            </a:pPr>
+            <a:r>
+              <a:rPr lang="id" sz="1800" dirty="0">
+                <a:solidFill>
+                  <a:schemeClr val="dk1"/>
+                </a:solidFill>
+              </a:rPr>
+              <a:t>Analisis</a:t>
+            </a:r>
+          </a:p>
+          <a:p>
+            <a:pPr marL="742950" lvl="1" indent="-247650" rtl="0">
+              <a:spcBef>
+                <a:spcPts val="800"/>
+              </a:spcBef>
+              <a:buClr>
+                <a:schemeClr val="dk1"/>
+              </a:buClr>
+              <a:buSzPct val="100000"/>
+              <a:buFont typeface="Courier New"/>
+              <a:buChar char="o"/>
+            </a:pPr>
+            <a:r>
+              <a:rPr lang="id" sz="1800" dirty="0">
+                <a:solidFill>
+                  <a:schemeClr val="dk1"/>
+                </a:solidFill>
+              </a:rPr>
+              <a:t>Data dibutuhkan</a:t>
+            </a:r>
+          </a:p>
+          <a:p>
+            <a:pPr marL="742950" lvl="1" indent="-247650" rtl="0">
+              <a:spcBef>
+                <a:spcPts val="800"/>
+              </a:spcBef>
+              <a:buClr>
+                <a:schemeClr val="dk1"/>
+              </a:buClr>
+              <a:buSzPct val="100000"/>
+              <a:buFont typeface="Courier New"/>
+              <a:buChar char="o"/>
+            </a:pPr>
+            <a:r>
+              <a:rPr lang="id" sz="1800" dirty="0">
+                <a:solidFill>
+                  <a:schemeClr val="dk1"/>
+                </a:solidFill>
+              </a:rPr>
+              <a:t>Potensi sistem rekomendasi</a:t>
+            </a:r>
+          </a:p>
+          <a:p>
+            <a:pPr marL="742950" lvl="1" indent="-247650" rtl="0">
+              <a:spcBef>
+                <a:spcPts val="800"/>
+              </a:spcBef>
+              <a:buClr>
+                <a:schemeClr val="dk1"/>
+              </a:buClr>
+              <a:buSzPct val="100000"/>
+              <a:buFont typeface="Courier New"/>
+              <a:buChar char="o"/>
+            </a:pPr>
+            <a:r>
+              <a:rPr lang="id" sz="1800" dirty="0">
+                <a:solidFill>
+                  <a:schemeClr val="dk1"/>
+                </a:solidFill>
+              </a:rPr>
+              <a:t>Metode evaluasi</a:t>
+            </a:r>
+          </a:p>
+        </p:txBody>
+      </p:sp>
+    </p:spTree>
+  </p:cSld>
+  <p:clrMapOvr>
+    <a:masterClrMapping/>
+  </p:clrMapOvr>
+  <p:transition spd="slow">
+    <p:cut/>
+  </p:transition>
+  <p:timing>
+    <p:tnLst>
+      <p:par>
+        <p:cTn id="1" dur="indefinite" restart="never" nodeType="tmRoot">
+          <p:childTnLst>
+            <p:seq concurrent="1" nextAc="seek">
+              <p:cTn id="2" dur="indefinite" nodeType="mainSeq">
+                <p:childTnLst>
+                  <p:par>
+                    <p:cTn id="3" fill="hold">
+                      <p:stCondLst>
+                        <p:cond delay="indefinite"/>
+                      </p:stCondLst>
+                      <p:childTnLst>
+                        <p:par>
+                          <p:cTn id="4" fill="hold">
+                            <p:stCondLst>
+                              <p:cond delay="0"/>
+                            </p:stCondLst>
+                            <p:childTnLst>
+                              <p:par>
+                                <p:cTn id="5" presetID="1" presetClass="entr" presetSubtype="0" fill="hold" nodeType="clickEffect">
+                                  <p:stCondLst>
+                                    <p:cond delay="0"/>
+                                  </p:stCondLst>
+                                  <p:childTnLst>
+                                    <p:set>
+                                      <p:cBhvr>
+                                        <p:cTn id="6" dur="1" fill="hold">
+                                          <p:stCondLst>
+                                            <p:cond delay="0"/>
+                                          </p:stCondLst>
+                                        </p:cTn>
+                                        <p:tgtEl>
+                                          <p:spTgt spid="162">
+                                            <p:txEl>
+                                              <p:pRg st="0" end="0"/>
+                                            </p:txEl>
+                                          </p:spTgt>
+                                        </p:tgtEl>
+                                        <p:attrNameLst>
+                                          <p:attrName>style.visibility</p:attrName>
+                                        </p:attrNameLst>
+                                      </p:cBhvr>
+                                      <p:to>
+                                        <p:strVal val="visible"/>
+                                      </p:to>
+                                    </p:set>
+                                  </p:childTnLst>
+                                </p:cTn>
+                              </p:par>
+                              <p:par>
+                                <p:cTn id="7" presetID="1" presetClass="entr" presetSubtype="0" fill="hold" nodeType="withEffect">
+                                  <p:stCondLst>
+                                    <p:cond delay="0"/>
+                                  </p:stCondLst>
+                                  <p:childTnLst>
+                                    <p:set>
+                                      <p:cBhvr>
+                                        <p:cTn id="8" dur="1" fill="hold">
+                                          <p:stCondLst>
+                                            <p:cond delay="0"/>
+                                          </p:stCondLst>
+                                        </p:cTn>
+                                        <p:tgtEl>
+                                          <p:spTgt spid="162">
+                                            <p:txEl>
+                                              <p:pRg st="1" end="1"/>
+                                            </p:txEl>
+                                          </p:spTgt>
+                                        </p:tgtEl>
+                                        <p:attrNameLst>
+                                          <p:attrName>style.visibility</p:attrName>
+                                        </p:attrNameLst>
+                                      </p:cBhvr>
+                                      <p:to>
+                                        <p:strVal val="visible"/>
+                                      </p:to>
+                                    </p:set>
+                                  </p:childTnLst>
+                                </p:cTn>
+                              </p:par>
+                              <p:par>
+                                <p:cTn id="9" presetID="1" presetClass="entr" presetSubtype="0" fill="hold" nodeType="withEffect">
+                                  <p:stCondLst>
+                                    <p:cond delay="0"/>
+                                  </p:stCondLst>
+                                  <p:childTnLst>
+                                    <p:set>
+                                      <p:cBhvr>
+                                        <p:cTn id="10" dur="1" fill="hold">
+                                          <p:stCondLst>
+                                            <p:cond delay="0"/>
+                                          </p:stCondLst>
+                                        </p:cTn>
+                                        <p:tgtEl>
+                                          <p:spTgt spid="162">
+                                            <p:txEl>
+                                              <p:pRg st="2" end="2"/>
+                                            </p:txEl>
+                                          </p:spTgt>
+                                        </p:tgtEl>
+                                        <p:attrNameLst>
+                                          <p:attrName>style.visibility</p:attrName>
+                                        </p:attrNameLst>
+                                      </p:cBhvr>
+                                      <p:to>
+                                        <p:strVal val="visible"/>
+                                      </p:to>
+                                    </p:set>
+                                  </p:childTnLst>
+                                </p:cTn>
+                              </p:par>
+                            </p:childTnLst>
+                          </p:cTn>
+                        </p:par>
+                      </p:childTnLst>
+                    </p:cTn>
+                  </p:par>
+                  <p:par>
+                    <p:cTn id="11" fill="hold">
+                      <p:stCondLst>
+                        <p:cond delay="indefinite"/>
+                      </p:stCondLst>
+                      <p:childTnLst>
+                        <p:par>
+                          <p:cTn id="12" fill="hold">
+                            <p:stCondLst>
+                              <p:cond delay="0"/>
+                            </p:stCondLst>
+                            <p:childTnLst>
+                              <p:par>
+                                <p:cTn id="13" presetID="1" presetClass="entr" presetSubtype="0" fill="hold" grpId="0" nodeType="clickEffect">
+                                  <p:stCondLst>
+                                    <p:cond delay="0"/>
+                                  </p:stCondLst>
+                                  <p:childTnLst>
+                                    <p:set>
+                                      <p:cBhvr>
+                                        <p:cTn id="14" dur="1" fill="hold">
+                                          <p:stCondLst>
+                                            <p:cond delay="0"/>
+                                          </p:stCondLst>
+                                        </p:cTn>
+                                        <p:tgtEl>
+                                          <p:spTgt spid="163"/>
+                                        </p:tgtEl>
+                                        <p:attrNameLst>
+                                          <p:attrName>style.visibility</p:attrName>
+                                        </p:attrNameLst>
+                                      </p:cBhvr>
+                                      <p:to>
+                                        <p:strVal val="visible"/>
+                                      </p:to>
+                                    </p:set>
+                                  </p:childTnLst>
+                                </p:cTn>
+                              </p:par>
+                            </p:childTnLst>
+                          </p:cTn>
+                        </p:par>
+                      </p:childTnLst>
+                    </p:cTn>
+                  </p:par>
+                  <p:par>
+                    <p:cTn id="15" fill="hold">
+                      <p:stCondLst>
+                        <p:cond delay="indefinite"/>
+                      </p:stCondLst>
+                      <p:childTnLst>
+                        <p:par>
+                          <p:cTn id="16" fill="hold">
+                            <p:stCondLst>
+                              <p:cond delay="0"/>
+                            </p:stCondLst>
+                            <p:childTnLst>
+                              <p:par>
+                                <p:cTn id="17" presetID="1" presetClass="entr" presetSubtype="0" fill="hold" grpId="0" nodeType="clickEffect">
+                                  <p:stCondLst>
+                                    <p:cond delay="0"/>
+                                  </p:stCondLst>
+                                  <p:childTnLst>
+                                    <p:set>
+                                      <p:cBhvr>
+                                        <p:cTn id="18" dur="1" fill="hold">
+                                          <p:stCondLst>
+                                            <p:cond delay="0"/>
+                                          </p:stCondLst>
+                                        </p:cTn>
+                                        <p:tgtEl>
+                                          <p:spTgt spid="164"/>
+                                        </p:tgtEl>
+                                        <p:attrNameLst>
+                                          <p:attrName>style.visibility</p:attrName>
+                                        </p:attrNameLst>
+                                      </p:cBhvr>
+                                      <p:to>
+                                        <p:strVal val="visible"/>
+                                      </p:to>
+                                    </p:set>
+                                  </p:childTnLst>
+                                </p:cTn>
+                              </p:par>
+                            </p:childTnLst>
+                          </p:cTn>
+                        </p:par>
+                      </p:childTnLst>
+                    </p:cTn>
+                  </p:par>
+                </p:childTnLst>
+              </p:cTn>
+              <p:prevCondLst>
+                <p:cond evt="onPrev" delay="0">
+                  <p:tgtEl>
+                    <p:sldTgt/>
+                  </p:tgtEl>
+                </p:cond>
+              </p:prevCondLst>
+              <p:nextCondLst>
+                <p:cond evt="onNext" delay="0">
+                  <p:tgtEl>
+                    <p:sldTgt/>
+                  </p:tgtEl>
+                </p:cond>
+              </p:nextCondLst>
+            </p:seq>
+          </p:childTnLst>
+        </p:cTn>
+      </p:par>
+    </p:tnLst>
+    <p:bldLst>
+      <p:bldP spid="163" grpId="0"/>
+      <p:bldP spid="164" grpId="0"/>
+    </p:bldLst>
+  </p:timing>
+</p:sld>
+</file>
+
+<file path=ppt/slides/slide57.xml><?xml version="1.0" encoding="utf-8"?>
+<p:sld xmlns:a="http://schemas.openxmlformats.org/drawingml/2006/main" xmlns:r="http://schemas.openxmlformats.org/officeDocument/2006/relationships" xmlns:p="http://schemas.openxmlformats.org/presentationml/2006/main">
+  <p:cSld>
+    <p:spTree>
+      <p:nvGrpSpPr>
+        <p:cNvPr id="1" name="Shape 168"/>
+        <p:cNvGrpSpPr/>
+        <p:nvPr/>
+      </p:nvGrpSpPr>
+      <p:grpSpPr>
+        <a:xfrm>
+          <a:off x="0" y="0"/>
+          <a:ext cx="0" cy="0"/>
+          <a:chOff x="0" y="0"/>
+          <a:chExt cx="0" cy="0"/>
+        </a:xfrm>
+      </p:grpSpPr>
+      <p:sp>
+        <p:nvSpPr>
+          <p:cNvPr id="169" name="Shape 169"/>
+          <p:cNvSpPr txBox="1">
+            <a:spLocks noGrp="1"/>
+          </p:cNvSpPr>
+          <p:nvPr>
+            <p:ph type="title"/>
+          </p:nvPr>
+        </p:nvSpPr>
+        <p:spPr>
+          <a:xfrm>
+            <a:off x="457200" y="205978"/>
+            <a:ext cx="8229600" cy="857400"/>
+          </a:xfrm>
+          <a:prstGeom prst="rect">
+            <a:avLst/>
+          </a:prstGeom>
+          <a:noFill/>
+          <a:ln>
+            <a:noFill/>
+          </a:ln>
+        </p:spPr>
+        <p:txBody>
+          <a:bodyPr lIns="68575" tIns="34275" rIns="68575" bIns="34275" anchor="ctr" anchorCtr="0">
+            <a:noAutofit/>
+          </a:bodyPr>
+          <a:lstStyle/>
+          <a:p>
+            <a:pPr marL="0" marR="0" lvl="0" indent="0" algn="l" rtl="0">
+              <a:lnSpc>
+                <a:spcPct val="90000"/>
+              </a:lnSpc>
+              <a:spcBef>
+                <a:spcPts val="0"/>
+              </a:spcBef>
+              <a:buClr>
+                <a:schemeClr val="dk1"/>
+              </a:buClr>
+              <a:buSzPct val="25000"/>
+              <a:buFont typeface="Calibri"/>
+              <a:buNone/>
+            </a:pPr>
+            <a:r>
+              <a:rPr lang="id" sz="3300" b="0" i="0" u="none" strike="noStrike" cap="none" baseline="0">
+                <a:solidFill>
+                  <a:srgbClr val="FFFFFF"/>
+                </a:solidFill>
+              </a:rPr>
+              <a:t>Metodologi</a:t>
+            </a:r>
+          </a:p>
+        </p:txBody>
+      </p:sp>
+      <p:sp>
+        <p:nvSpPr>
+          <p:cNvPr id="170" name="Shape 170"/>
+          <p:cNvSpPr txBox="1">
+            <a:spLocks noGrp="1"/>
+          </p:cNvSpPr>
+          <p:nvPr>
+            <p:ph type="body" idx="1"/>
+          </p:nvPr>
+        </p:nvSpPr>
+        <p:spPr>
+          <a:xfrm>
+            <a:off x="457200" y="1423768"/>
+            <a:ext cx="8229600" cy="594600"/>
+          </a:xfrm>
+          <a:prstGeom prst="rect">
+            <a:avLst/>
+          </a:prstGeom>
+          <a:noFill/>
+          <a:ln>
+            <a:noFill/>
+          </a:ln>
+        </p:spPr>
+        <p:txBody>
+          <a:bodyPr lIns="68575" tIns="34275" rIns="68575" bIns="34275" anchor="t" anchorCtr="0">
+            <a:noAutofit/>
+          </a:bodyPr>
+          <a:lstStyle/>
+          <a:p>
+            <a:pPr marL="177800" marR="0" lvl="0" indent="-152400" algn="l" rtl="0">
+              <a:lnSpc>
+                <a:spcPct val="80000"/>
+              </a:lnSpc>
+              <a:spcBef>
+                <a:spcPts val="800"/>
+              </a:spcBef>
+              <a:buClr>
+                <a:schemeClr val="dk1"/>
+              </a:buClr>
+              <a:buSzPct val="100000"/>
+              <a:buFont typeface="Arial"/>
+              <a:buChar char="•"/>
+            </a:pPr>
+            <a:r>
+              <a:rPr lang="id" sz="1800" b="0" i="0" u="none" strike="noStrike" cap="none" baseline="0" dirty="0">
+                <a:solidFill>
+                  <a:schemeClr val="dk1"/>
+                </a:solidFill>
+              </a:rPr>
+              <a:t>Perancangan sistem</a:t>
+            </a:r>
+          </a:p>
+        </p:txBody>
+      </p:sp>
+      <p:sp>
+        <p:nvSpPr>
+          <p:cNvPr id="171" name="Shape 171"/>
+          <p:cNvSpPr txBox="1"/>
+          <p:nvPr/>
+        </p:nvSpPr>
+        <p:spPr>
+          <a:xfrm>
+            <a:off x="505925" y="1951462"/>
+            <a:ext cx="6938399" cy="2800841"/>
+          </a:xfrm>
+          <a:prstGeom prst="rect">
+            <a:avLst/>
+          </a:prstGeom>
+          <a:noFill/>
+          <a:ln>
+            <a:noFill/>
+          </a:ln>
+        </p:spPr>
+        <p:txBody>
+          <a:bodyPr lIns="91425" tIns="91425" rIns="91425" bIns="91425" anchor="t" anchorCtr="0">
+            <a:noAutofit/>
+          </a:bodyPr>
+          <a:lstStyle/>
+          <a:p>
+            <a:pPr marL="177800" lvl="0" indent="-152400" rtl="0">
+              <a:spcBef>
+                <a:spcPts val="800"/>
+              </a:spcBef>
+              <a:buClr>
+                <a:schemeClr val="dk1"/>
+              </a:buClr>
+              <a:buSzPct val="100000"/>
+              <a:buFont typeface="Arial"/>
+              <a:buChar char="•"/>
+            </a:pPr>
+            <a:r>
+              <a:rPr lang="id" sz="1800" dirty="0" smtClean="0">
+                <a:solidFill>
+                  <a:schemeClr val="dk1"/>
+                </a:solidFill>
+              </a:rPr>
+              <a:t>Evaluasi</a:t>
+            </a:r>
+          </a:p>
+          <a:p>
+            <a:pPr marL="742950" lvl="1" indent="-247650">
+              <a:spcBef>
+                <a:spcPts val="800"/>
+              </a:spcBef>
+              <a:buClr>
+                <a:schemeClr val="dk1"/>
+              </a:buClr>
+              <a:buSzPct val="100000"/>
+              <a:buFont typeface="Courier New"/>
+              <a:buChar char="o"/>
+            </a:pPr>
+            <a:r>
+              <a:rPr lang="en-US" sz="1800" dirty="0" err="1" smtClean="0">
+                <a:solidFill>
+                  <a:schemeClr val="dk1"/>
+                </a:solidFill>
+              </a:rPr>
+              <a:t>Ketercapaian</a:t>
+            </a:r>
+            <a:r>
+              <a:rPr lang="en-US" sz="1800" dirty="0" smtClean="0">
+                <a:solidFill>
+                  <a:schemeClr val="dk1"/>
+                </a:solidFill>
+              </a:rPr>
+              <a:t> </a:t>
+            </a:r>
+            <a:r>
+              <a:rPr lang="en-US" sz="1800" dirty="0" err="1" smtClean="0">
+                <a:solidFill>
+                  <a:schemeClr val="dk1"/>
+                </a:solidFill>
+              </a:rPr>
+              <a:t>kebutuhan</a:t>
+            </a:r>
+            <a:r>
+              <a:rPr lang="en-US" sz="1800" dirty="0" smtClean="0">
+                <a:solidFill>
+                  <a:schemeClr val="dk1"/>
+                </a:solidFill>
+              </a:rPr>
+              <a:t> </a:t>
+            </a:r>
+            <a:r>
+              <a:rPr lang="en-US" sz="1800" dirty="0" err="1" smtClean="0">
+                <a:solidFill>
+                  <a:schemeClr val="dk1"/>
+                </a:solidFill>
+              </a:rPr>
+              <a:t>fungsional</a:t>
+            </a:r>
+            <a:endParaRPr lang="en-US" sz="1800" dirty="0" smtClean="0">
+              <a:solidFill>
+                <a:schemeClr val="dk1"/>
+              </a:solidFill>
+            </a:endParaRPr>
+          </a:p>
+          <a:p>
+            <a:pPr marL="742950" lvl="1" indent="-247650">
+              <a:spcBef>
+                <a:spcPts val="800"/>
+              </a:spcBef>
+              <a:buClr>
+                <a:schemeClr val="dk1"/>
+              </a:buClr>
+              <a:buSzPct val="100000"/>
+              <a:buFont typeface="Courier New"/>
+              <a:buChar char="o"/>
+            </a:pPr>
+            <a:r>
+              <a:rPr lang="en-US" sz="1800" dirty="0" err="1" smtClean="0">
+                <a:solidFill>
+                  <a:schemeClr val="dk1"/>
+                </a:solidFill>
+              </a:rPr>
+              <a:t>Akurasi</a:t>
+            </a:r>
+            <a:r>
+              <a:rPr lang="en-US" sz="1800" dirty="0" smtClean="0">
+                <a:solidFill>
+                  <a:schemeClr val="dk1"/>
+                </a:solidFill>
+              </a:rPr>
+              <a:t> </a:t>
+            </a:r>
+            <a:r>
+              <a:rPr lang="en-US" sz="1800" dirty="0" err="1">
+                <a:solidFill>
+                  <a:schemeClr val="dk1"/>
+                </a:solidFill>
+              </a:rPr>
+              <a:t>prediksi</a:t>
+            </a:r>
+            <a:r>
+              <a:rPr lang="en-US" sz="1800" dirty="0">
+                <a:solidFill>
+                  <a:schemeClr val="dk1"/>
+                </a:solidFill>
+              </a:rPr>
+              <a:t> </a:t>
+            </a:r>
+            <a:r>
+              <a:rPr lang="en-US" sz="1800" dirty="0" err="1">
+                <a:solidFill>
+                  <a:schemeClr val="dk1"/>
+                </a:solidFill>
+              </a:rPr>
+              <a:t>terhadap</a:t>
+            </a:r>
+            <a:r>
+              <a:rPr lang="en-US" sz="1800" dirty="0">
+                <a:solidFill>
+                  <a:schemeClr val="dk1"/>
+                </a:solidFill>
+              </a:rPr>
+              <a:t> </a:t>
+            </a:r>
+            <a:r>
+              <a:rPr lang="en-US" sz="1800" dirty="0" err="1">
+                <a:solidFill>
+                  <a:schemeClr val="dk1"/>
+                </a:solidFill>
+              </a:rPr>
+              <a:t>penilaian</a:t>
+            </a:r>
+            <a:r>
+              <a:rPr lang="en-US" sz="1800" dirty="0">
+                <a:solidFill>
+                  <a:schemeClr val="dk1"/>
+                </a:solidFill>
+              </a:rPr>
+              <a:t> </a:t>
+            </a:r>
+            <a:r>
+              <a:rPr lang="en-US" sz="1800" dirty="0" err="1">
+                <a:solidFill>
+                  <a:schemeClr val="dk1"/>
+                </a:solidFill>
+              </a:rPr>
+              <a:t>pengguna</a:t>
+            </a:r>
+            <a:r>
+              <a:rPr lang="en-US" sz="1800" dirty="0">
+                <a:solidFill>
+                  <a:schemeClr val="dk1"/>
+                </a:solidFill>
+              </a:rPr>
+              <a:t> </a:t>
+            </a:r>
+            <a:r>
+              <a:rPr lang="en-US" sz="1800" dirty="0" err="1">
+                <a:solidFill>
+                  <a:schemeClr val="dk1"/>
+                </a:solidFill>
+              </a:rPr>
+              <a:t>melalui</a:t>
+            </a:r>
+            <a:r>
+              <a:rPr lang="en-US" sz="1800" dirty="0">
+                <a:solidFill>
+                  <a:schemeClr val="dk1"/>
+                </a:solidFill>
+              </a:rPr>
+              <a:t> </a:t>
+            </a:r>
+            <a:r>
+              <a:rPr lang="en-US" sz="1800" dirty="0" err="1" smtClean="0">
+                <a:solidFill>
+                  <a:schemeClr val="dk1"/>
+                </a:solidFill>
+              </a:rPr>
+              <a:t>perhitungan</a:t>
+            </a:r>
+            <a:r>
+              <a:rPr lang="id" sz="1800" dirty="0" smtClean="0">
+                <a:solidFill>
+                  <a:schemeClr val="dk1"/>
+                </a:solidFill>
+              </a:rPr>
+              <a:t>Mean Absolute Error (MAE)</a:t>
+            </a:r>
+          </a:p>
+          <a:p>
+            <a:pPr marL="742950" lvl="1" indent="-247650">
+              <a:spcBef>
+                <a:spcPts val="800"/>
+              </a:spcBef>
+              <a:buClr>
+                <a:schemeClr val="dk1"/>
+              </a:buClr>
+              <a:buSzPct val="100000"/>
+              <a:buFont typeface="Courier New"/>
+              <a:buChar char="o"/>
+            </a:pPr>
+            <a:r>
+              <a:rPr lang="en-US" sz="1800" dirty="0" err="1" smtClean="0">
+                <a:solidFill>
+                  <a:schemeClr val="dk1"/>
+                </a:solidFill>
+              </a:rPr>
+              <a:t>Kesesuaian</a:t>
+            </a:r>
+            <a:r>
+              <a:rPr lang="en-US" sz="1800" dirty="0" smtClean="0">
+                <a:solidFill>
+                  <a:schemeClr val="dk1"/>
+                </a:solidFill>
+              </a:rPr>
+              <a:t> </a:t>
+            </a:r>
+            <a:r>
+              <a:rPr lang="en-US" sz="1800" dirty="0" err="1">
+                <a:solidFill>
+                  <a:schemeClr val="dk1"/>
+                </a:solidFill>
+              </a:rPr>
+              <a:t>rekomendasi</a:t>
+            </a:r>
+            <a:r>
+              <a:rPr lang="en-US" sz="1800" dirty="0">
+                <a:solidFill>
+                  <a:schemeClr val="dk1"/>
+                </a:solidFill>
+              </a:rPr>
+              <a:t> yang </a:t>
+            </a:r>
+            <a:r>
+              <a:rPr lang="en-US" sz="1800" dirty="0" err="1">
+                <a:solidFill>
+                  <a:schemeClr val="dk1"/>
+                </a:solidFill>
+              </a:rPr>
+              <a:t>dihasilkan</a:t>
+            </a:r>
+            <a:r>
+              <a:rPr lang="en-US" sz="1800" dirty="0">
+                <a:solidFill>
+                  <a:schemeClr val="dk1"/>
+                </a:solidFill>
+              </a:rPr>
+              <a:t> </a:t>
+            </a:r>
+            <a:r>
+              <a:rPr lang="en-US" sz="1800" dirty="0" err="1">
+                <a:solidFill>
+                  <a:schemeClr val="dk1"/>
+                </a:solidFill>
+              </a:rPr>
+              <a:t>dengan</a:t>
+            </a:r>
+            <a:r>
+              <a:rPr lang="en-US" sz="1800" dirty="0">
+                <a:solidFill>
+                  <a:schemeClr val="dk1"/>
+                </a:solidFill>
+              </a:rPr>
+              <a:t> </a:t>
+            </a:r>
+            <a:r>
+              <a:rPr lang="en-US" sz="1800" dirty="0" err="1">
+                <a:solidFill>
+                  <a:schemeClr val="dk1"/>
+                </a:solidFill>
+              </a:rPr>
+              <a:t>selera</a:t>
+            </a:r>
+            <a:r>
+              <a:rPr lang="en-US" sz="1800" dirty="0">
+                <a:solidFill>
+                  <a:schemeClr val="dk1"/>
+                </a:solidFill>
+              </a:rPr>
+              <a:t> </a:t>
+            </a:r>
+            <a:r>
+              <a:rPr lang="en-US" sz="1800" dirty="0" err="1" smtClean="0">
+                <a:solidFill>
+                  <a:schemeClr val="dk1"/>
+                </a:solidFill>
+              </a:rPr>
+              <a:t>pengguna</a:t>
+            </a:r>
+            <a:endParaRPr lang="id" sz="1800" dirty="0">
+              <a:solidFill>
+                <a:schemeClr val="dk1"/>
+              </a:solidFill>
+            </a:endParaRPr>
+          </a:p>
+        </p:txBody>
+      </p:sp>
+    </p:spTree>
+  </p:cSld>
+  <p:clrMapOvr>
+    <a:masterClrMapping/>
+  </p:clrMapOvr>
+  <p:transition spd="slow">
+    <p:cut/>
+  </p:transition>
+  <p:timing>
+    <p:tnLst>
+      <p:par>
+        <p:cTn id="1" dur="indefinite" restart="never" nodeType="tmRoot">
+          <p:childTnLst>
+            <p:seq concurrent="1" nextAc="seek">
+              <p:cTn id="2" dur="indefinite" nodeType="mainSeq">
+                <p:childTnLst>
+                  <p:par>
+                    <p:cTn id="3" fill="hold">
+                      <p:stCondLst>
+                        <p:cond delay="indefinite"/>
+                      </p:stCondLst>
+                      <p:childTnLst>
+                        <p:par>
+                          <p:cTn id="4" fill="hold">
+                            <p:stCondLst>
+                              <p:cond delay="0"/>
+                            </p:stCondLst>
+                            <p:childTnLst>
+                              <p:par>
+                                <p:cTn id="5" presetID="10" presetClass="entr" presetSubtype="0" fill="hold" nodeType="clickEffect">
+                                  <p:stCondLst>
+                                    <p:cond delay="0"/>
+                                  </p:stCondLst>
+                                  <p:childTnLst>
+                                    <p:set>
+                                      <p:cBhvr>
+                                        <p:cTn id="6" dur="1" fill="hold">
+                                          <p:stCondLst>
+                                            <p:cond delay="0"/>
+                                          </p:stCondLst>
+                                        </p:cTn>
+                                        <p:tgtEl>
+                                          <p:spTgt spid="171"/>
+                                        </p:tgtEl>
+                                        <p:attrNameLst>
+                                          <p:attrName>style.visibility</p:attrName>
+                                        </p:attrNameLst>
+                                      </p:cBhvr>
+                                      <p:to>
+                                        <p:strVal val="visible"/>
+                                      </p:to>
+                                    </p:set>
+                                    <p:animEffect transition="in" filter="fade">
+                                      <p:cBhvr>
+                                        <p:cTn id="7" dur="1"/>
+                                        <p:tgtEl>
+                                          <p:spTgt spid="171"/>
+                                        </p:tgtEl>
+                                      </p:cBhvr>
+                                    </p:animEffect>
+                                  </p:childTnLst>
+                                </p:cTn>
+                              </p:par>
+                            </p:childTnLst>
+                          </p:cTn>
+                        </p:par>
+                      </p:childTnLst>
+                    </p:cTn>
+                  </p:par>
+                </p:childTnLst>
+              </p:cTn>
+              <p:prevCondLst>
+                <p:cond evt="onPrev" delay="0">
+                  <p:tgtEl>
+                    <p:sldTgt/>
+                  </p:tgtEl>
+                </p:cond>
+              </p:prevCondLst>
+              <p:nextCondLst>
+                <p:cond evt="onNext" delay="0">
+                  <p:tgtEl>
+                    <p:sldTgt/>
+                  </p:tgtEl>
+                </p:cond>
+              </p:nextCondLst>
+            </p:seq>
+          </p:childTnLst>
+        </p:cTn>
       </p:par>
     </p:tnLst>
   </p:timing>
@@ -33966,15 +34057,7 @@
                   <a:schemeClr val="dk1"/>
                 </a:solidFill>
               </a:rPr>
-              <a:t>, </a:t>
-            </a:r>
-            <a:r>
-              <a:rPr lang="id" sz="2100" b="0" i="0" u="none" strike="noStrike" cap="none" smtClean="0">
-                <a:solidFill>
-                  <a:schemeClr val="dk1"/>
-                </a:solidFill>
-              </a:rPr>
-              <a:t>sehat </a:t>
+              <a:t>, sehat </a:t>
             </a:r>
             <a:r>
               <a:rPr lang="id" sz="2100" b="0" i="0" u="none" strike="noStrike" cap="none" dirty="0" smtClean="0">
